--- a/Azure Service Bus Austin Azure usergroup 2016-09-08.pptx
+++ b/Azure Service Bus Austin Azure usergroup 2016-09-08.pptx
@@ -5,36 +5,37 @@
     <p:sldMasterId id="2147483648" r:id="rId1"/>
   </p:sldMasterIdLst>
   <p:notesMasterIdLst>
-    <p:notesMasterId r:id="rId29"/>
+    <p:notesMasterId r:id="rId30"/>
   </p:notesMasterIdLst>
   <p:sldIdLst>
-    <p:sldId id="256" r:id="rId2"/>
-    <p:sldId id="257" r:id="rId3"/>
-    <p:sldId id="259" r:id="rId4"/>
-    <p:sldId id="260" r:id="rId5"/>
-    <p:sldId id="261" r:id="rId6"/>
-    <p:sldId id="278" r:id="rId7"/>
-    <p:sldId id="279" r:id="rId8"/>
-    <p:sldId id="265" r:id="rId9"/>
-    <p:sldId id="281" r:id="rId10"/>
-    <p:sldId id="266" r:id="rId11"/>
-    <p:sldId id="267" r:id="rId12"/>
-    <p:sldId id="262" r:id="rId13"/>
-    <p:sldId id="263" r:id="rId14"/>
-    <p:sldId id="286" r:id="rId15"/>
-    <p:sldId id="283" r:id="rId16"/>
-    <p:sldId id="272" r:id="rId17"/>
-    <p:sldId id="274" r:id="rId18"/>
-    <p:sldId id="273" r:id="rId19"/>
-    <p:sldId id="287" r:id="rId20"/>
-    <p:sldId id="293" r:id="rId21"/>
-    <p:sldId id="292" r:id="rId22"/>
-    <p:sldId id="291" r:id="rId23"/>
-    <p:sldId id="290" r:id="rId24"/>
-    <p:sldId id="294" r:id="rId25"/>
-    <p:sldId id="288" r:id="rId26"/>
-    <p:sldId id="289" r:id="rId27"/>
-    <p:sldId id="285" r:id="rId28"/>
+    <p:sldId id="257" r:id="rId2"/>
+    <p:sldId id="256" r:id="rId3"/>
+    <p:sldId id="295" r:id="rId4"/>
+    <p:sldId id="296" r:id="rId5"/>
+    <p:sldId id="259" r:id="rId6"/>
+    <p:sldId id="260" r:id="rId7"/>
+    <p:sldId id="261" r:id="rId8"/>
+    <p:sldId id="278" r:id="rId9"/>
+    <p:sldId id="279" r:id="rId10"/>
+    <p:sldId id="265" r:id="rId11"/>
+    <p:sldId id="281" r:id="rId12"/>
+    <p:sldId id="266" r:id="rId13"/>
+    <p:sldId id="267" r:id="rId14"/>
+    <p:sldId id="262" r:id="rId15"/>
+    <p:sldId id="263" r:id="rId16"/>
+    <p:sldId id="286" r:id="rId17"/>
+    <p:sldId id="283" r:id="rId18"/>
+    <p:sldId id="272" r:id="rId19"/>
+    <p:sldId id="274" r:id="rId20"/>
+    <p:sldId id="273" r:id="rId21"/>
+    <p:sldId id="293" r:id="rId22"/>
+    <p:sldId id="292" r:id="rId23"/>
+    <p:sldId id="291" r:id="rId24"/>
+    <p:sldId id="290" r:id="rId25"/>
+    <p:sldId id="294" r:id="rId26"/>
+    <p:sldId id="288" r:id="rId27"/>
+    <p:sldId id="289" r:id="rId28"/>
+    <p:sldId id="285" r:id="rId29"/>
   </p:sldIdLst>
   <p:sldSz cx="12192000" cy="6858000"/>
   <p:notesSz cx="6858000" cy="9144000"/>
@@ -2533,6 +2534,13 @@
         </dgm:presLayoutVars>
       </dgm:prSet>
       <dgm:spPr/>
+      <dgm:t>
+        <a:bodyPr/>
+        <a:lstStyle/>
+        <a:p>
+          <a:endParaRPr lang="en-CA"/>
+        </a:p>
+      </dgm:t>
     </dgm:pt>
     <dgm:pt modelId="{09544157-A78F-43B6-9028-DF2F5F424FDC}" type="pres">
       <dgm:prSet presAssocID="{DD98920A-75BB-4535-99C2-3B6192F4BDE4}" presName="radial" presStyleCnt="0">
@@ -2545,6 +2553,13 @@
     <dgm:pt modelId="{0513E1FC-A9D7-45D4-839E-F54AEC13DAEF}" type="pres">
       <dgm:prSet presAssocID="{2AD1D386-9552-4D31-90A0-14145EEEB3A7}" presName="centerShape" presStyleLbl="vennNode1" presStyleIdx="0" presStyleCnt="3"/>
       <dgm:spPr/>
+      <dgm:t>
+        <a:bodyPr/>
+        <a:lstStyle/>
+        <a:p>
+          <a:endParaRPr lang="en-CA"/>
+        </a:p>
+      </dgm:t>
     </dgm:pt>
     <dgm:pt modelId="{55EC9E6F-7538-45AE-B5C3-4D1C72619353}" type="pres">
       <dgm:prSet presAssocID="{9845EE77-C277-49D0-B5B3-978267D746EF}" presName="node" presStyleLbl="vennNode1" presStyleIdx="1" presStyleCnt="3" custScaleX="320232" custScaleY="308057" custRadScaleRad="42733" custRadScaleInc="1973">
@@ -2553,6 +2568,13 @@
         </dgm:presLayoutVars>
       </dgm:prSet>
       <dgm:spPr/>
+      <dgm:t>
+        <a:bodyPr/>
+        <a:lstStyle/>
+        <a:p>
+          <a:endParaRPr lang="en-CA"/>
+        </a:p>
+      </dgm:t>
     </dgm:pt>
     <dgm:pt modelId="{8D59F236-B5EC-4A03-9AB2-D83FB6B5B6CF}" type="pres">
       <dgm:prSet presAssocID="{BBBFBAB7-1262-46B5-A857-5DDCD7F75AEE}" presName="node" presStyleLbl="vennNode1" presStyleIdx="2" presStyleCnt="3" custScaleX="313815" custScaleY="313815" custRadScaleRad="43291" custRadScaleInc="427">
@@ -2561,6 +2583,13 @@
         </dgm:presLayoutVars>
       </dgm:prSet>
       <dgm:spPr/>
+      <dgm:t>
+        <a:bodyPr/>
+        <a:lstStyle/>
+        <a:p>
+          <a:endParaRPr lang="en-CA"/>
+        </a:p>
+      </dgm:t>
     </dgm:pt>
   </dgm:ptLst>
   <dgm:cxnLst>
@@ -2725,6 +2754,13 @@
         </dgm:presLayoutVars>
       </dgm:prSet>
       <dgm:spPr/>
+      <dgm:t>
+        <a:bodyPr/>
+        <a:lstStyle/>
+        <a:p>
+          <a:endParaRPr lang="en-CA"/>
+        </a:p>
+      </dgm:t>
     </dgm:pt>
     <dgm:pt modelId="{09544157-A78F-43B6-9028-DF2F5F424FDC}" type="pres">
       <dgm:prSet presAssocID="{DD98920A-75BB-4535-99C2-3B6192F4BDE4}" presName="radial" presStyleCnt="0">
@@ -2737,6 +2773,13 @@
     <dgm:pt modelId="{0513E1FC-A9D7-45D4-839E-F54AEC13DAEF}" type="pres">
       <dgm:prSet presAssocID="{2AD1D386-9552-4D31-90A0-14145EEEB3A7}" presName="centerShape" presStyleLbl="vennNode1" presStyleIdx="0" presStyleCnt="3"/>
       <dgm:spPr/>
+      <dgm:t>
+        <a:bodyPr/>
+        <a:lstStyle/>
+        <a:p>
+          <a:endParaRPr lang="en-CA"/>
+        </a:p>
+      </dgm:t>
     </dgm:pt>
     <dgm:pt modelId="{55EC9E6F-7538-45AE-B5C3-4D1C72619353}" type="pres">
       <dgm:prSet presAssocID="{9845EE77-C277-49D0-B5B3-978267D746EF}" presName="node" presStyleLbl="vennNode1" presStyleIdx="1" presStyleCnt="3" custScaleX="320232" custScaleY="308057" custRadScaleRad="41229" custRadScaleInc="980">
@@ -2745,6 +2788,13 @@
         </dgm:presLayoutVars>
       </dgm:prSet>
       <dgm:spPr/>
+      <dgm:t>
+        <a:bodyPr/>
+        <a:lstStyle/>
+        <a:p>
+          <a:endParaRPr lang="en-CA"/>
+        </a:p>
+      </dgm:t>
     </dgm:pt>
     <dgm:pt modelId="{8D59F236-B5EC-4A03-9AB2-D83FB6B5B6CF}" type="pres">
       <dgm:prSet presAssocID="{BBBFBAB7-1262-46B5-A857-5DDCD7F75AEE}" presName="node" presStyleLbl="vennNode1" presStyleIdx="2" presStyleCnt="3" custScaleX="313815" custScaleY="313815" custRadScaleRad="44652">
@@ -2753,6 +2803,13 @@
         </dgm:presLayoutVars>
       </dgm:prSet>
       <dgm:spPr/>
+      <dgm:t>
+        <a:bodyPr/>
+        <a:lstStyle/>
+        <a:p>
+          <a:endParaRPr lang="en-CA"/>
+        </a:p>
+      </dgm:t>
     </dgm:pt>
   </dgm:ptLst>
   <dgm:cxnLst>
@@ -2877,6 +2934,13 @@
         </dgm:presLayoutVars>
       </dgm:prSet>
       <dgm:spPr/>
+      <dgm:t>
+        <a:bodyPr/>
+        <a:lstStyle/>
+        <a:p>
+          <a:endParaRPr lang="en-CA"/>
+        </a:p>
+      </dgm:t>
     </dgm:pt>
     <dgm:pt modelId="{E1EA4F77-4E59-4B82-A213-EAF83E654A96}" type="pres">
       <dgm:prSet presAssocID="{609863B3-1C69-45D5-B0F4-A5F8BB79D2FD}" presName="dummy" presStyleCnt="0"/>
@@ -2889,10 +2953,24 @@
         </dgm:presLayoutVars>
       </dgm:prSet>
       <dgm:spPr/>
+      <dgm:t>
+        <a:bodyPr/>
+        <a:lstStyle/>
+        <a:p>
+          <a:endParaRPr lang="en-CA"/>
+        </a:p>
+      </dgm:t>
     </dgm:pt>
     <dgm:pt modelId="{BC435A70-C220-4E46-A928-F4F1C184542A}" type="pres">
       <dgm:prSet presAssocID="{A0E3D968-C45A-4CD6-8111-BD8B677DF8A8}" presName="sibTrans" presStyleLbl="node1" presStyleIdx="0" presStyleCnt="2" custLinFactNeighborY="667"/>
       <dgm:spPr/>
+      <dgm:t>
+        <a:bodyPr/>
+        <a:lstStyle/>
+        <a:p>
+          <a:endParaRPr lang="en-CA"/>
+        </a:p>
+      </dgm:t>
     </dgm:pt>
     <dgm:pt modelId="{F2ABC3E1-7128-4287-998C-BEAF07A1F639}" type="pres">
       <dgm:prSet presAssocID="{E7B59FA5-DF05-4F17-A409-8E228FB0B967}" presName="dummy" presStyleCnt="0"/>
@@ -2905,10 +2983,24 @@
         </dgm:presLayoutVars>
       </dgm:prSet>
       <dgm:spPr/>
+      <dgm:t>
+        <a:bodyPr/>
+        <a:lstStyle/>
+        <a:p>
+          <a:endParaRPr lang="en-CA"/>
+        </a:p>
+      </dgm:t>
     </dgm:pt>
     <dgm:pt modelId="{4E604982-FE1D-4293-B776-416BCDF7EBAB}" type="pres">
       <dgm:prSet presAssocID="{C18FAA80-5DFF-4C9F-9F32-BA278B351EE2}" presName="sibTrans" presStyleLbl="node1" presStyleIdx="1" presStyleCnt="2"/>
       <dgm:spPr/>
+      <dgm:t>
+        <a:bodyPr/>
+        <a:lstStyle/>
+        <a:p>
+          <a:endParaRPr lang="en-CA"/>
+        </a:p>
+      </dgm:t>
     </dgm:pt>
   </dgm:ptLst>
   <dgm:cxnLst>
@@ -2944,230 +3036,6 @@
       <dsp:cNvGrpSpPr/>
     </dsp:nvGrpSpPr>
     <dsp:grpSpPr/>
-    <dsp:sp modelId="{0513E1FC-A9D7-45D4-839E-F54AEC13DAEF}">
-      <dsp:nvSpPr>
-        <dsp:cNvPr id="0" name=""/>
-        <dsp:cNvSpPr/>
-      </dsp:nvSpPr>
-      <dsp:spPr>
-        <a:xfrm>
-          <a:off x="861684" y="1014850"/>
-          <a:ext cx="2146652" cy="2146652"/>
-        </a:xfrm>
-        <a:prstGeom prst="ellipse">
-          <a:avLst/>
-        </a:prstGeom>
-        <a:solidFill>
-          <a:schemeClr val="accent1">
-            <a:alpha val="50000"/>
-            <a:hueOff val="0"/>
-            <a:satOff val="0"/>
-            <a:lumOff val="0"/>
-            <a:alphaOff val="0"/>
-          </a:schemeClr>
-        </a:solidFill>
-        <a:ln w="12700" cap="flat" cmpd="sng" algn="ctr">
-          <a:solidFill>
-            <a:schemeClr val="lt1">
-              <a:hueOff val="0"/>
-              <a:satOff val="0"/>
-              <a:lumOff val="0"/>
-              <a:alphaOff val="0"/>
-            </a:schemeClr>
-          </a:solidFill>
-          <a:prstDash val="solid"/>
-          <a:miter lim="800000"/>
-        </a:ln>
-        <a:effectLst/>
-      </dsp:spPr>
-      <dsp:style>
-        <a:lnRef idx="2">
-          <a:scrgbClr r="0" g="0" b="0"/>
-        </a:lnRef>
-        <a:fillRef idx="1">
-          <a:scrgbClr r="0" g="0" b="0"/>
-        </a:fillRef>
-        <a:effectRef idx="0">
-          <a:scrgbClr r="0" g="0" b="0"/>
-        </a:effectRef>
-        <a:fontRef idx="minor">
-          <a:schemeClr val="tx1"/>
-        </a:fontRef>
-      </dsp:style>
-      <dsp:txBody>
-        <a:bodyPr spcFirstLastPara="0" vert="horz" wrap="square" lIns="22860" tIns="22860" rIns="22860" bIns="22860" numCol="1" spcCol="1270" anchor="ctr" anchorCtr="0">
-          <a:noAutofit/>
-        </a:bodyPr>
-        <a:lstStyle/>
-        <a:p>
-          <a:pPr marL="0" lvl="0" indent="0" algn="ctr" defTabSz="800100">
-            <a:lnSpc>
-              <a:spcPct val="90000"/>
-            </a:lnSpc>
-            <a:spcBef>
-              <a:spcPct val="0"/>
-            </a:spcBef>
-            <a:spcAft>
-              <a:spcPct val="35000"/>
-            </a:spcAft>
-            <a:buNone/>
-          </a:pPr>
-          <a:r>
-            <a:rPr lang="en-US" sz="1800" kern="1200" dirty="0" err="1"/>
-            <a:t>MessageSender</a:t>
-          </a:r>
-          <a:endParaRPr lang="en-US" sz="1800" kern="1200" dirty="0"/>
-        </a:p>
-      </dsp:txBody>
-      <dsp:txXfrm>
-        <a:off x="1176054" y="1329220"/>
-        <a:ext cx="1517912" cy="1517912"/>
-      </dsp:txXfrm>
-    </dsp:sp>
-    <dsp:sp modelId="{55EC9E6F-7538-45AE-B5C3-4D1C72619353}">
-      <dsp:nvSpPr>
-        <dsp:cNvPr id="0" name=""/>
-        <dsp:cNvSpPr/>
-      </dsp:nvSpPr>
-      <dsp:spPr>
-        <a:xfrm>
-          <a:off x="253448" y="-161296"/>
-          <a:ext cx="3437133" cy="3306456"/>
-        </a:xfrm>
-        <a:prstGeom prst="ellipse">
-          <a:avLst/>
-        </a:prstGeom>
-        <a:solidFill>
-          <a:srgbClr val="5B9BD5">
-            <a:alpha val="30196"/>
-          </a:srgbClr>
-        </a:solidFill>
-        <a:ln w="12700" cap="flat" cmpd="sng" algn="ctr">
-          <a:solidFill>
-            <a:schemeClr val="lt1">
-              <a:hueOff val="0"/>
-              <a:satOff val="0"/>
-              <a:lumOff val="0"/>
-              <a:alphaOff val="0"/>
-            </a:schemeClr>
-          </a:solidFill>
-          <a:prstDash val="solid"/>
-          <a:miter lim="800000"/>
-        </a:ln>
-        <a:effectLst/>
-      </dsp:spPr>
-      <dsp:style>
-        <a:lnRef idx="2">
-          <a:scrgbClr r="0" g="0" b="0"/>
-        </a:lnRef>
-        <a:fillRef idx="1">
-          <a:scrgbClr r="0" g="0" b="0"/>
-        </a:fillRef>
-        <a:effectRef idx="0">
-          <a:scrgbClr r="0" g="0" b="0"/>
-        </a:effectRef>
-        <a:fontRef idx="minor">
-          <a:schemeClr val="tx1"/>
-        </a:fontRef>
-      </dsp:style>
-      <dsp:txBody>
-        <a:bodyPr spcFirstLastPara="0" vert="horz" wrap="square" lIns="22860" tIns="22860" rIns="22860" bIns="22860" numCol="1" spcCol="1270" anchor="ctr" anchorCtr="0">
-          <a:noAutofit/>
-        </a:bodyPr>
-        <a:lstStyle/>
-        <a:p>
-          <a:pPr marL="0" lvl="0" indent="0" algn="ctr" defTabSz="800100">
-            <a:lnSpc>
-              <a:spcPct val="90000"/>
-            </a:lnSpc>
-            <a:spcBef>
-              <a:spcPct val="0"/>
-            </a:spcBef>
-            <a:spcAft>
-              <a:spcPct val="35000"/>
-            </a:spcAft>
-            <a:buNone/>
-          </a:pPr>
-          <a:endParaRPr lang="en-US" sz="1800" kern="1200" dirty="0"/>
-        </a:p>
-      </dsp:txBody>
-      <dsp:txXfrm>
-        <a:off x="756804" y="322923"/>
-        <a:ext cx="2430421" cy="2338018"/>
-      </dsp:txXfrm>
-    </dsp:sp>
-    <dsp:sp modelId="{8D59F236-B5EC-4A03-9AB2-D83FB6B5B6CF}">
-      <dsp:nvSpPr>
-        <dsp:cNvPr id="0" name=""/>
-        <dsp:cNvSpPr/>
-      </dsp:nvSpPr>
-      <dsp:spPr>
-        <a:xfrm>
-          <a:off x="242763" y="1009185"/>
-          <a:ext cx="3368258" cy="3368258"/>
-        </a:xfrm>
-        <a:prstGeom prst="ellipse">
-          <a:avLst/>
-        </a:prstGeom>
-        <a:solidFill>
-          <a:srgbClr val="5B9BD5">
-            <a:alpha val="30196"/>
-          </a:srgbClr>
-        </a:solidFill>
-        <a:ln w="12700" cap="flat" cmpd="sng" algn="ctr">
-          <a:solidFill>
-            <a:schemeClr val="lt1">
-              <a:hueOff val="0"/>
-              <a:satOff val="0"/>
-              <a:lumOff val="0"/>
-              <a:alphaOff val="0"/>
-            </a:schemeClr>
-          </a:solidFill>
-          <a:prstDash val="solid"/>
-          <a:miter lim="800000"/>
-        </a:ln>
-        <a:effectLst/>
-      </dsp:spPr>
-      <dsp:style>
-        <a:lnRef idx="2">
-          <a:scrgbClr r="0" g="0" b="0"/>
-        </a:lnRef>
-        <a:fillRef idx="1">
-          <a:scrgbClr r="0" g="0" b="0"/>
-        </a:fillRef>
-        <a:effectRef idx="0">
-          <a:scrgbClr r="0" g="0" b="0"/>
-        </a:effectRef>
-        <a:fontRef idx="minor">
-          <a:schemeClr val="tx1"/>
-        </a:fontRef>
-      </dsp:style>
-      <dsp:txBody>
-        <a:bodyPr spcFirstLastPara="0" vert="horz" wrap="square" lIns="22860" tIns="22860" rIns="22860" bIns="22860" numCol="1" spcCol="1270" anchor="ctr" anchorCtr="0">
-          <a:noAutofit/>
-        </a:bodyPr>
-        <a:lstStyle/>
-        <a:p>
-          <a:pPr marL="0" lvl="0" indent="0" algn="ctr" defTabSz="800100">
-            <a:lnSpc>
-              <a:spcPct val="90000"/>
-            </a:lnSpc>
-            <a:spcBef>
-              <a:spcPct val="0"/>
-            </a:spcBef>
-            <a:spcAft>
-              <a:spcPct val="35000"/>
-            </a:spcAft>
-            <a:buNone/>
-          </a:pPr>
-          <a:endParaRPr lang="en-US" sz="1800" kern="1200" dirty="0"/>
-        </a:p>
-      </dsp:txBody>
-      <dsp:txXfrm>
-        <a:off x="736033" y="1502455"/>
-        <a:ext cx="2381718" cy="2381718"/>
-      </dsp:txXfrm>
-    </dsp:sp>
   </dsp:spTree>
 </dsp:drawing>
 </file>
@@ -3180,230 +3048,6 @@
       <dsp:cNvGrpSpPr/>
     </dsp:nvGrpSpPr>
     <dsp:grpSpPr/>
-    <dsp:sp modelId="{0513E1FC-A9D7-45D4-839E-F54AEC13DAEF}">
-      <dsp:nvSpPr>
-        <dsp:cNvPr id="0" name=""/>
-        <dsp:cNvSpPr/>
-      </dsp:nvSpPr>
-      <dsp:spPr>
-        <a:xfrm>
-          <a:off x="861684" y="1014850"/>
-          <a:ext cx="2146652" cy="2146652"/>
-        </a:xfrm>
-        <a:prstGeom prst="ellipse">
-          <a:avLst/>
-        </a:prstGeom>
-        <a:solidFill>
-          <a:schemeClr val="accent1">
-            <a:alpha val="50000"/>
-            <a:hueOff val="0"/>
-            <a:satOff val="0"/>
-            <a:lumOff val="0"/>
-            <a:alphaOff val="0"/>
-          </a:schemeClr>
-        </a:solidFill>
-        <a:ln w="12700" cap="flat" cmpd="sng" algn="ctr">
-          <a:solidFill>
-            <a:schemeClr val="lt1">
-              <a:hueOff val="0"/>
-              <a:satOff val="0"/>
-              <a:lumOff val="0"/>
-              <a:alphaOff val="0"/>
-            </a:schemeClr>
-          </a:solidFill>
-          <a:prstDash val="solid"/>
-          <a:miter lim="800000"/>
-        </a:ln>
-        <a:effectLst/>
-      </dsp:spPr>
-      <dsp:style>
-        <a:lnRef idx="2">
-          <a:scrgbClr r="0" g="0" b="0"/>
-        </a:lnRef>
-        <a:fillRef idx="1">
-          <a:scrgbClr r="0" g="0" b="0"/>
-        </a:fillRef>
-        <a:effectRef idx="0">
-          <a:scrgbClr r="0" g="0" b="0"/>
-        </a:effectRef>
-        <a:fontRef idx="minor">
-          <a:schemeClr val="tx1"/>
-        </a:fontRef>
-      </dsp:style>
-      <dsp:txBody>
-        <a:bodyPr spcFirstLastPara="0" vert="horz" wrap="square" lIns="20320" tIns="20320" rIns="20320" bIns="20320" numCol="1" spcCol="1270" anchor="ctr" anchorCtr="0">
-          <a:noAutofit/>
-        </a:bodyPr>
-        <a:lstStyle/>
-        <a:p>
-          <a:pPr marL="0" lvl="0" indent="0" algn="ctr" defTabSz="711200">
-            <a:lnSpc>
-              <a:spcPct val="90000"/>
-            </a:lnSpc>
-            <a:spcBef>
-              <a:spcPct val="0"/>
-            </a:spcBef>
-            <a:spcAft>
-              <a:spcPct val="35000"/>
-            </a:spcAft>
-            <a:buNone/>
-          </a:pPr>
-          <a:r>
-            <a:rPr lang="en-US" sz="1600" kern="1200" dirty="0" err="1"/>
-            <a:t>MessageReceiver</a:t>
-          </a:r>
-          <a:endParaRPr lang="en-US" sz="1600" kern="1200" dirty="0"/>
-        </a:p>
-      </dsp:txBody>
-      <dsp:txXfrm>
-        <a:off x="1176054" y="1329220"/>
-        <a:ext cx="1517912" cy="1517912"/>
-      </dsp:txXfrm>
-    </dsp:sp>
-    <dsp:sp modelId="{55EC9E6F-7538-45AE-B5C3-4D1C72619353}">
-      <dsp:nvSpPr>
-        <dsp:cNvPr id="0" name=""/>
-        <dsp:cNvSpPr/>
-      </dsp:nvSpPr>
-      <dsp:spPr>
-        <a:xfrm>
-          <a:off x="234185" y="-141145"/>
-          <a:ext cx="3437133" cy="3306456"/>
-        </a:xfrm>
-        <a:prstGeom prst="ellipse">
-          <a:avLst/>
-        </a:prstGeom>
-        <a:solidFill>
-          <a:srgbClr val="5B9BD5">
-            <a:alpha val="30196"/>
-          </a:srgbClr>
-        </a:solidFill>
-        <a:ln w="12700" cap="flat" cmpd="sng" algn="ctr">
-          <a:solidFill>
-            <a:schemeClr val="lt1">
-              <a:hueOff val="0"/>
-              <a:satOff val="0"/>
-              <a:lumOff val="0"/>
-              <a:alphaOff val="0"/>
-            </a:schemeClr>
-          </a:solidFill>
-          <a:prstDash val="solid"/>
-          <a:miter lim="800000"/>
-        </a:ln>
-        <a:effectLst/>
-      </dsp:spPr>
-      <dsp:style>
-        <a:lnRef idx="2">
-          <a:scrgbClr r="0" g="0" b="0"/>
-        </a:lnRef>
-        <a:fillRef idx="1">
-          <a:scrgbClr r="0" g="0" b="0"/>
-        </a:fillRef>
-        <a:effectRef idx="0">
-          <a:scrgbClr r="0" g="0" b="0"/>
-        </a:effectRef>
-        <a:fontRef idx="minor">
-          <a:schemeClr val="tx1"/>
-        </a:fontRef>
-      </dsp:style>
-      <dsp:txBody>
-        <a:bodyPr spcFirstLastPara="0" vert="horz" wrap="square" lIns="20320" tIns="20320" rIns="20320" bIns="20320" numCol="1" spcCol="1270" anchor="ctr" anchorCtr="0">
-          <a:noAutofit/>
-        </a:bodyPr>
-        <a:lstStyle/>
-        <a:p>
-          <a:pPr marL="0" lvl="0" indent="0" algn="ctr" defTabSz="711200">
-            <a:lnSpc>
-              <a:spcPct val="90000"/>
-            </a:lnSpc>
-            <a:spcBef>
-              <a:spcPct val="0"/>
-            </a:spcBef>
-            <a:spcAft>
-              <a:spcPct val="35000"/>
-            </a:spcAft>
-            <a:buNone/>
-          </a:pPr>
-          <a:endParaRPr lang="en-US" sz="1600" kern="1200" dirty="0"/>
-        </a:p>
-      </dsp:txBody>
-      <dsp:txXfrm>
-        <a:off x="737541" y="343074"/>
-        <a:ext cx="2430421" cy="2338018"/>
-      </dsp:txXfrm>
-    </dsp:sp>
-    <dsp:sp modelId="{8D59F236-B5EC-4A03-9AB2-D83FB6B5B6CF}">
-      <dsp:nvSpPr>
-        <dsp:cNvPr id="0" name=""/>
-        <dsp:cNvSpPr/>
-      </dsp:nvSpPr>
-      <dsp:spPr>
-        <a:xfrm>
-          <a:off x="250881" y="1028266"/>
-          <a:ext cx="3368258" cy="3368258"/>
-        </a:xfrm>
-        <a:prstGeom prst="ellipse">
-          <a:avLst/>
-        </a:prstGeom>
-        <a:solidFill>
-          <a:srgbClr val="5B9BD5">
-            <a:alpha val="30196"/>
-          </a:srgbClr>
-        </a:solidFill>
-        <a:ln w="12700" cap="flat" cmpd="sng" algn="ctr">
-          <a:solidFill>
-            <a:schemeClr val="lt1">
-              <a:hueOff val="0"/>
-              <a:satOff val="0"/>
-              <a:lumOff val="0"/>
-              <a:alphaOff val="0"/>
-            </a:schemeClr>
-          </a:solidFill>
-          <a:prstDash val="solid"/>
-          <a:miter lim="800000"/>
-        </a:ln>
-        <a:effectLst/>
-      </dsp:spPr>
-      <dsp:style>
-        <a:lnRef idx="2">
-          <a:scrgbClr r="0" g="0" b="0"/>
-        </a:lnRef>
-        <a:fillRef idx="1">
-          <a:scrgbClr r="0" g="0" b="0"/>
-        </a:fillRef>
-        <a:effectRef idx="0">
-          <a:scrgbClr r="0" g="0" b="0"/>
-        </a:effectRef>
-        <a:fontRef idx="minor">
-          <a:schemeClr val="tx1"/>
-        </a:fontRef>
-      </dsp:style>
-      <dsp:txBody>
-        <a:bodyPr spcFirstLastPara="0" vert="horz" wrap="square" lIns="20320" tIns="20320" rIns="20320" bIns="20320" numCol="1" spcCol="1270" anchor="ctr" anchorCtr="0">
-          <a:noAutofit/>
-        </a:bodyPr>
-        <a:lstStyle/>
-        <a:p>
-          <a:pPr marL="0" lvl="0" indent="0" algn="ctr" defTabSz="711200">
-            <a:lnSpc>
-              <a:spcPct val="90000"/>
-            </a:lnSpc>
-            <a:spcBef>
-              <a:spcPct val="0"/>
-            </a:spcBef>
-            <a:spcAft>
-              <a:spcPct val="35000"/>
-            </a:spcAft>
-            <a:buNone/>
-          </a:pPr>
-          <a:endParaRPr lang="en-US" sz="1600" kern="1200" dirty="0"/>
-        </a:p>
-      </dsp:txBody>
-      <dsp:txXfrm>
-        <a:off x="744151" y="1521536"/>
-        <a:ext cx="2381718" cy="2381718"/>
-      </dsp:txXfrm>
-    </dsp:sp>
   </dsp:spTree>
 </dsp:drawing>
 </file>
@@ -3416,243 +3060,6 @@
       <dsp:cNvGrpSpPr/>
     </dsp:nvGrpSpPr>
     <dsp:grpSpPr/>
-    <dsp:sp modelId="{EF824CA8-9F91-4887-8756-053483482399}">
-      <dsp:nvSpPr>
-        <dsp:cNvPr id="0" name=""/>
-        <dsp:cNvSpPr/>
-      </dsp:nvSpPr>
-      <dsp:spPr>
-        <a:xfrm>
-          <a:off x="1836698" y="835308"/>
-          <a:ext cx="1123478" cy="1123478"/>
-        </a:xfrm>
-        <a:prstGeom prst="rect">
-          <a:avLst/>
-        </a:prstGeom>
-        <a:noFill/>
-        <a:ln>
-          <a:noFill/>
-        </a:ln>
-        <a:effectLst/>
-      </dsp:spPr>
-      <dsp:style>
-        <a:lnRef idx="0">
-          <a:scrgbClr r="0" g="0" b="0"/>
-        </a:lnRef>
-        <a:fillRef idx="0">
-          <a:scrgbClr r="0" g="0" b="0"/>
-        </a:fillRef>
-        <a:effectRef idx="0">
-          <a:scrgbClr r="0" g="0" b="0"/>
-        </a:effectRef>
-        <a:fontRef idx="minor"/>
-      </dsp:style>
-      <dsp:txBody>
-        <a:bodyPr spcFirstLastPara="0" vert="horz" wrap="square" lIns="24130" tIns="24130" rIns="24130" bIns="24130" numCol="1" spcCol="1270" anchor="ctr" anchorCtr="0">
-          <a:noAutofit/>
-        </a:bodyPr>
-        <a:lstStyle/>
-        <a:p>
-          <a:pPr marL="0" lvl="0" indent="0" algn="ctr" defTabSz="844550">
-            <a:lnSpc>
-              <a:spcPct val="90000"/>
-            </a:lnSpc>
-            <a:spcBef>
-              <a:spcPct val="0"/>
-            </a:spcBef>
-            <a:spcAft>
-              <a:spcPct val="35000"/>
-            </a:spcAft>
-            <a:buNone/>
-          </a:pPr>
-          <a:r>
-            <a:rPr lang="en-US" sz="1900" kern="1200" dirty="0"/>
-            <a:t>Complete Abandon Defer </a:t>
-          </a:r>
-          <a:r>
-            <a:rPr lang="en-US" sz="1900" kern="1200" dirty="0" err="1"/>
-            <a:t>Deadletter</a:t>
-          </a:r>
-          <a:endParaRPr lang="en-US" sz="1900" kern="1200" dirty="0"/>
-        </a:p>
-      </dsp:txBody>
-      <dsp:txXfrm>
-        <a:off x="1836698" y="835308"/>
-        <a:ext cx="1123478" cy="1123478"/>
-      </dsp:txXfrm>
-    </dsp:sp>
-    <dsp:sp modelId="{BC435A70-C220-4E46-A928-F4F1C184542A}">
-      <dsp:nvSpPr>
-        <dsp:cNvPr id="0" name=""/>
-        <dsp:cNvSpPr/>
-      </dsp:nvSpPr>
-      <dsp:spPr>
-        <a:xfrm>
-          <a:off x="325467" y="257305"/>
-          <a:ext cx="2310305" cy="2310305"/>
-        </a:xfrm>
-        <a:prstGeom prst="circularArrow">
-          <a:avLst>
-            <a:gd name="adj1" fmla="val 9483"/>
-            <a:gd name="adj2" fmla="val 684942"/>
-            <a:gd name="adj3" fmla="val 7850838"/>
-            <a:gd name="adj4" fmla="val 2264219"/>
-            <a:gd name="adj5" fmla="val 11063"/>
-          </a:avLst>
-        </a:prstGeom>
-        <a:solidFill>
-          <a:schemeClr val="accent1">
-            <a:hueOff val="0"/>
-            <a:satOff val="0"/>
-            <a:lumOff val="0"/>
-            <a:alphaOff val="0"/>
-          </a:schemeClr>
-        </a:solidFill>
-        <a:ln w="12700" cap="flat" cmpd="sng" algn="ctr">
-          <a:solidFill>
-            <a:schemeClr val="lt1">
-              <a:hueOff val="0"/>
-              <a:satOff val="0"/>
-              <a:lumOff val="0"/>
-              <a:alphaOff val="0"/>
-            </a:schemeClr>
-          </a:solidFill>
-          <a:prstDash val="solid"/>
-          <a:miter lim="800000"/>
-        </a:ln>
-        <a:effectLst/>
-      </dsp:spPr>
-      <dsp:style>
-        <a:lnRef idx="2">
-          <a:scrgbClr r="0" g="0" b="0"/>
-        </a:lnRef>
-        <a:fillRef idx="1">
-          <a:scrgbClr r="0" g="0" b="0"/>
-        </a:fillRef>
-        <a:effectRef idx="0">
-          <a:scrgbClr r="0" g="0" b="0"/>
-        </a:effectRef>
-        <a:fontRef idx="minor">
-          <a:schemeClr val="lt1"/>
-        </a:fontRef>
-      </dsp:style>
-    </dsp:sp>
-    <dsp:sp modelId="{C0BA17BB-D015-4260-AE29-29ADFD7A68BD}">
-      <dsp:nvSpPr>
-        <dsp:cNvPr id="0" name=""/>
-        <dsp:cNvSpPr/>
-      </dsp:nvSpPr>
-      <dsp:spPr>
-        <a:xfrm>
-          <a:off x="1063" y="835308"/>
-          <a:ext cx="1123478" cy="1123478"/>
-        </a:xfrm>
-        <a:prstGeom prst="rect">
-          <a:avLst/>
-        </a:prstGeom>
-        <a:noFill/>
-        <a:ln>
-          <a:noFill/>
-        </a:ln>
-        <a:effectLst/>
-      </dsp:spPr>
-      <dsp:style>
-        <a:lnRef idx="0">
-          <a:scrgbClr r="0" g="0" b="0"/>
-        </a:lnRef>
-        <a:fillRef idx="0">
-          <a:scrgbClr r="0" g="0" b="0"/>
-        </a:fillRef>
-        <a:effectRef idx="0">
-          <a:scrgbClr r="0" g="0" b="0"/>
-        </a:effectRef>
-        <a:fontRef idx="minor"/>
-      </dsp:style>
-      <dsp:txBody>
-        <a:bodyPr spcFirstLastPara="0" vert="horz" wrap="square" lIns="24130" tIns="24130" rIns="24130" bIns="24130" numCol="1" spcCol="1270" anchor="ctr" anchorCtr="0">
-          <a:noAutofit/>
-        </a:bodyPr>
-        <a:lstStyle/>
-        <a:p>
-          <a:pPr marL="0" lvl="0" indent="0" algn="ctr" defTabSz="844550">
-            <a:lnSpc>
-              <a:spcPct val="90000"/>
-            </a:lnSpc>
-            <a:spcBef>
-              <a:spcPct val="0"/>
-            </a:spcBef>
-            <a:spcAft>
-              <a:spcPct val="35000"/>
-            </a:spcAft>
-            <a:buNone/>
-          </a:pPr>
-          <a:r>
-            <a:rPr lang="en-US" sz="1900" kern="1200" dirty="0"/>
-            <a:t>Process</a:t>
-          </a:r>
-        </a:p>
-      </dsp:txBody>
-      <dsp:txXfrm>
-        <a:off x="1063" y="835308"/>
-        <a:ext cx="1123478" cy="1123478"/>
-      </dsp:txXfrm>
-    </dsp:sp>
-    <dsp:sp modelId="{4E604982-FE1D-4293-B776-416BCDF7EBAB}">
-      <dsp:nvSpPr>
-        <dsp:cNvPr id="0" name=""/>
-        <dsp:cNvSpPr/>
-      </dsp:nvSpPr>
-      <dsp:spPr>
-        <a:xfrm>
-          <a:off x="325467" y="241895"/>
-          <a:ext cx="2310305" cy="2310305"/>
-        </a:xfrm>
-        <a:prstGeom prst="circularArrow">
-          <a:avLst>
-            <a:gd name="adj1" fmla="val 9483"/>
-            <a:gd name="adj2" fmla="val 684942"/>
-            <a:gd name="adj3" fmla="val 18650838"/>
-            <a:gd name="adj4" fmla="val 13064219"/>
-            <a:gd name="adj5" fmla="val 11063"/>
-          </a:avLst>
-        </a:prstGeom>
-        <a:solidFill>
-          <a:schemeClr val="accent1">
-            <a:hueOff val="0"/>
-            <a:satOff val="0"/>
-            <a:lumOff val="0"/>
-            <a:alphaOff val="0"/>
-          </a:schemeClr>
-        </a:solidFill>
-        <a:ln w="12700" cap="flat" cmpd="sng" algn="ctr">
-          <a:solidFill>
-            <a:schemeClr val="lt1">
-              <a:hueOff val="0"/>
-              <a:satOff val="0"/>
-              <a:lumOff val="0"/>
-              <a:alphaOff val="0"/>
-            </a:schemeClr>
-          </a:solidFill>
-          <a:prstDash val="solid"/>
-          <a:miter lim="800000"/>
-        </a:ln>
-        <a:effectLst/>
-      </dsp:spPr>
-      <dsp:style>
-        <a:lnRef idx="2">
-          <a:scrgbClr r="0" g="0" b="0"/>
-        </a:lnRef>
-        <a:fillRef idx="1">
-          <a:scrgbClr r="0" g="0" b="0"/>
-        </a:fillRef>
-        <a:effectRef idx="0">
-          <a:scrgbClr r="0" g="0" b="0"/>
-        </a:effectRef>
-        <a:fontRef idx="minor">
-          <a:schemeClr val="lt1"/>
-        </a:fontRef>
-      </dsp:style>
-    </dsp:sp>
   </dsp:spTree>
 </dsp:drawing>
 </file>
@@ -7421,7 +6828,7 @@
           <a:p>
             <a:fld id="{1639318F-A11E-4632-BF99-F8A6CDC302CB}" type="datetimeFigureOut">
               <a:rPr lang="en-CA" smtClean="0"/>
-              <a:t>2016-09-03</a:t>
+              <a:t>2016-09-08</a:t>
             </a:fld>
             <a:endParaRPr lang="en-CA"/>
           </a:p>
@@ -7774,7 +7181,7 @@
           <a:p>
             <a:fld id="{0D2571CC-CB47-453F-9882-C6D2B0397ED5}" type="slidenum">
               <a:rPr lang="en-CA" smtClean="0"/>
-              <a:t>2</a:t>
+              <a:t>1</a:t>
             </a:fld>
             <a:endParaRPr lang="en-CA"/>
           </a:p>
@@ -7794,6 +7201,214 @@
 </file>
 
 <file path=ppt/notesSlides/notesSlide2.xml><?xml version="1.0" encoding="utf-8"?>
+<p:notes xmlns:a="http://schemas.openxmlformats.org/drawingml/2006/main" xmlns:r="http://schemas.openxmlformats.org/officeDocument/2006/relationships" xmlns:p="http://schemas.openxmlformats.org/presentationml/2006/main">
+  <p:cSld>
+    <p:spTree>
+      <p:nvGrpSpPr>
+        <p:cNvPr id="1" name=""/>
+        <p:cNvGrpSpPr/>
+        <p:nvPr/>
+      </p:nvGrpSpPr>
+      <p:grpSpPr>
+        <a:xfrm>
+          <a:off x="0" y="0"/>
+          <a:ext cx="0" cy="0"/>
+          <a:chOff x="0" y="0"/>
+          <a:chExt cx="0" cy="0"/>
+        </a:xfrm>
+      </p:grpSpPr>
+      <p:sp>
+        <p:nvSpPr>
+          <p:cNvPr id="2" name="Slide Image Placeholder 1"/>
+          <p:cNvSpPr>
+            <a:spLocks noGrp="1" noRot="1" noChangeAspect="1"/>
+          </p:cNvSpPr>
+          <p:nvPr>
+            <p:ph type="sldImg"/>
+          </p:nvPr>
+        </p:nvSpPr>
+        <p:spPr/>
+      </p:sp>
+      <p:sp>
+        <p:nvSpPr>
+          <p:cNvPr id="3" name="Notes Placeholder 2"/>
+          <p:cNvSpPr>
+            <a:spLocks noGrp="1"/>
+          </p:cNvSpPr>
+          <p:nvPr>
+            <p:ph type="body" idx="1"/>
+          </p:nvPr>
+        </p:nvSpPr>
+        <p:spPr/>
+        <p:txBody>
+          <a:bodyPr/>
+          <a:lstStyle/>
+          <a:p>
+            <a:r>
+              <a:rPr lang="en-CA" dirty="0"/>
+              <a:t>Focus of this presentation is </a:t>
+            </a:r>
+            <a:r>
+              <a:rPr lang="en-CA" b="1" dirty="0"/>
+              <a:t>brokered messaging</a:t>
+            </a:r>
+            <a:r>
+              <a:rPr lang="en-CA" dirty="0"/>
+              <a:t>, not relayed messaging</a:t>
+            </a:r>
+            <a:r>
+              <a:rPr lang="en-CA" baseline="0" dirty="0"/>
+              <a:t> (Relays) or </a:t>
+            </a:r>
+            <a:r>
+              <a:rPr lang="en-CA" baseline="0" dirty="0" err="1"/>
+              <a:t>EventHubs</a:t>
+            </a:r>
+            <a:endParaRPr lang="en-CA" dirty="0"/>
+          </a:p>
+        </p:txBody>
+      </p:sp>
+      <p:sp>
+        <p:nvSpPr>
+          <p:cNvPr id="4" name="Slide Number Placeholder 3"/>
+          <p:cNvSpPr>
+            <a:spLocks noGrp="1"/>
+          </p:cNvSpPr>
+          <p:nvPr>
+            <p:ph type="sldNum" sz="quarter" idx="10"/>
+          </p:nvPr>
+        </p:nvSpPr>
+        <p:spPr/>
+        <p:txBody>
+          <a:bodyPr/>
+          <a:lstStyle/>
+          <a:p>
+            <a:fld id="{0D2571CC-CB47-453F-9882-C6D2B0397ED5}" type="slidenum">
+              <a:rPr lang="en-CA" smtClean="0"/>
+              <a:t>3</a:t>
+            </a:fld>
+            <a:endParaRPr lang="en-CA"/>
+          </a:p>
+        </p:txBody>
+      </p:sp>
+    </p:spTree>
+    <p:extLst>
+      <p:ext uri="{BB962C8B-B14F-4D97-AF65-F5344CB8AC3E}">
+        <p14:creationId xmlns:p14="http://schemas.microsoft.com/office/powerpoint/2010/main" val="993611853"/>
+      </p:ext>
+    </p:extLst>
+  </p:cSld>
+  <p:clrMapOvr>
+    <a:masterClrMapping/>
+  </p:clrMapOvr>
+</p:notes>
+</file>
+
+<file path=ppt/notesSlides/notesSlide3.xml><?xml version="1.0" encoding="utf-8"?>
+<p:notes xmlns:a="http://schemas.openxmlformats.org/drawingml/2006/main" xmlns:r="http://schemas.openxmlformats.org/officeDocument/2006/relationships" xmlns:p="http://schemas.openxmlformats.org/presentationml/2006/main">
+  <p:cSld>
+    <p:spTree>
+      <p:nvGrpSpPr>
+        <p:cNvPr id="1" name=""/>
+        <p:cNvGrpSpPr/>
+        <p:nvPr/>
+      </p:nvGrpSpPr>
+      <p:grpSpPr>
+        <a:xfrm>
+          <a:off x="0" y="0"/>
+          <a:ext cx="0" cy="0"/>
+          <a:chOff x="0" y="0"/>
+          <a:chExt cx="0" cy="0"/>
+        </a:xfrm>
+      </p:grpSpPr>
+      <p:sp>
+        <p:nvSpPr>
+          <p:cNvPr id="2" name="Slide Image Placeholder 1"/>
+          <p:cNvSpPr>
+            <a:spLocks noGrp="1" noRot="1" noChangeAspect="1"/>
+          </p:cNvSpPr>
+          <p:nvPr>
+            <p:ph type="sldImg"/>
+          </p:nvPr>
+        </p:nvSpPr>
+        <p:spPr/>
+      </p:sp>
+      <p:sp>
+        <p:nvSpPr>
+          <p:cNvPr id="3" name="Notes Placeholder 2"/>
+          <p:cNvSpPr>
+            <a:spLocks noGrp="1"/>
+          </p:cNvSpPr>
+          <p:nvPr>
+            <p:ph type="body" idx="1"/>
+          </p:nvPr>
+        </p:nvSpPr>
+        <p:spPr/>
+        <p:txBody>
+          <a:bodyPr/>
+          <a:lstStyle/>
+          <a:p>
+            <a:r>
+              <a:rPr lang="en-CA" dirty="0"/>
+              <a:t>Focus of this presentation is </a:t>
+            </a:r>
+            <a:r>
+              <a:rPr lang="en-CA" b="1" dirty="0"/>
+              <a:t>brokered messaging</a:t>
+            </a:r>
+            <a:r>
+              <a:rPr lang="en-CA" dirty="0"/>
+              <a:t>, not relayed messaging</a:t>
+            </a:r>
+            <a:r>
+              <a:rPr lang="en-CA" baseline="0" dirty="0"/>
+              <a:t> (Relays) or </a:t>
+            </a:r>
+            <a:r>
+              <a:rPr lang="en-CA" baseline="0" dirty="0" err="1"/>
+              <a:t>EventHubs</a:t>
+            </a:r>
+            <a:endParaRPr lang="en-CA" dirty="0"/>
+          </a:p>
+        </p:txBody>
+      </p:sp>
+      <p:sp>
+        <p:nvSpPr>
+          <p:cNvPr id="4" name="Slide Number Placeholder 3"/>
+          <p:cNvSpPr>
+            <a:spLocks noGrp="1"/>
+          </p:cNvSpPr>
+          <p:nvPr>
+            <p:ph type="sldNum" sz="quarter" idx="10"/>
+          </p:nvPr>
+        </p:nvSpPr>
+        <p:spPr/>
+        <p:txBody>
+          <a:bodyPr/>
+          <a:lstStyle/>
+          <a:p>
+            <a:fld id="{0D2571CC-CB47-453F-9882-C6D2B0397ED5}" type="slidenum">
+              <a:rPr lang="en-CA" smtClean="0"/>
+              <a:t>4</a:t>
+            </a:fld>
+            <a:endParaRPr lang="en-CA"/>
+          </a:p>
+        </p:txBody>
+      </p:sp>
+    </p:spTree>
+    <p:extLst>
+      <p:ext uri="{BB962C8B-B14F-4D97-AF65-F5344CB8AC3E}">
+        <p14:creationId xmlns:p14="http://schemas.microsoft.com/office/powerpoint/2010/main" val="3544868296"/>
+      </p:ext>
+    </p:extLst>
+  </p:cSld>
+  <p:clrMapOvr>
+    <a:masterClrMapping/>
+  </p:clrMapOvr>
+</p:notes>
+</file>
+
+<file path=ppt/notesSlides/notesSlide4.xml><?xml version="1.0" encoding="utf-8"?>
 <p:notes xmlns:a="http://schemas.openxmlformats.org/drawingml/2006/main" xmlns:r="http://schemas.openxmlformats.org/officeDocument/2006/relationships" xmlns:p="http://schemas.openxmlformats.org/presentationml/2006/main">
   <p:cSld>
     <p:spTree>
@@ -7858,7 +7473,7 @@
           <a:p>
             <a:fld id="{0D2571CC-CB47-453F-9882-C6D2B0397ED5}" type="slidenum">
               <a:rPr lang="en-CA" smtClean="0"/>
-              <a:t>4</a:t>
+              <a:t>6</a:t>
             </a:fld>
             <a:endParaRPr lang="en-CA"/>
           </a:p>
@@ -8008,7 +7623,7 @@
           <a:p>
             <a:fld id="{91F17509-A3DD-4616-9315-DE1FA9D0E286}" type="datetimeFigureOut">
               <a:rPr lang="en-CA" smtClean="0"/>
-              <a:t>2016-09-03</a:t>
+              <a:t>2016-09-08</a:t>
             </a:fld>
             <a:endParaRPr lang="en-CA"/>
           </a:p>
@@ -8178,7 +7793,7 @@
           <a:p>
             <a:fld id="{91F17509-A3DD-4616-9315-DE1FA9D0E286}" type="datetimeFigureOut">
               <a:rPr lang="en-CA" smtClean="0"/>
-              <a:t>2016-09-03</a:t>
+              <a:t>2016-09-08</a:t>
             </a:fld>
             <a:endParaRPr lang="en-CA"/>
           </a:p>
@@ -8358,7 +7973,7 @@
           <a:p>
             <a:fld id="{91F17509-A3DD-4616-9315-DE1FA9D0E286}" type="datetimeFigureOut">
               <a:rPr lang="en-CA" smtClean="0"/>
-              <a:t>2016-09-03</a:t>
+              <a:t>2016-09-08</a:t>
             </a:fld>
             <a:endParaRPr lang="en-CA"/>
           </a:p>
@@ -8528,7 +8143,7 @@
           <a:p>
             <a:fld id="{91F17509-A3DD-4616-9315-DE1FA9D0E286}" type="datetimeFigureOut">
               <a:rPr lang="en-CA" smtClean="0"/>
-              <a:t>2016-09-03</a:t>
+              <a:t>2016-09-08</a:t>
             </a:fld>
             <a:endParaRPr lang="en-CA"/>
           </a:p>
@@ -8774,7 +8389,7 @@
           <a:p>
             <a:fld id="{91F17509-A3DD-4616-9315-DE1FA9D0E286}" type="datetimeFigureOut">
               <a:rPr lang="en-CA" smtClean="0"/>
-              <a:t>2016-09-03</a:t>
+              <a:t>2016-09-08</a:t>
             </a:fld>
             <a:endParaRPr lang="en-CA"/>
           </a:p>
@@ -9006,7 +8621,7 @@
           <a:p>
             <a:fld id="{91F17509-A3DD-4616-9315-DE1FA9D0E286}" type="datetimeFigureOut">
               <a:rPr lang="en-CA" smtClean="0"/>
-              <a:t>2016-09-03</a:t>
+              <a:t>2016-09-08</a:t>
             </a:fld>
             <a:endParaRPr lang="en-CA"/>
           </a:p>
@@ -9373,7 +8988,7 @@
           <a:p>
             <a:fld id="{91F17509-A3DD-4616-9315-DE1FA9D0E286}" type="datetimeFigureOut">
               <a:rPr lang="en-CA" smtClean="0"/>
-              <a:t>2016-09-03</a:t>
+              <a:t>2016-09-08</a:t>
             </a:fld>
             <a:endParaRPr lang="en-CA"/>
           </a:p>
@@ -9491,7 +9106,7 @@
           <a:p>
             <a:fld id="{91F17509-A3DD-4616-9315-DE1FA9D0E286}" type="datetimeFigureOut">
               <a:rPr lang="en-CA" smtClean="0"/>
-              <a:t>2016-09-03</a:t>
+              <a:t>2016-09-08</a:t>
             </a:fld>
             <a:endParaRPr lang="en-CA"/>
           </a:p>
@@ -9586,7 +9201,7 @@
           <a:p>
             <a:fld id="{91F17509-A3DD-4616-9315-DE1FA9D0E286}" type="datetimeFigureOut">
               <a:rPr lang="en-CA" smtClean="0"/>
-              <a:t>2016-09-03</a:t>
+              <a:t>2016-09-08</a:t>
             </a:fld>
             <a:endParaRPr lang="en-CA"/>
           </a:p>
@@ -9863,7 +9478,7 @@
           <a:p>
             <a:fld id="{91F17509-A3DD-4616-9315-DE1FA9D0E286}" type="datetimeFigureOut">
               <a:rPr lang="en-CA" smtClean="0"/>
-              <a:t>2016-09-03</a:t>
+              <a:t>2016-09-08</a:t>
             </a:fld>
             <a:endParaRPr lang="en-CA"/>
           </a:p>
@@ -10116,7 +9731,7 @@
           <a:p>
             <a:fld id="{91F17509-A3DD-4616-9315-DE1FA9D0E286}" type="datetimeFigureOut">
               <a:rPr lang="en-CA" smtClean="0"/>
-              <a:t>2016-09-03</a:t>
+              <a:t>2016-09-08</a:t>
             </a:fld>
             <a:endParaRPr lang="en-CA"/>
           </a:p>
@@ -10329,7 +9944,7 @@
           <a:p>
             <a:fld id="{91F17509-A3DD-4616-9315-DE1FA9D0E286}" type="datetimeFigureOut">
               <a:rPr lang="en-CA" smtClean="0"/>
-              <a:t>2016-09-03</a:t>
+              <a:t>2016-09-08</a:t>
             </a:fld>
             <a:endParaRPr lang="en-CA"/>
           </a:p>
@@ -10734,74 +10349,154 @@
           <a:chExt cx="0" cy="0"/>
         </a:xfrm>
       </p:grpSpPr>
+      <mc:AlternateContent xmlns:mc="http://schemas.openxmlformats.org/markup-compatibility/2006">
+        <mc:Choice xmlns:we="http://schemas.microsoft.com/office/webextensions/webextension/2010/11" xmlns:pca="http://schemas.microsoft.com/office/powerpoint/2013/contentapp" Requires="we pca">
+          <p:graphicFrame>
+            <p:nvGraphicFramePr>
+              <p:cNvPr id="5" name="Add-in 4" title="Mentimeter"/>
+              <p:cNvGraphicFramePr>
+                <a:graphicFrameLocks noGrp="1"/>
+              </p:cNvGraphicFramePr>
+              <p:nvPr>
+                <p:extLst>
+                  <p:ext uri="{D42A27DB-BD31-4B8C-83A1-F6EECF244321}">
+                    <p14:modId xmlns:p14="http://schemas.microsoft.com/office/powerpoint/2010/main" val="2216030549"/>
+                  </p:ext>
+                </p:extLst>
+              </p:nvPr>
+            </p:nvGraphicFramePr>
+            <p:xfrm>
+              <a:off x="179238" y="190516"/>
+              <a:ext cx="5674088" cy="6320944"/>
+            </p:xfrm>
+            <a:graphic>
+              <a:graphicData uri="http://schemas.microsoft.com/office/webextensions/webextension/2010/11">
+                <we:webextensionref xmlns:we="http://schemas.microsoft.com/office/webextensions/webextension/2010/11" xmlns:r="http://schemas.openxmlformats.org/officeDocument/2006/relationships" r:id="rId3"/>
+              </a:graphicData>
+            </a:graphic>
+          </p:graphicFrame>
+        </mc:Choice>
+        <mc:Fallback>
+          <p:pic>
+            <p:nvPicPr>
+              <p:cNvPr id="5" name="Add-in 4" title="Mentimeter"/>
+              <p:cNvPicPr>
+                <a:picLocks noGrp="1" noRot="1" noChangeAspect="1" noMove="1" noResize="1" noEditPoints="1" noAdjustHandles="1" noChangeArrowheads="1" noChangeShapeType="1"/>
+              </p:cNvPicPr>
+              <p:nvPr/>
+            </p:nvPicPr>
+            <p:blipFill>
+              <a:blip r:embed="rId4"/>
+              <a:stretch>
+                <a:fillRect/>
+              </a:stretch>
+            </p:blipFill>
+            <p:spPr>
+              <a:xfrm>
+                <a:off x="179238" y="190516"/>
+                <a:ext cx="5674088" cy="6320944"/>
+              </a:xfrm>
+              <a:prstGeom prst="rect">
+                <a:avLst/>
+              </a:prstGeom>
+            </p:spPr>
+          </p:pic>
+        </mc:Fallback>
+      </mc:AlternateContent>
       <p:sp>
         <p:nvSpPr>
-          <p:cNvPr id="3" name="Subtitle 2"/>
-          <p:cNvSpPr>
-            <a:spLocks noGrp="1"/>
-          </p:cNvSpPr>
-          <p:nvPr>
-            <p:ph type="subTitle" idx="1"/>
-          </p:nvPr>
+          <p:cNvPr id="2" name="Rectangle 1"/>
+          <p:cNvSpPr/>
+          <p:nvPr/>
         </p:nvSpPr>
         <p:spPr>
           <a:xfrm>
-            <a:off x="-138110" y="5950434"/>
-            <a:ext cx="7027126" cy="1256393"/>
-          </a:xfrm>
-        </p:spPr>
-        <p:txBody>
-          <a:bodyPr/>
-          <a:lstStyle/>
-          <a:p>
-            <a:r>
-              <a:rPr lang="en-CA" dirty="0"/>
-              <a:t>Sean Feldman</a:t>
-            </a:r>
-          </a:p>
-        </p:txBody>
-      </p:sp>
-      <p:pic>
-        <p:nvPicPr>
-          <p:cNvPr id="1026" name="Picture 2" descr="http://www.softwebiot.com/wp-content/uploads/2015/09/azure.jpg?id=3162"/>
-          <p:cNvPicPr>
-            <a:picLocks noChangeAspect="1" noChangeArrowheads="1"/>
-          </p:cNvPicPr>
-          <p:nvPr/>
-        </p:nvPicPr>
-        <p:blipFill>
-          <a:blip r:embed="rId2">
-            <a:extLst>
-              <a:ext uri="{28A0092B-C50C-407E-A947-70E740481C1C}">
-                <a14:useLocalDpi xmlns:a14="http://schemas.microsoft.com/office/drawing/2010/main" val="0"/>
-              </a:ext>
-            </a:extLst>
-          </a:blip>
-          <a:srcRect/>
-          <a:stretch>
-            <a:fillRect/>
-          </a:stretch>
-        </p:blipFill>
-        <p:spPr bwMode="auto">
-          <a:xfrm>
-            <a:off x="22560" y="-203199"/>
-            <a:ext cx="12192000" cy="7162801"/>
+            <a:off x="5853326" y="179708"/>
+            <a:ext cx="5923214" cy="6331751"/>
           </a:xfrm>
           <a:prstGeom prst="rect">
             <a:avLst/>
           </a:prstGeom>
-          <a:noFill/>
-          <a:extLst>
-            <a:ext uri="{909E8E84-426E-40DD-AFC4-6F175D3DCCD1}">
-              <a14:hiddenFill xmlns:a14="http://schemas.microsoft.com/office/drawing/2010/main">
-                <a:solidFill>
-                  <a:srgbClr val="FFFFFF"/>
-                </a:solidFill>
-              </a14:hiddenFill>
-            </a:ext>
-          </a:extLst>
+          <a:ln>
+            <a:solidFill>
+              <a:schemeClr val="accent1"/>
+            </a:solidFill>
+          </a:ln>
         </p:spPr>
-      </p:pic>
+        <p:style>
+          <a:lnRef idx="2">
+            <a:schemeClr val="accent1">
+              <a:shade val="50000"/>
+            </a:schemeClr>
+          </a:lnRef>
+          <a:fillRef idx="1">
+            <a:schemeClr val="accent1"/>
+          </a:fillRef>
+          <a:effectRef idx="0">
+            <a:schemeClr val="accent1"/>
+          </a:effectRef>
+          <a:fontRef idx="minor">
+            <a:schemeClr val="lt1"/>
+          </a:fontRef>
+        </p:style>
+        <p:txBody>
+          <a:bodyPr rtlCol="0" anchor="ctr"/>
+          <a:lstStyle/>
+          <a:p>
+            <a:pPr algn="ctr"/>
+            <a:r>
+              <a:rPr lang="en-US" dirty="0" err="1" smtClean="0"/>
+              <a:t>ClearMeasure</a:t>
+            </a:r>
+            <a:endParaRPr lang="en-US" dirty="0" smtClean="0"/>
+          </a:p>
+          <a:p>
+            <a:pPr algn="ctr"/>
+            <a:r>
+              <a:rPr lang="en-US" dirty="0" smtClean="0"/>
+              <a:t>Microsoft</a:t>
+            </a:r>
+            <a:endParaRPr lang="en-CA" dirty="0"/>
+          </a:p>
+        </p:txBody>
+      </p:sp>
+    </p:spTree>
+    <p:extLst>
+      <p:ext uri="{BB962C8B-B14F-4D97-AF65-F5344CB8AC3E}">
+        <p14:creationId xmlns:p14="http://schemas.microsoft.com/office/powerpoint/2010/main" val="3222334169"/>
+      </p:ext>
+    </p:extLst>
+  </p:cSld>
+  <p:clrMapOvr>
+    <a:masterClrMapping/>
+  </p:clrMapOvr>
+  <p:timing>
+    <p:tnLst>
+      <p:par>
+        <p:cTn id="1" dur="indefinite" restart="never" nodeType="tmRoot"/>
+      </p:par>
+    </p:tnLst>
+  </p:timing>
+</p:sld>
+</file>
+
+<file path=ppt/slides/slide10.xml><?xml version="1.0" encoding="utf-8"?>
+<p:sld xmlns:a="http://schemas.openxmlformats.org/drawingml/2006/main" xmlns:r="http://schemas.openxmlformats.org/officeDocument/2006/relationships" xmlns:p="http://schemas.openxmlformats.org/presentationml/2006/main">
+  <p:cSld>
+    <p:spTree>
+      <p:nvGrpSpPr>
+        <p:cNvPr id="1" name=""/>
+        <p:cNvGrpSpPr/>
+        <p:nvPr/>
+      </p:nvGrpSpPr>
+      <p:grpSpPr>
+        <a:xfrm>
+          <a:off x="0" y="0"/>
+          <a:ext cx="0" cy="0"/>
+          <a:chOff x="0" y="0"/>
+          <a:chExt cx="0" cy="0"/>
+        </a:xfrm>
+      </p:grpSpPr>
       <p:sp>
         <p:nvSpPr>
           <p:cNvPr id="2" name="Title 1"/>
@@ -10809,22 +10504,20 @@
             <a:spLocks noGrp="1"/>
           </p:cNvSpPr>
           <p:nvPr>
-            <p:ph type="ctrTitle"/>
+            <p:ph type="title"/>
           </p:nvPr>
         </p:nvSpPr>
         <p:spPr>
           <a:xfrm>
-            <a:off x="1688053" y="4029121"/>
-            <a:ext cx="8815895" cy="2387600"/>
+            <a:off x="0" y="0"/>
+            <a:ext cx="12192000" cy="1325563"/>
           </a:xfrm>
           <a:solidFill>
-            <a:srgbClr val="01BAF2"/>
+            <a:srgbClr val="0070C0"/>
           </a:solidFill>
         </p:spPr>
         <p:txBody>
-          <a:bodyPr>
-            <a:normAutofit fontScale="90000"/>
-          </a:bodyPr>
+          <a:bodyPr/>
           <a:lstStyle/>
           <a:p>
             <a:r>
@@ -10833,45 +10526,261 @@
                   <a:schemeClr val="bg1"/>
                 </a:solidFill>
               </a:rPr>
-              <a:t>Azure Service Bus - The good, the Bad and the Awesome</a:t>
+              <a:t>Entities</a:t>
             </a:r>
-            <a:br>
-              <a:rPr lang="en-CA" b="1" dirty="0">
-                <a:solidFill>
-                  <a:schemeClr val="bg1"/>
-                </a:solidFill>
-              </a:rPr>
-            </a:br>
-            <a:r>
-              <a:rPr lang="en-CA" sz="2800" b="1" dirty="0">
-                <a:solidFill>
-                  <a:schemeClr val="bg1"/>
-                </a:solidFill>
-              </a:rPr>
-              <a:t>Sean Feldman, Azure Advisor &amp; MVP</a:t>
-            </a:r>
-            <a:endParaRPr lang="en-CA" dirty="0">
-              <a:solidFill>
-                <a:schemeClr val="bg1"/>
-              </a:solidFill>
-            </a:endParaRPr>
           </a:p>
         </p:txBody>
       </p:sp>
+      <p:pic>
+        <p:nvPicPr>
+          <p:cNvPr id="4" name="Picture 3"/>
+          <p:cNvPicPr>
+            <a:picLocks noChangeAspect="1"/>
+          </p:cNvPicPr>
+          <p:nvPr/>
+        </p:nvPicPr>
+        <p:blipFill>
+          <a:blip r:embed="rId2"/>
+          <a:stretch>
+            <a:fillRect/>
+          </a:stretch>
+        </p:blipFill>
+        <p:spPr>
+          <a:xfrm>
+            <a:off x="3780205" y="1656615"/>
+            <a:ext cx="4631590" cy="4670511"/>
+          </a:xfrm>
+          <a:prstGeom prst="rect">
+            <a:avLst/>
+          </a:prstGeom>
+          <a:ln>
+            <a:solidFill>
+              <a:schemeClr val="tx1"/>
+            </a:solidFill>
+          </a:ln>
+        </p:spPr>
+      </p:pic>
+      <p:pic>
+        <p:nvPicPr>
+          <p:cNvPr id="5" name="Picture 4"/>
+          <p:cNvPicPr>
+            <a:picLocks noChangeAspect="1"/>
+          </p:cNvPicPr>
+          <p:nvPr/>
+        </p:nvPicPr>
+        <p:blipFill>
+          <a:blip r:embed="rId3"/>
+          <a:stretch>
+            <a:fillRect/>
+          </a:stretch>
+        </p:blipFill>
+        <p:spPr>
+          <a:xfrm>
+            <a:off x="3780205" y="1656615"/>
+            <a:ext cx="4631590" cy="4670511"/>
+          </a:xfrm>
+          <a:prstGeom prst="rect">
+            <a:avLst/>
+          </a:prstGeom>
+          <a:ln>
+            <a:solidFill>
+              <a:schemeClr val="tx1"/>
+            </a:solidFill>
+          </a:ln>
+        </p:spPr>
+      </p:pic>
     </p:spTree>
     <p:extLst>
       <p:ext uri="{BB962C8B-B14F-4D97-AF65-F5344CB8AC3E}">
-        <p14:creationId xmlns:p14="http://schemas.microsoft.com/office/powerpoint/2010/main" val="1616503082"/>
+        <p14:creationId xmlns:p14="http://schemas.microsoft.com/office/powerpoint/2010/main" val="2110099357"/>
       </p:ext>
     </p:extLst>
   </p:cSld>
   <p:clrMapOvr>
     <a:masterClrMapping/>
   </p:clrMapOvr>
+  <p:timing>
+    <p:tnLst>
+      <p:par>
+        <p:cTn id="1" dur="indefinite" restart="never" nodeType="tmRoot">
+          <p:childTnLst>
+            <p:seq concurrent="1" nextAc="seek">
+              <p:cTn id="2" dur="indefinite" nodeType="mainSeq">
+                <p:childTnLst>
+                  <p:par>
+                    <p:cTn id="3" fill="hold">
+                      <p:stCondLst>
+                        <p:cond delay="indefinite"/>
+                      </p:stCondLst>
+                      <p:childTnLst>
+                        <p:par>
+                          <p:cTn id="4" fill="hold">
+                            <p:stCondLst>
+                              <p:cond delay="0"/>
+                            </p:stCondLst>
+                            <p:childTnLst>
+                              <p:par>
+                                <p:cTn id="5" presetID="1" presetClass="entr" presetSubtype="0" fill="hold" nodeType="clickEffect">
+                                  <p:stCondLst>
+                                    <p:cond delay="0"/>
+                                  </p:stCondLst>
+                                  <p:childTnLst>
+                                    <p:set>
+                                      <p:cBhvr>
+                                        <p:cTn id="6" dur="1" fill="hold">
+                                          <p:stCondLst>
+                                            <p:cond delay="0"/>
+                                          </p:stCondLst>
+                                        </p:cTn>
+                                        <p:tgtEl>
+                                          <p:spTgt spid="5"/>
+                                        </p:tgtEl>
+                                        <p:attrNameLst>
+                                          <p:attrName>style.visibility</p:attrName>
+                                        </p:attrNameLst>
+                                      </p:cBhvr>
+                                      <p:to>
+                                        <p:strVal val="visible"/>
+                                      </p:to>
+                                    </p:set>
+                                  </p:childTnLst>
+                                </p:cTn>
+                              </p:par>
+                            </p:childTnLst>
+                          </p:cTn>
+                        </p:par>
+                      </p:childTnLst>
+                    </p:cTn>
+                  </p:par>
+                </p:childTnLst>
+              </p:cTn>
+              <p:prevCondLst>
+                <p:cond evt="onPrev" delay="0">
+                  <p:tgtEl>
+                    <p:sldTgt/>
+                  </p:tgtEl>
+                </p:cond>
+              </p:prevCondLst>
+              <p:nextCondLst>
+                <p:cond evt="onNext" delay="0">
+                  <p:tgtEl>
+                    <p:sldTgt/>
+                  </p:tgtEl>
+                </p:cond>
+              </p:nextCondLst>
+            </p:seq>
+          </p:childTnLst>
+        </p:cTn>
+      </p:par>
+    </p:tnLst>
+  </p:timing>
 </p:sld>
 </file>
 
-<file path=ppt/slides/slide10.xml><?xml version="1.0" encoding="utf-8"?>
+<file path=ppt/slides/slide11.xml><?xml version="1.0" encoding="utf-8"?>
+<p:sld xmlns:a="http://schemas.openxmlformats.org/drawingml/2006/main" xmlns:r="http://schemas.openxmlformats.org/officeDocument/2006/relationships" xmlns:p="http://schemas.openxmlformats.org/presentationml/2006/main">
+  <p:cSld>
+    <p:spTree>
+      <p:nvGrpSpPr>
+        <p:cNvPr id="1" name=""/>
+        <p:cNvGrpSpPr/>
+        <p:nvPr/>
+      </p:nvGrpSpPr>
+      <p:grpSpPr>
+        <a:xfrm>
+          <a:off x="0" y="0"/>
+          <a:ext cx="0" cy="0"/>
+          <a:chOff x="0" y="0"/>
+          <a:chExt cx="0" cy="0"/>
+        </a:xfrm>
+      </p:grpSpPr>
+      <p:sp>
+        <p:nvSpPr>
+          <p:cNvPr id="2" name="Title 1"/>
+          <p:cNvSpPr>
+            <a:spLocks noGrp="1"/>
+          </p:cNvSpPr>
+          <p:nvPr>
+            <p:ph type="title"/>
+          </p:nvPr>
+        </p:nvSpPr>
+        <p:spPr>
+          <a:xfrm>
+            <a:off x="0" y="0"/>
+            <a:ext cx="12192000" cy="1325563"/>
+          </a:xfrm>
+          <a:solidFill>
+            <a:srgbClr val="0070C0"/>
+          </a:solidFill>
+        </p:spPr>
+        <p:txBody>
+          <a:bodyPr/>
+          <a:lstStyle/>
+          <a:p>
+            <a:r>
+              <a:rPr lang="en-CA" b="1" dirty="0" err="1">
+                <a:solidFill>
+                  <a:schemeClr val="bg1"/>
+                </a:solidFill>
+              </a:rPr>
+              <a:t>ServiceBus</a:t>
+            </a:r>
+            <a:r>
+              <a:rPr lang="en-CA" b="1" dirty="0">
+                <a:solidFill>
+                  <a:schemeClr val="bg1"/>
+                </a:solidFill>
+              </a:rPr>
+              <a:t> Explorer</a:t>
+            </a:r>
+          </a:p>
+        </p:txBody>
+      </p:sp>
+      <p:pic>
+        <p:nvPicPr>
+          <p:cNvPr id="4" name="Picture 3"/>
+          <p:cNvPicPr>
+            <a:picLocks noChangeAspect="1"/>
+          </p:cNvPicPr>
+          <p:nvPr/>
+        </p:nvPicPr>
+        <p:blipFill>
+          <a:blip r:embed="rId2"/>
+          <a:stretch>
+            <a:fillRect/>
+          </a:stretch>
+        </p:blipFill>
+        <p:spPr>
+          <a:xfrm>
+            <a:off x="1881430" y="1465062"/>
+            <a:ext cx="8429140" cy="5190039"/>
+          </a:xfrm>
+          <a:prstGeom prst="rect">
+            <a:avLst/>
+          </a:prstGeom>
+        </p:spPr>
+      </p:pic>
+    </p:spTree>
+    <p:extLst>
+      <p:ext uri="{BB962C8B-B14F-4D97-AF65-F5344CB8AC3E}">
+        <p14:creationId xmlns:p14="http://schemas.microsoft.com/office/powerpoint/2010/main" val="3141277887"/>
+      </p:ext>
+    </p:extLst>
+  </p:cSld>
+  <p:clrMapOvr>
+    <a:masterClrMapping/>
+  </p:clrMapOvr>
+  <p:timing>
+    <p:tnLst>
+      <p:par>
+        <p:cTn id="1" dur="indefinite" restart="never" nodeType="tmRoot"/>
+      </p:par>
+    </p:tnLst>
+  </p:timing>
+</p:sld>
+</file>
+
+<file path=ppt/slides/slide12.xml><?xml version="1.0" encoding="utf-8"?>
 <p:sld xmlns:a="http://schemas.openxmlformats.org/drawingml/2006/main" xmlns:r="http://schemas.openxmlformats.org/officeDocument/2006/relationships" xmlns:p="http://schemas.openxmlformats.org/presentationml/2006/main">
   <p:cSld>
     <p:spTree>
@@ -10950,28 +10859,28 @@
                 <a:gridCol w="7826072">
                   <a:extLst>
                     <a:ext uri="{9D8B030D-6E8A-4147-A177-3AD203B41FA5}">
-                      <a16:colId xmlns:a16="http://schemas.microsoft.com/office/drawing/2014/main" val="1699504934"/>
+                      <a16:colId xmlns="" xmlns:a16="http://schemas.microsoft.com/office/drawing/2014/main" val="1699504934"/>
                     </a:ext>
                   </a:extLst>
                 </a:gridCol>
                 <a:gridCol w="1206794">
                   <a:extLst>
                     <a:ext uri="{9D8B030D-6E8A-4147-A177-3AD203B41FA5}">
-                      <a16:colId xmlns:a16="http://schemas.microsoft.com/office/drawing/2014/main" val="92080481"/>
+                      <a16:colId xmlns="" xmlns:a16="http://schemas.microsoft.com/office/drawing/2014/main" val="92080481"/>
                     </a:ext>
                   </a:extLst>
                 </a:gridCol>
                 <a:gridCol w="996085">
                   <a:extLst>
                     <a:ext uri="{9D8B030D-6E8A-4147-A177-3AD203B41FA5}">
-                      <a16:colId xmlns:a16="http://schemas.microsoft.com/office/drawing/2014/main" val="3452756205"/>
+                      <a16:colId xmlns="" xmlns:a16="http://schemas.microsoft.com/office/drawing/2014/main" val="3452756205"/>
                     </a:ext>
                   </a:extLst>
                 </a:gridCol>
                 <a:gridCol w="1723990">
                   <a:extLst>
                     <a:ext uri="{9D8B030D-6E8A-4147-A177-3AD203B41FA5}">
-                      <a16:colId xmlns:a16="http://schemas.microsoft.com/office/drawing/2014/main" val="1116476572"/>
+                      <a16:colId xmlns="" xmlns:a16="http://schemas.microsoft.com/office/drawing/2014/main" val="1116476572"/>
                     </a:ext>
                   </a:extLst>
                 </a:gridCol>
@@ -11031,7 +10940,7 @@
                 </a:tc>
                 <a:extLst>
                   <a:ext uri="{0D108BD9-81ED-4DB2-BD59-A6C34878D82A}">
-                    <a16:rowId xmlns:a16="http://schemas.microsoft.com/office/drawing/2014/main" val="1248774390"/>
+                    <a16:rowId xmlns="" xmlns:a16="http://schemas.microsoft.com/office/drawing/2014/main" val="1248774390"/>
                   </a:ext>
                 </a:extLst>
               </a:tr>
@@ -11067,28 +10976,28 @@
                 <a:gridCol w="7826072">
                   <a:extLst>
                     <a:ext uri="{9D8B030D-6E8A-4147-A177-3AD203B41FA5}">
-                      <a16:colId xmlns:a16="http://schemas.microsoft.com/office/drawing/2014/main" val="3207723062"/>
+                      <a16:colId xmlns="" xmlns:a16="http://schemas.microsoft.com/office/drawing/2014/main" val="3207723062"/>
                     </a:ext>
                   </a:extLst>
                 </a:gridCol>
                 <a:gridCol w="1206794">
                   <a:extLst>
                     <a:ext uri="{9D8B030D-6E8A-4147-A177-3AD203B41FA5}">
-                      <a16:colId xmlns:a16="http://schemas.microsoft.com/office/drawing/2014/main" val="1658324364"/>
+                      <a16:colId xmlns="" xmlns:a16="http://schemas.microsoft.com/office/drawing/2014/main" val="1658324364"/>
                     </a:ext>
                   </a:extLst>
                 </a:gridCol>
                 <a:gridCol w="996085">
                   <a:extLst>
                     <a:ext uri="{9D8B030D-6E8A-4147-A177-3AD203B41FA5}">
-                      <a16:colId xmlns:a16="http://schemas.microsoft.com/office/drawing/2014/main" val="970386946"/>
+                      <a16:colId xmlns="" xmlns:a16="http://schemas.microsoft.com/office/drawing/2014/main" val="970386946"/>
                     </a:ext>
                   </a:extLst>
                 </a:gridCol>
                 <a:gridCol w="1723990">
                   <a:extLst>
                     <a:ext uri="{9D8B030D-6E8A-4147-A177-3AD203B41FA5}">
-                      <a16:colId xmlns:a16="http://schemas.microsoft.com/office/drawing/2014/main" val="383583752"/>
+                      <a16:colId xmlns="" xmlns:a16="http://schemas.microsoft.com/office/drawing/2014/main" val="383583752"/>
                     </a:ext>
                   </a:extLst>
                 </a:gridCol>
@@ -11148,7 +11057,7 @@
                 </a:tc>
                 <a:extLst>
                   <a:ext uri="{0D108BD9-81ED-4DB2-BD59-A6C34878D82A}">
-                    <a16:rowId xmlns:a16="http://schemas.microsoft.com/office/drawing/2014/main" val="3125305022"/>
+                    <a16:rowId xmlns="" xmlns:a16="http://schemas.microsoft.com/office/drawing/2014/main" val="3125305022"/>
                   </a:ext>
                 </a:extLst>
               </a:tr>
@@ -11184,28 +11093,28 @@
                 <a:gridCol w="7826072">
                   <a:extLst>
                     <a:ext uri="{9D8B030D-6E8A-4147-A177-3AD203B41FA5}">
-                      <a16:colId xmlns:a16="http://schemas.microsoft.com/office/drawing/2014/main" val="1091211104"/>
+                      <a16:colId xmlns="" xmlns:a16="http://schemas.microsoft.com/office/drawing/2014/main" val="1091211104"/>
                     </a:ext>
                   </a:extLst>
                 </a:gridCol>
                 <a:gridCol w="1206794">
                   <a:extLst>
                     <a:ext uri="{9D8B030D-6E8A-4147-A177-3AD203B41FA5}">
-                      <a16:colId xmlns:a16="http://schemas.microsoft.com/office/drawing/2014/main" val="1150722414"/>
+                      <a16:colId xmlns="" xmlns:a16="http://schemas.microsoft.com/office/drawing/2014/main" val="1150722414"/>
                     </a:ext>
                   </a:extLst>
                 </a:gridCol>
                 <a:gridCol w="996085">
                   <a:extLst>
                     <a:ext uri="{9D8B030D-6E8A-4147-A177-3AD203B41FA5}">
-                      <a16:colId xmlns:a16="http://schemas.microsoft.com/office/drawing/2014/main" val="3208288810"/>
+                      <a16:colId xmlns="" xmlns:a16="http://schemas.microsoft.com/office/drawing/2014/main" val="3208288810"/>
                     </a:ext>
                   </a:extLst>
                 </a:gridCol>
                 <a:gridCol w="1723990">
                   <a:extLst>
                     <a:ext uri="{9D8B030D-6E8A-4147-A177-3AD203B41FA5}">
-                      <a16:colId xmlns:a16="http://schemas.microsoft.com/office/drawing/2014/main" val="589935196"/>
+                      <a16:colId xmlns="" xmlns:a16="http://schemas.microsoft.com/office/drawing/2014/main" val="589935196"/>
                     </a:ext>
                   </a:extLst>
                 </a:gridCol>
@@ -11290,7 +11199,7 @@
                 </a:tc>
                 <a:extLst>
                   <a:ext uri="{0D108BD9-81ED-4DB2-BD59-A6C34878D82A}">
-                    <a16:rowId xmlns:a16="http://schemas.microsoft.com/office/drawing/2014/main" val="370781235"/>
+                    <a16:rowId xmlns="" xmlns:a16="http://schemas.microsoft.com/office/drawing/2014/main" val="370781235"/>
                   </a:ext>
                 </a:extLst>
               </a:tr>
@@ -11326,28 +11235,28 @@
                 <a:gridCol w="7826072">
                   <a:extLst>
                     <a:ext uri="{9D8B030D-6E8A-4147-A177-3AD203B41FA5}">
-                      <a16:colId xmlns:a16="http://schemas.microsoft.com/office/drawing/2014/main" val="1091211104"/>
+                      <a16:colId xmlns="" xmlns:a16="http://schemas.microsoft.com/office/drawing/2014/main" val="1091211104"/>
                     </a:ext>
                   </a:extLst>
                 </a:gridCol>
                 <a:gridCol w="1206794">
                   <a:extLst>
                     <a:ext uri="{9D8B030D-6E8A-4147-A177-3AD203B41FA5}">
-                      <a16:colId xmlns:a16="http://schemas.microsoft.com/office/drawing/2014/main" val="1150722414"/>
+                      <a16:colId xmlns="" xmlns:a16="http://schemas.microsoft.com/office/drawing/2014/main" val="1150722414"/>
                     </a:ext>
                   </a:extLst>
                 </a:gridCol>
                 <a:gridCol w="996085">
                   <a:extLst>
                     <a:ext uri="{9D8B030D-6E8A-4147-A177-3AD203B41FA5}">
-                      <a16:colId xmlns:a16="http://schemas.microsoft.com/office/drawing/2014/main" val="3208288810"/>
+                      <a16:colId xmlns="" xmlns:a16="http://schemas.microsoft.com/office/drawing/2014/main" val="3208288810"/>
                     </a:ext>
                   </a:extLst>
                 </a:gridCol>
                 <a:gridCol w="1723990">
                   <a:extLst>
                     <a:ext uri="{9D8B030D-6E8A-4147-A177-3AD203B41FA5}">
-                      <a16:colId xmlns:a16="http://schemas.microsoft.com/office/drawing/2014/main" val="589935196"/>
+                      <a16:colId xmlns="" xmlns:a16="http://schemas.microsoft.com/office/drawing/2014/main" val="589935196"/>
                     </a:ext>
                   </a:extLst>
                 </a:gridCol>
@@ -11427,7 +11336,7 @@
                 </a:tc>
                 <a:extLst>
                   <a:ext uri="{0D108BD9-81ED-4DB2-BD59-A6C34878D82A}">
-                    <a16:rowId xmlns:a16="http://schemas.microsoft.com/office/drawing/2014/main" val="370781235"/>
+                    <a16:rowId xmlns="" xmlns:a16="http://schemas.microsoft.com/office/drawing/2014/main" val="370781235"/>
                   </a:ext>
                 </a:extLst>
               </a:tr>
@@ -11463,28 +11372,28 @@
                 <a:gridCol w="7826072">
                   <a:extLst>
                     <a:ext uri="{9D8B030D-6E8A-4147-A177-3AD203B41FA5}">
-                      <a16:colId xmlns:a16="http://schemas.microsoft.com/office/drawing/2014/main" val="3104330619"/>
+                      <a16:colId xmlns="" xmlns:a16="http://schemas.microsoft.com/office/drawing/2014/main" val="3104330619"/>
                     </a:ext>
                   </a:extLst>
                 </a:gridCol>
                 <a:gridCol w="1206794">
                   <a:extLst>
                     <a:ext uri="{9D8B030D-6E8A-4147-A177-3AD203B41FA5}">
-                      <a16:colId xmlns:a16="http://schemas.microsoft.com/office/drawing/2014/main" val="4204515562"/>
+                      <a16:colId xmlns="" xmlns:a16="http://schemas.microsoft.com/office/drawing/2014/main" val="4204515562"/>
                     </a:ext>
                   </a:extLst>
                 </a:gridCol>
                 <a:gridCol w="996085">
                   <a:extLst>
                     <a:ext uri="{9D8B030D-6E8A-4147-A177-3AD203B41FA5}">
-                      <a16:colId xmlns:a16="http://schemas.microsoft.com/office/drawing/2014/main" val="2415215335"/>
+                      <a16:colId xmlns="" xmlns:a16="http://schemas.microsoft.com/office/drawing/2014/main" val="2415215335"/>
                     </a:ext>
                   </a:extLst>
                 </a:gridCol>
                 <a:gridCol w="1723990">
                   <a:extLst>
                     <a:ext uri="{9D8B030D-6E8A-4147-A177-3AD203B41FA5}">
-                      <a16:colId xmlns:a16="http://schemas.microsoft.com/office/drawing/2014/main" val="1752649846"/>
+                      <a16:colId xmlns="" xmlns:a16="http://schemas.microsoft.com/office/drawing/2014/main" val="1752649846"/>
                     </a:ext>
                   </a:extLst>
                 </a:gridCol>
@@ -11573,7 +11482,7 @@
                 </a:tc>
                 <a:extLst>
                   <a:ext uri="{0D108BD9-81ED-4DB2-BD59-A6C34878D82A}">
-                    <a16:rowId xmlns:a16="http://schemas.microsoft.com/office/drawing/2014/main" val="1137435020"/>
+                    <a16:rowId xmlns="" xmlns:a16="http://schemas.microsoft.com/office/drawing/2014/main" val="1137435020"/>
                   </a:ext>
                 </a:extLst>
               </a:tr>
@@ -11609,28 +11518,28 @@
                 <a:gridCol w="7826072">
                   <a:extLst>
                     <a:ext uri="{9D8B030D-6E8A-4147-A177-3AD203B41FA5}">
-                      <a16:colId xmlns:a16="http://schemas.microsoft.com/office/drawing/2014/main" val="1123113153"/>
+                      <a16:colId xmlns="" xmlns:a16="http://schemas.microsoft.com/office/drawing/2014/main" val="1123113153"/>
                     </a:ext>
                   </a:extLst>
                 </a:gridCol>
                 <a:gridCol w="1206794">
                   <a:extLst>
                     <a:ext uri="{9D8B030D-6E8A-4147-A177-3AD203B41FA5}">
-                      <a16:colId xmlns:a16="http://schemas.microsoft.com/office/drawing/2014/main" val="2824964704"/>
+                      <a16:colId xmlns="" xmlns:a16="http://schemas.microsoft.com/office/drawing/2014/main" val="2824964704"/>
                     </a:ext>
                   </a:extLst>
                 </a:gridCol>
                 <a:gridCol w="996085">
                   <a:extLst>
                     <a:ext uri="{9D8B030D-6E8A-4147-A177-3AD203B41FA5}">
-                      <a16:colId xmlns:a16="http://schemas.microsoft.com/office/drawing/2014/main" val="2304887084"/>
+                      <a16:colId xmlns="" xmlns:a16="http://schemas.microsoft.com/office/drawing/2014/main" val="2304887084"/>
                     </a:ext>
                   </a:extLst>
                 </a:gridCol>
                 <a:gridCol w="1723990">
                   <a:extLst>
                     <a:ext uri="{9D8B030D-6E8A-4147-A177-3AD203B41FA5}">
-                      <a16:colId xmlns:a16="http://schemas.microsoft.com/office/drawing/2014/main" val="401786890"/>
+                      <a16:colId xmlns="" xmlns:a16="http://schemas.microsoft.com/office/drawing/2014/main" val="401786890"/>
                     </a:ext>
                   </a:extLst>
                 </a:gridCol>
@@ -11707,7 +11616,7 @@
                 </a:tc>
                 <a:extLst>
                   <a:ext uri="{0D108BD9-81ED-4DB2-BD59-A6C34878D82A}">
-                    <a16:rowId xmlns:a16="http://schemas.microsoft.com/office/drawing/2014/main" val="2441662402"/>
+                    <a16:rowId xmlns="" xmlns:a16="http://schemas.microsoft.com/office/drawing/2014/main" val="2441662402"/>
                   </a:ext>
                 </a:extLst>
               </a:tr>
@@ -11743,28 +11652,28 @@
                 <a:gridCol w="7826072">
                   <a:extLst>
                     <a:ext uri="{9D8B030D-6E8A-4147-A177-3AD203B41FA5}">
-                      <a16:colId xmlns:a16="http://schemas.microsoft.com/office/drawing/2014/main" val="3199696017"/>
+                      <a16:colId xmlns="" xmlns:a16="http://schemas.microsoft.com/office/drawing/2014/main" val="3199696017"/>
                     </a:ext>
                   </a:extLst>
                 </a:gridCol>
                 <a:gridCol w="1206794">
                   <a:extLst>
                     <a:ext uri="{9D8B030D-6E8A-4147-A177-3AD203B41FA5}">
-                      <a16:colId xmlns:a16="http://schemas.microsoft.com/office/drawing/2014/main" val="3539112866"/>
+                      <a16:colId xmlns="" xmlns:a16="http://schemas.microsoft.com/office/drawing/2014/main" val="3539112866"/>
                     </a:ext>
                   </a:extLst>
                 </a:gridCol>
                 <a:gridCol w="996085">
                   <a:extLst>
                     <a:ext uri="{9D8B030D-6E8A-4147-A177-3AD203B41FA5}">
-                      <a16:colId xmlns:a16="http://schemas.microsoft.com/office/drawing/2014/main" val="2809230224"/>
+                      <a16:colId xmlns="" xmlns:a16="http://schemas.microsoft.com/office/drawing/2014/main" val="2809230224"/>
                     </a:ext>
                   </a:extLst>
                 </a:gridCol>
                 <a:gridCol w="1723990">
                   <a:extLst>
                     <a:ext uri="{9D8B030D-6E8A-4147-A177-3AD203B41FA5}">
-                      <a16:colId xmlns:a16="http://schemas.microsoft.com/office/drawing/2014/main" val="2935120112"/>
+                      <a16:colId xmlns="" xmlns:a16="http://schemas.microsoft.com/office/drawing/2014/main" val="2935120112"/>
                     </a:ext>
                   </a:extLst>
                 </a:gridCol>
@@ -11853,7 +11762,7 @@
                 </a:tc>
                 <a:extLst>
                   <a:ext uri="{0D108BD9-81ED-4DB2-BD59-A6C34878D82A}">
-                    <a16:rowId xmlns:a16="http://schemas.microsoft.com/office/drawing/2014/main" val="3252969606"/>
+                    <a16:rowId xmlns="" xmlns:a16="http://schemas.microsoft.com/office/drawing/2014/main" val="3252969606"/>
                   </a:ext>
                 </a:extLst>
               </a:tr>
@@ -11889,28 +11798,28 @@
                 <a:gridCol w="7826072">
                   <a:extLst>
                     <a:ext uri="{9D8B030D-6E8A-4147-A177-3AD203B41FA5}">
-                      <a16:colId xmlns:a16="http://schemas.microsoft.com/office/drawing/2014/main" val="2208886143"/>
+                      <a16:colId xmlns="" xmlns:a16="http://schemas.microsoft.com/office/drawing/2014/main" val="2208886143"/>
                     </a:ext>
                   </a:extLst>
                 </a:gridCol>
                 <a:gridCol w="1206794">
                   <a:extLst>
                     <a:ext uri="{9D8B030D-6E8A-4147-A177-3AD203B41FA5}">
-                      <a16:colId xmlns:a16="http://schemas.microsoft.com/office/drawing/2014/main" val="100303231"/>
+                      <a16:colId xmlns="" xmlns:a16="http://schemas.microsoft.com/office/drawing/2014/main" val="100303231"/>
                     </a:ext>
                   </a:extLst>
                 </a:gridCol>
                 <a:gridCol w="996085">
                   <a:extLst>
                     <a:ext uri="{9D8B030D-6E8A-4147-A177-3AD203B41FA5}">
-                      <a16:colId xmlns:a16="http://schemas.microsoft.com/office/drawing/2014/main" val="2805567231"/>
+                      <a16:colId xmlns="" xmlns:a16="http://schemas.microsoft.com/office/drawing/2014/main" val="2805567231"/>
                     </a:ext>
                   </a:extLst>
                 </a:gridCol>
                 <a:gridCol w="1723990">
                   <a:extLst>
                     <a:ext uri="{9D8B030D-6E8A-4147-A177-3AD203B41FA5}">
-                      <a16:colId xmlns:a16="http://schemas.microsoft.com/office/drawing/2014/main" val="3843977333"/>
+                      <a16:colId xmlns="" xmlns:a16="http://schemas.microsoft.com/office/drawing/2014/main" val="3843977333"/>
                     </a:ext>
                   </a:extLst>
                 </a:gridCol>
@@ -11987,7 +11896,7 @@
                 </a:tc>
                 <a:extLst>
                   <a:ext uri="{0D108BD9-81ED-4DB2-BD59-A6C34878D82A}">
-                    <a16:rowId xmlns:a16="http://schemas.microsoft.com/office/drawing/2014/main" val="227292646"/>
+                    <a16:rowId xmlns="" xmlns:a16="http://schemas.microsoft.com/office/drawing/2014/main" val="227292646"/>
                   </a:ext>
                 </a:extLst>
               </a:tr>
@@ -12023,28 +11932,28 @@
                 <a:gridCol w="7826072">
                   <a:extLst>
                     <a:ext uri="{9D8B030D-6E8A-4147-A177-3AD203B41FA5}">
-                      <a16:colId xmlns:a16="http://schemas.microsoft.com/office/drawing/2014/main" val="2980040838"/>
+                      <a16:colId xmlns="" xmlns:a16="http://schemas.microsoft.com/office/drawing/2014/main" val="2980040838"/>
                     </a:ext>
                   </a:extLst>
                 </a:gridCol>
                 <a:gridCol w="1206794">
                   <a:extLst>
                     <a:ext uri="{9D8B030D-6E8A-4147-A177-3AD203B41FA5}">
-                      <a16:colId xmlns:a16="http://schemas.microsoft.com/office/drawing/2014/main" val="617856318"/>
+                      <a16:colId xmlns="" xmlns:a16="http://schemas.microsoft.com/office/drawing/2014/main" val="617856318"/>
                     </a:ext>
                   </a:extLst>
                 </a:gridCol>
                 <a:gridCol w="996085">
                   <a:extLst>
                     <a:ext uri="{9D8B030D-6E8A-4147-A177-3AD203B41FA5}">
-                      <a16:colId xmlns:a16="http://schemas.microsoft.com/office/drawing/2014/main" val="2179201724"/>
+                      <a16:colId xmlns="" xmlns:a16="http://schemas.microsoft.com/office/drawing/2014/main" val="2179201724"/>
                     </a:ext>
                   </a:extLst>
                 </a:gridCol>
                 <a:gridCol w="1723990">
                   <a:extLst>
                     <a:ext uri="{9D8B030D-6E8A-4147-A177-3AD203B41FA5}">
-                      <a16:colId xmlns:a16="http://schemas.microsoft.com/office/drawing/2014/main" val="668206101"/>
+                      <a16:colId xmlns="" xmlns:a16="http://schemas.microsoft.com/office/drawing/2014/main" val="668206101"/>
                     </a:ext>
                   </a:extLst>
                 </a:gridCol>
@@ -12133,7 +12042,7 @@
                 </a:tc>
                 <a:extLst>
                   <a:ext uri="{0D108BD9-81ED-4DB2-BD59-A6C34878D82A}">
-                    <a16:rowId xmlns:a16="http://schemas.microsoft.com/office/drawing/2014/main" val="3848610462"/>
+                    <a16:rowId xmlns="" xmlns:a16="http://schemas.microsoft.com/office/drawing/2014/main" val="3848610462"/>
                   </a:ext>
                 </a:extLst>
               </a:tr>
@@ -12169,28 +12078,28 @@
                 <a:gridCol w="7826072">
                   <a:extLst>
                     <a:ext uri="{9D8B030D-6E8A-4147-A177-3AD203B41FA5}">
-                      <a16:colId xmlns:a16="http://schemas.microsoft.com/office/drawing/2014/main" val="1231489733"/>
+                      <a16:colId xmlns="" xmlns:a16="http://schemas.microsoft.com/office/drawing/2014/main" val="1231489733"/>
                     </a:ext>
                   </a:extLst>
                 </a:gridCol>
                 <a:gridCol w="1206794">
                   <a:extLst>
                     <a:ext uri="{9D8B030D-6E8A-4147-A177-3AD203B41FA5}">
-                      <a16:colId xmlns:a16="http://schemas.microsoft.com/office/drawing/2014/main" val="544777589"/>
+                      <a16:colId xmlns="" xmlns:a16="http://schemas.microsoft.com/office/drawing/2014/main" val="544777589"/>
                     </a:ext>
                   </a:extLst>
                 </a:gridCol>
                 <a:gridCol w="996085">
                   <a:extLst>
                     <a:ext uri="{9D8B030D-6E8A-4147-A177-3AD203B41FA5}">
-                      <a16:colId xmlns:a16="http://schemas.microsoft.com/office/drawing/2014/main" val="3530947747"/>
+                      <a16:colId xmlns="" xmlns:a16="http://schemas.microsoft.com/office/drawing/2014/main" val="3530947747"/>
                     </a:ext>
                   </a:extLst>
                 </a:gridCol>
                 <a:gridCol w="1723990">
                   <a:extLst>
                     <a:ext uri="{9D8B030D-6E8A-4147-A177-3AD203B41FA5}">
-                      <a16:colId xmlns:a16="http://schemas.microsoft.com/office/drawing/2014/main" val="2125865959"/>
+                      <a16:colId xmlns="" xmlns:a16="http://schemas.microsoft.com/office/drawing/2014/main" val="2125865959"/>
                     </a:ext>
                   </a:extLst>
                 </a:gridCol>
@@ -12251,7 +12160,7 @@
                 </a:tc>
                 <a:extLst>
                   <a:ext uri="{0D108BD9-81ED-4DB2-BD59-A6C34878D82A}">
-                    <a16:rowId xmlns:a16="http://schemas.microsoft.com/office/drawing/2014/main" val="1651824249"/>
+                    <a16:rowId xmlns="" xmlns:a16="http://schemas.microsoft.com/office/drawing/2014/main" val="1651824249"/>
                   </a:ext>
                 </a:extLst>
               </a:tr>
@@ -12287,28 +12196,28 @@
                 <a:gridCol w="7826072">
                   <a:extLst>
                     <a:ext uri="{9D8B030D-6E8A-4147-A177-3AD203B41FA5}">
-                      <a16:colId xmlns:a16="http://schemas.microsoft.com/office/drawing/2014/main" val="2153522444"/>
+                      <a16:colId xmlns="" xmlns:a16="http://schemas.microsoft.com/office/drawing/2014/main" val="2153522444"/>
                     </a:ext>
                   </a:extLst>
                 </a:gridCol>
                 <a:gridCol w="1206794">
                   <a:extLst>
                     <a:ext uri="{9D8B030D-6E8A-4147-A177-3AD203B41FA5}">
-                      <a16:colId xmlns:a16="http://schemas.microsoft.com/office/drawing/2014/main" val="268939235"/>
+                      <a16:colId xmlns="" xmlns:a16="http://schemas.microsoft.com/office/drawing/2014/main" val="268939235"/>
                     </a:ext>
                   </a:extLst>
                 </a:gridCol>
                 <a:gridCol w="996085">
                   <a:extLst>
                     <a:ext uri="{9D8B030D-6E8A-4147-A177-3AD203B41FA5}">
-                      <a16:colId xmlns:a16="http://schemas.microsoft.com/office/drawing/2014/main" val="2617046073"/>
+                      <a16:colId xmlns="" xmlns:a16="http://schemas.microsoft.com/office/drawing/2014/main" val="2617046073"/>
                     </a:ext>
                   </a:extLst>
                 </a:gridCol>
                 <a:gridCol w="1723990">
                   <a:extLst>
                     <a:ext uri="{9D8B030D-6E8A-4147-A177-3AD203B41FA5}">
-                      <a16:colId xmlns:a16="http://schemas.microsoft.com/office/drawing/2014/main" val="656986075"/>
+                      <a16:colId xmlns="" xmlns:a16="http://schemas.microsoft.com/office/drawing/2014/main" val="656986075"/>
                     </a:ext>
                   </a:extLst>
                 </a:gridCol>
@@ -12397,7 +12306,7 @@
                 </a:tc>
                 <a:extLst>
                   <a:ext uri="{0D108BD9-81ED-4DB2-BD59-A6C34878D82A}">
-                    <a16:rowId xmlns:a16="http://schemas.microsoft.com/office/drawing/2014/main" val="2538400341"/>
+                    <a16:rowId xmlns="" xmlns:a16="http://schemas.microsoft.com/office/drawing/2014/main" val="2538400341"/>
                   </a:ext>
                 </a:extLst>
               </a:tr>
@@ -12433,28 +12342,28 @@
                 <a:gridCol w="7826072">
                   <a:extLst>
                     <a:ext uri="{9D8B030D-6E8A-4147-A177-3AD203B41FA5}">
-                      <a16:colId xmlns:a16="http://schemas.microsoft.com/office/drawing/2014/main" val="3714670035"/>
+                      <a16:colId xmlns="" xmlns:a16="http://schemas.microsoft.com/office/drawing/2014/main" val="3714670035"/>
                     </a:ext>
                   </a:extLst>
                 </a:gridCol>
                 <a:gridCol w="1206794">
                   <a:extLst>
                     <a:ext uri="{9D8B030D-6E8A-4147-A177-3AD203B41FA5}">
-                      <a16:colId xmlns:a16="http://schemas.microsoft.com/office/drawing/2014/main" val="163196805"/>
+                      <a16:colId xmlns="" xmlns:a16="http://schemas.microsoft.com/office/drawing/2014/main" val="163196805"/>
                     </a:ext>
                   </a:extLst>
                 </a:gridCol>
                 <a:gridCol w="996085">
                   <a:extLst>
                     <a:ext uri="{9D8B030D-6E8A-4147-A177-3AD203B41FA5}">
-                      <a16:colId xmlns:a16="http://schemas.microsoft.com/office/drawing/2014/main" val="1483469417"/>
+                      <a16:colId xmlns="" xmlns:a16="http://schemas.microsoft.com/office/drawing/2014/main" val="1483469417"/>
                     </a:ext>
                   </a:extLst>
                 </a:gridCol>
                 <a:gridCol w="1723990">
                   <a:extLst>
                     <a:ext uri="{9D8B030D-6E8A-4147-A177-3AD203B41FA5}">
-                      <a16:colId xmlns:a16="http://schemas.microsoft.com/office/drawing/2014/main" val="297283406"/>
+                      <a16:colId xmlns="" xmlns:a16="http://schemas.microsoft.com/office/drawing/2014/main" val="297283406"/>
                     </a:ext>
                   </a:extLst>
                 </a:gridCol>
@@ -12512,7 +12421,7 @@
                 </a:tc>
                 <a:extLst>
                   <a:ext uri="{0D108BD9-81ED-4DB2-BD59-A6C34878D82A}">
-                    <a16:rowId xmlns:a16="http://schemas.microsoft.com/office/drawing/2014/main" val="2118774375"/>
+                    <a16:rowId xmlns="" xmlns:a16="http://schemas.microsoft.com/office/drawing/2014/main" val="2118774375"/>
                   </a:ext>
                 </a:extLst>
               </a:tr>
@@ -12585,7 +12494,7 @@
               <a:pPr algn="ctr"/>
               <a:r>
                 <a:rPr lang="en-CA" sz="2000" b="1" dirty="0">
-                  <a:hlinkClick r:id="rId2" action="ppaction://program"/>
+                  <a:hlinkClick r:id="rId4" action="ppaction://program"/>
                 </a:rPr>
                 <a:t>Demo</a:t>
               </a:r>
@@ -13177,7 +13086,7 @@
 </p:sld>
 </file>
 
-<file path=ppt/slides/slide11.xml><?xml version="1.0" encoding="utf-8"?>
+<file path=ppt/slides/slide13.xml><?xml version="1.0" encoding="utf-8"?>
 <p:sld xmlns:a="http://schemas.openxmlformats.org/drawingml/2006/main" xmlns:r="http://schemas.openxmlformats.org/officeDocument/2006/relationships" xmlns:p="http://schemas.openxmlformats.org/presentationml/2006/main">
   <p:cSld>
     <p:spTree>
@@ -13303,149 +13212,6 @@
           </a:p>
         </p:txBody>
       </p:sp>
-      <p:grpSp>
-        <p:nvGrpSpPr>
-          <p:cNvPr id="6" name="Group 5"/>
-          <p:cNvGrpSpPr/>
-          <p:nvPr/>
-        </p:nvGrpSpPr>
-        <p:grpSpPr>
-          <a:xfrm>
-            <a:off x="5943601" y="1558555"/>
-            <a:ext cx="5817507" cy="3740891"/>
-            <a:chOff x="5943601" y="1558555"/>
-            <a:chExt cx="5817507" cy="3740891"/>
-          </a:xfrm>
-        </p:grpSpPr>
-        <p:pic>
-          <p:nvPicPr>
-            <p:cNvPr id="1028" name="Picture 4" descr="https://www.wpclipart.com/signs_symbol/safety_signs/safety_signs_3/warning_sign.png"/>
-            <p:cNvPicPr>
-              <a:picLocks noChangeAspect="1" noChangeArrowheads="1"/>
-            </p:cNvPicPr>
-            <p:nvPr/>
-          </p:nvPicPr>
-          <p:blipFill>
-            <a:blip r:embed="rId6">
-              <a:extLst>
-                <a:ext uri="{28A0092B-C50C-407E-A947-70E740481C1C}">
-                  <a14:useLocalDpi xmlns:a14="http://schemas.microsoft.com/office/drawing/2010/main" val="0"/>
-                </a:ext>
-              </a:extLst>
-            </a:blip>
-            <a:srcRect/>
-            <a:stretch>
-              <a:fillRect/>
-            </a:stretch>
-          </p:blipFill>
-          <p:spPr bwMode="auto">
-            <a:xfrm>
-              <a:off x="5943601" y="1558555"/>
-              <a:ext cx="5817507" cy="3740891"/>
-            </a:xfrm>
-            <a:prstGeom prst="rect">
-              <a:avLst/>
-            </a:prstGeom>
-            <a:noFill/>
-            <a:extLst>
-              <a:ext uri="{909E8E84-426E-40DD-AFC4-6F175D3DCCD1}">
-                <a14:hiddenFill xmlns:a14="http://schemas.microsoft.com/office/drawing/2010/main">
-                  <a:solidFill>
-                    <a:srgbClr val="FFFFFF"/>
-                  </a:solidFill>
-                </a14:hiddenFill>
-              </a:ext>
-            </a:extLst>
-          </p:spPr>
-        </p:pic>
-        <p:sp>
-          <p:nvSpPr>
-            <p:cNvPr id="5" name="TextBox 4"/>
-            <p:cNvSpPr txBox="1"/>
-            <p:nvPr/>
-          </p:nvSpPr>
-          <p:spPr>
-            <a:xfrm>
-              <a:off x="6166757" y="3733799"/>
-              <a:ext cx="5317672" cy="1077218"/>
-            </a:xfrm>
-            <a:prstGeom prst="rect">
-              <a:avLst/>
-            </a:prstGeom>
-            <a:noFill/>
-          </p:spPr>
-          <p:txBody>
-            <a:bodyPr wrap="square" rtlCol="0">
-              <a:spAutoFit/>
-            </a:bodyPr>
-            <a:lstStyle/>
-            <a:p>
-              <a:r>
-                <a:rPr lang="en-CA" sz="3200" b="1" dirty="0"/>
-                <a:t>Using </a:t>
-              </a:r>
-              <a:r>
-                <a:rPr lang="en-CA" sz="3200" b="1" dirty="0" err="1">
-                  <a:solidFill>
-                    <a:schemeClr val="accent1">
-                      <a:lumMod val="50000"/>
-                    </a:schemeClr>
-                  </a:solidFill>
-                </a:rPr>
-                <a:t>async</a:t>
-              </a:r>
-              <a:r>
-                <a:rPr lang="en-CA" sz="3200" b="1" dirty="0"/>
-                <a:t>/</a:t>
-              </a:r>
-              <a:r>
-                <a:rPr lang="en-CA" sz="3200" b="1" dirty="0">
-                  <a:solidFill>
-                    <a:schemeClr val="accent1">
-                      <a:lumMod val="50000"/>
-                    </a:schemeClr>
-                  </a:solidFill>
-                </a:rPr>
-                <a:t>await</a:t>
-              </a:r>
-              <a:r>
-                <a:rPr lang="en-CA" sz="3200" b="1" dirty="0"/>
-                <a:t> along with </a:t>
-              </a:r>
-              <a:r>
-                <a:rPr lang="en-CA" sz="3200" b="1" dirty="0">
-                  <a:solidFill>
-                    <a:schemeClr val="accent1">
-                      <a:lumMod val="50000"/>
-                    </a:schemeClr>
-                  </a:solidFill>
-                </a:rPr>
-                <a:t>.</a:t>
-              </a:r>
-              <a:r>
-                <a:rPr lang="en-CA" sz="3200" b="1" dirty="0" err="1">
-                  <a:solidFill>
-                    <a:schemeClr val="accent1">
-                      <a:lumMod val="50000"/>
-                    </a:schemeClr>
-                  </a:solidFill>
-                </a:rPr>
-                <a:t>ConfigureAwait</a:t>
-              </a:r>
-              <a:r>
-                <a:rPr lang="en-CA" sz="3200" b="1" dirty="0">
-                  <a:solidFill>
-                    <a:schemeClr val="accent1">
-                      <a:lumMod val="50000"/>
-                    </a:schemeClr>
-                  </a:solidFill>
-                </a:rPr>
-                <a:t>(false)</a:t>
-              </a:r>
-            </a:p>
-          </p:txBody>
-        </p:sp>
-      </p:grpSp>
     </p:spTree>
     <p:extLst>
       <p:ext uri="{BB962C8B-B14F-4D97-AF65-F5344CB8AC3E}">
@@ -13459,93 +13225,14 @@
   <p:timing>
     <p:tnLst>
       <p:par>
-        <p:cTn id="1" dur="indefinite" restart="never" nodeType="tmRoot">
-          <p:childTnLst>
-            <p:seq concurrent="1" nextAc="seek">
-              <p:cTn id="2" dur="indefinite" nodeType="mainSeq">
-                <p:childTnLst>
-                  <p:par>
-                    <p:cTn id="3" fill="hold">
-                      <p:stCondLst>
-                        <p:cond delay="indefinite"/>
-                        <p:cond evt="onBegin" delay="0">
-                          <p:tn val="2"/>
-                        </p:cond>
-                      </p:stCondLst>
-                      <p:childTnLst>
-                        <p:par>
-                          <p:cTn id="4" fill="hold">
-                            <p:stCondLst>
-                              <p:cond delay="0"/>
-                            </p:stCondLst>
-                            <p:childTnLst>
-                              <p:par>
-                                <p:cTn id="5" presetID="10" presetClass="entr" presetSubtype="0" fill="hold" nodeType="afterEffect">
-                                  <p:stCondLst>
-                                    <p:cond delay="2000"/>
-                                  </p:stCondLst>
-                                  <p:childTnLst>
-                                    <p:set>
-                                      <p:cBhvr>
-                                        <p:cTn id="6" dur="1" fill="hold">
-                                          <p:stCondLst>
-                                            <p:cond delay="0"/>
-                                          </p:stCondLst>
-                                        </p:cTn>
-                                        <p:tgtEl>
-                                          <p:spTgt spid="6"/>
-                                        </p:tgtEl>
-                                        <p:attrNameLst>
-                                          <p:attrName>style.visibility</p:attrName>
-                                        </p:attrNameLst>
-                                      </p:cBhvr>
-                                      <p:to>
-                                        <p:strVal val="visible"/>
-                                      </p:to>
-                                    </p:set>
-                                    <p:animEffect transition="in" filter="fade">
-                                      <p:cBhvr>
-                                        <p:cTn id="7" dur="500"/>
-                                        <p:tgtEl>
-                                          <p:spTgt spid="6"/>
-                                        </p:tgtEl>
-                                      </p:cBhvr>
-                                    </p:animEffect>
-                                  </p:childTnLst>
-                                </p:cTn>
-                              </p:par>
-                            </p:childTnLst>
-                          </p:cTn>
-                        </p:par>
-                      </p:childTnLst>
-                    </p:cTn>
-                  </p:par>
-                </p:childTnLst>
-              </p:cTn>
-              <p:prevCondLst>
-                <p:cond evt="onPrev" delay="0">
-                  <p:tgtEl>
-                    <p:sldTgt/>
-                  </p:tgtEl>
-                </p:cond>
-              </p:prevCondLst>
-              <p:nextCondLst>
-                <p:cond evt="onNext" delay="0">
-                  <p:tgtEl>
-                    <p:sldTgt/>
-                  </p:tgtEl>
-                </p:cond>
-              </p:nextCondLst>
-            </p:seq>
-          </p:childTnLst>
-        </p:cTn>
+        <p:cTn id="1" dur="indefinite" restart="never" nodeType="tmRoot"/>
       </p:par>
     </p:tnLst>
   </p:timing>
 </p:sld>
 </file>
 
-<file path=ppt/slides/slide12.xml><?xml version="1.0" encoding="utf-8"?>
+<file path=ppt/slides/slide14.xml><?xml version="1.0" encoding="utf-8"?>
 <p:sld xmlns:a="http://schemas.openxmlformats.org/drawingml/2006/main" xmlns:r="http://schemas.openxmlformats.org/officeDocument/2006/relationships" xmlns:p="http://schemas.openxmlformats.org/presentationml/2006/main">
   <p:cSld>
     <p:spTree>
@@ -14035,6 +13722,78 @@
                       </p:childTnLst>
                     </p:cTn>
                   </p:par>
+                  <p:par>
+                    <p:cTn id="7" fill="hold">
+                      <p:stCondLst>
+                        <p:cond delay="indefinite"/>
+                      </p:stCondLst>
+                      <p:childTnLst>
+                        <p:par>
+                          <p:cTn id="8" fill="hold">
+                            <p:stCondLst>
+                              <p:cond delay="0"/>
+                            </p:stCondLst>
+                            <p:childTnLst>
+                              <p:par>
+                                <p:cTn id="9" presetID="1" presetClass="entr" presetSubtype="0" fill="hold" grpId="0" nodeType="clickEffect">
+                                  <p:stCondLst>
+                                    <p:cond delay="0"/>
+                                  </p:stCondLst>
+                                  <p:childTnLst>
+                                    <p:set>
+                                      <p:cBhvr>
+                                        <p:cTn id="10" dur="1" fill="hold">
+                                          <p:stCondLst>
+                                            <p:cond delay="0"/>
+                                          </p:stCondLst>
+                                        </p:cTn>
+                                        <p:tgtEl>
+                                          <p:spTgt spid="13"/>
+                                        </p:tgtEl>
+                                        <p:attrNameLst>
+                                          <p:attrName>style.visibility</p:attrName>
+                                        </p:attrNameLst>
+                                      </p:cBhvr>
+                                      <p:to>
+                                        <p:strVal val="visible"/>
+                                      </p:to>
+                                    </p:set>
+                                  </p:childTnLst>
+                                </p:cTn>
+                              </p:par>
+                              <p:par>
+                                <p:cTn id="11" presetID="1" presetClass="entr" presetSubtype="0" fill="hold" grpId="0" nodeType="withEffect">
+                                  <p:stCondLst>
+                                    <p:cond delay="0"/>
+                                  </p:stCondLst>
+                                  <p:childTnLst>
+                                    <p:set>
+                                      <p:cBhvr>
+                                        <p:cTn id="12" dur="1" fill="hold">
+                                          <p:stCondLst>
+                                            <p:cond delay="0"/>
+                                          </p:stCondLst>
+                                        </p:cTn>
+                                        <p:tgtEl>
+                                          <p:spTgt spid="14"/>
+                                        </p:tgtEl>
+                                        <p:attrNameLst>
+                                          <p:attrName>style.visibility</p:attrName>
+                                        </p:attrNameLst>
+                                      </p:cBhvr>
+                                      <p:to>
+                                        <p:strVal val="visible"/>
+                                      </p:to>
+                                    </p:set>
+                                  </p:childTnLst>
+                                </p:cTn>
+                              </p:par>
+                            </p:childTnLst>
+                          </p:cTn>
+                        </p:par>
+                      </p:childTnLst>
+                    </p:cTn>
+                  </p:par>
                 </p:childTnLst>
               </p:cTn>
               <p:prevCondLst>
@@ -14056,11 +13815,15 @@
         </p:cTn>
       </p:par>
     </p:tnLst>
+    <p:bldLst>
+      <p:bldP spid="13" grpId="0" animBg="1"/>
+      <p:bldP spid="14" grpId="0"/>
+    </p:bldLst>
   </p:timing>
 </p:sld>
 </file>
 
-<file path=ppt/slides/slide13.xml><?xml version="1.0" encoding="utf-8"?>
+<file path=ppt/slides/slide15.xml><?xml version="1.0" encoding="utf-8"?>
 <p:sld xmlns:a="http://schemas.openxmlformats.org/drawingml/2006/main" xmlns:r="http://schemas.openxmlformats.org/officeDocument/2006/relationships" xmlns:p="http://schemas.openxmlformats.org/presentationml/2006/main">
   <p:cSld>
     <p:spTree>
@@ -14147,10 +13910,17 @@
   <p:clrMapOvr>
     <a:masterClrMapping/>
   </p:clrMapOvr>
+  <p:timing>
+    <p:tnLst>
+      <p:par>
+        <p:cTn id="1" dur="indefinite" restart="never" nodeType="tmRoot"/>
+      </p:par>
+    </p:tnLst>
+  </p:timing>
 </p:sld>
 </file>
 
-<file path=ppt/slides/slide14.xml><?xml version="1.0" encoding="utf-8"?>
+<file path=ppt/slides/slide16.xml><?xml version="1.0" encoding="utf-8"?>
 <p:sld xmlns:a="http://schemas.openxmlformats.org/drawingml/2006/main" xmlns:r="http://schemas.openxmlformats.org/officeDocument/2006/relationships" xmlns:p="http://schemas.openxmlformats.org/presentationml/2006/main">
   <p:cSld>
     <p:spTree>
@@ -14210,7 +13980,7 @@
           <p:nvPr>
             <p:extLst>
               <p:ext uri="{D42A27DB-BD31-4B8C-83A1-F6EECF244321}">
-                <p14:modId xmlns:p14="http://schemas.microsoft.com/office/powerpoint/2010/main" val="2696343619"/>
+                <p14:modId xmlns:p14="http://schemas.microsoft.com/office/powerpoint/2010/main" val="1976847627"/>
               </p:ext>
             </p:extLst>
           </p:nvPr>
@@ -14229,7 +13999,7 @@
                 <a:gridCol w="3770615">
                   <a:extLst>
                     <a:ext uri="{9D8B030D-6E8A-4147-A177-3AD203B41FA5}">
-                      <a16:colId xmlns:a16="http://schemas.microsoft.com/office/drawing/2014/main" val="1869795355"/>
+                      <a16:colId xmlns="" xmlns:a16="http://schemas.microsoft.com/office/drawing/2014/main" val="1869795355"/>
                     </a:ext>
                   </a:extLst>
                 </a:gridCol>
@@ -14251,7 +14021,7 @@
                 </a:tc>
                 <a:extLst>
                   <a:ext uri="{0D108BD9-81ED-4DB2-BD59-A6C34878D82A}">
-                    <a16:rowId xmlns:a16="http://schemas.microsoft.com/office/drawing/2014/main" val="2744763218"/>
+                    <a16:rowId xmlns="" xmlns:a16="http://schemas.microsoft.com/office/drawing/2014/main" val="2744763218"/>
                   </a:ext>
                 </a:extLst>
               </a:tr>
@@ -14302,12 +14072,25 @@
                       </a:pPr>
                       <a:r>
                         <a:rPr lang="en-CA" dirty="0"/>
-                        <a:t>Message can’t be abandon, deferred,</a:t>
+                        <a:t>Message can’t be </a:t>
+                      </a:r>
+                      <a:r>
+                        <a:rPr lang="en-CA" dirty="0" smtClean="0"/>
+                        <a:t>abandoned, </a:t>
+                      </a:r>
+                      <a:r>
+                        <a:rPr lang="en-CA" dirty="0"/>
+                        <a:t>deferred,</a:t>
                       </a:r>
                       <a:r>
                         <a:rPr lang="en-CA" baseline="0" dirty="0"/>
-                        <a:t> or dead lettered</a:t>
+                        <a:t> or </a:t>
                       </a:r>
+                      <a:r>
+                        <a:rPr lang="en-CA" baseline="0" dirty="0" smtClean="0"/>
+                        <a:t>dead-lettered</a:t>
+                      </a:r>
+                      <a:endParaRPr lang="en-CA" baseline="0" dirty="0"/>
                     </a:p>
                     <a:p>
                       <a:pPr marL="285750" indent="-285750" algn="l">
@@ -14328,7 +14111,7 @@
                 </a:tc>
                 <a:extLst>
                   <a:ext uri="{0D108BD9-81ED-4DB2-BD59-A6C34878D82A}">
-                    <a16:rowId xmlns:a16="http://schemas.microsoft.com/office/drawing/2014/main" val="2177230211"/>
+                    <a16:rowId xmlns="" xmlns:a16="http://schemas.microsoft.com/office/drawing/2014/main" val="2177230211"/>
                   </a:ext>
                 </a:extLst>
               </a:tr>
@@ -14345,7 +14128,7 @@
           <p:nvPr>
             <p:extLst>
               <p:ext uri="{D42A27DB-BD31-4B8C-83A1-F6EECF244321}">
-                <p14:modId xmlns:p14="http://schemas.microsoft.com/office/powerpoint/2010/main" val="755894327"/>
+                <p14:modId xmlns:p14="http://schemas.microsoft.com/office/powerpoint/2010/main" val="307907164"/>
               </p:ext>
             </p:extLst>
           </p:nvPr>
@@ -14364,7 +14147,7 @@
                 <a:gridCol w="3770615">
                   <a:extLst>
                     <a:ext uri="{9D8B030D-6E8A-4147-A177-3AD203B41FA5}">
-                      <a16:colId xmlns:a16="http://schemas.microsoft.com/office/drawing/2014/main" val="2343213278"/>
+                      <a16:colId xmlns="" xmlns:a16="http://schemas.microsoft.com/office/drawing/2014/main" val="2343213278"/>
                     </a:ext>
                   </a:extLst>
                 </a:gridCol>
@@ -14386,7 +14169,7 @@
                 </a:tc>
                 <a:extLst>
                   <a:ext uri="{0D108BD9-81ED-4DB2-BD59-A6C34878D82A}">
-                    <a16:rowId xmlns:a16="http://schemas.microsoft.com/office/drawing/2014/main" val="2422487574"/>
+                    <a16:rowId xmlns="" xmlns:a16="http://schemas.microsoft.com/office/drawing/2014/main" val="2422487574"/>
                   </a:ext>
                 </a:extLst>
               </a:tr>
@@ -14414,12 +14197,21 @@
                             <a:srgbClr val="C00000"/>
                           </a:solidFill>
                         </a:rPr>
-                        <a:t>possible message duplication</a:t>
+                        <a:t>possible </a:t>
                       </a:r>
                       <a:r>
-                        <a:rPr lang="en-CA" baseline="0" dirty="0"/>
+                        <a:rPr lang="en-CA" baseline="0" dirty="0" smtClean="0">
+                          <a:solidFill>
+                            <a:srgbClr val="C00000"/>
+                          </a:solidFill>
+                        </a:rPr>
+                        <a:t>repeated message processing</a:t>
+                      </a:r>
+                      <a:r>
+                        <a:rPr lang="en-CA" baseline="0" dirty="0" smtClean="0"/>
                         <a:t>)</a:t>
                       </a:r>
+                      <a:endParaRPr lang="en-CA" baseline="0" dirty="0"/>
                     </a:p>
                     <a:p>
                       <a:pPr marL="285750" indent="-285750" algn="l">
@@ -14471,7 +14263,7 @@
                 </a:tc>
                 <a:extLst>
                   <a:ext uri="{0D108BD9-81ED-4DB2-BD59-A6C34878D82A}">
-                    <a16:rowId xmlns:a16="http://schemas.microsoft.com/office/drawing/2014/main" val="942347484"/>
+                    <a16:rowId xmlns="" xmlns:a16="http://schemas.microsoft.com/office/drawing/2014/main" val="942347484"/>
                   </a:ext>
                 </a:extLst>
               </a:tr>
@@ -14488,7 +14280,7 @@
           <p:nvPr>
             <p:extLst>
               <p:ext uri="{D42A27DB-BD31-4B8C-83A1-F6EECF244321}">
-                <p14:modId xmlns:p14="http://schemas.microsoft.com/office/powerpoint/2010/main" val="1486720278"/>
+                <p14:modId xmlns:p14="http://schemas.microsoft.com/office/powerpoint/2010/main" val="3087193905"/>
               </p:ext>
             </p:extLst>
           </p:nvPr>
@@ -14507,7 +14299,7 @@
                 <a:gridCol w="3770615">
                   <a:extLst>
                     <a:ext uri="{9D8B030D-6E8A-4147-A177-3AD203B41FA5}">
-                      <a16:colId xmlns:a16="http://schemas.microsoft.com/office/drawing/2014/main" val="698248285"/>
+                      <a16:colId xmlns="" xmlns:a16="http://schemas.microsoft.com/office/drawing/2014/main" val="698248285"/>
                     </a:ext>
                   </a:extLst>
                 </a:gridCol>
@@ -14530,7 +14322,7 @@
                 </a:tc>
                 <a:extLst>
                   <a:ext uri="{0D108BD9-81ED-4DB2-BD59-A6C34878D82A}">
-                    <a16:rowId xmlns:a16="http://schemas.microsoft.com/office/drawing/2014/main" val="3759639083"/>
+                    <a16:rowId xmlns="" xmlns:a16="http://schemas.microsoft.com/office/drawing/2014/main" val="3759639083"/>
                   </a:ext>
                 </a:extLst>
               </a:tr>
@@ -14566,7 +14358,15 @@
                       </a:pPr>
                       <a:r>
                         <a:rPr lang="en-CA" baseline="0" dirty="0"/>
-                        <a:t>Auto renew of timeouts</a:t>
+                        <a:t>Auto </a:t>
+                      </a:r>
+                      <a:r>
+                        <a:rPr lang="en-CA" baseline="0" dirty="0" smtClean="0"/>
+                        <a:t>renewal </a:t>
+                      </a:r>
+                      <a:r>
+                        <a:rPr lang="en-CA" baseline="0" dirty="0"/>
+                        <a:t>of timeouts</a:t>
                       </a:r>
                       <a:endParaRPr lang="en-CA" dirty="0"/>
                     </a:p>
@@ -14582,7 +14382,7 @@
                 </a:tc>
                 <a:extLst>
                   <a:ext uri="{0D108BD9-81ED-4DB2-BD59-A6C34878D82A}">
-                    <a16:rowId xmlns:a16="http://schemas.microsoft.com/office/drawing/2014/main" val="546149455"/>
+                    <a16:rowId xmlns="" xmlns:a16="http://schemas.microsoft.com/office/drawing/2014/main" val="546149455"/>
                   </a:ext>
                 </a:extLst>
               </a:tr>
@@ -14768,7 +14568,7 @@
 </p:sld>
 </file>
 
-<file path=ppt/slides/slide15.xml><?xml version="1.0" encoding="utf-8"?>
+<file path=ppt/slides/slide17.xml><?xml version="1.0" encoding="utf-8"?>
 <p:sld xmlns:a="http://schemas.openxmlformats.org/drawingml/2006/main" xmlns:r="http://schemas.openxmlformats.org/officeDocument/2006/relationships" xmlns:p="http://schemas.openxmlformats.org/presentationml/2006/main">
   <p:cSld>
     <p:spTree>
@@ -15630,7 +15430,7 @@
 </p:sld>
 </file>
 
-<file path=ppt/slides/slide16.xml><?xml version="1.0" encoding="utf-8"?>
+<file path=ppt/slides/slide18.xml><?xml version="1.0" encoding="utf-8"?>
 <p:sld xmlns:a="http://schemas.openxmlformats.org/drawingml/2006/main" xmlns:r="http://schemas.openxmlformats.org/officeDocument/2006/relationships" xmlns:p="http://schemas.openxmlformats.org/presentationml/2006/main">
   <p:cSld>
     <p:spTree>
@@ -16897,7 +16697,7 @@
 </p:sld>
 </file>
 
-<file path=ppt/slides/slide17.xml><?xml version="1.0" encoding="utf-8"?>
+<file path=ppt/slides/slide19.xml><?xml version="1.0" encoding="utf-8"?>
 <p:sld xmlns:a="http://schemas.openxmlformats.org/drawingml/2006/main" xmlns:r="http://schemas.openxmlformats.org/officeDocument/2006/relationships" xmlns:p="http://schemas.openxmlformats.org/presentationml/2006/main">
   <p:cSld>
     <p:spTree>
@@ -17142,7 +16942,7 @@
                     <a:lumMod val="75000"/>
                   </a:schemeClr>
                 </a:solidFill>
-                <a:hlinkClick r:id="rId7" action="ppaction://program"/>
+                <a:hlinkClick r:id="rId9" action="ppaction://program"/>
               </a:rPr>
               <a:t>Demo</a:t>
             </a:r>
@@ -17153,36 +16953,6 @@
                 </a:schemeClr>
               </a:solidFill>
             </a:endParaRPr>
-          </a:p>
-        </p:txBody>
-      </p:sp>
-      <p:sp>
-        <p:nvSpPr>
-          <p:cNvPr id="4" name="TextBox 3"/>
-          <p:cNvSpPr txBox="1"/>
-          <p:nvPr/>
-        </p:nvSpPr>
-        <p:spPr>
-          <a:xfrm>
-            <a:off x="5026494" y="4925771"/>
-            <a:ext cx="4404269" cy="461665"/>
-          </a:xfrm>
-          <a:prstGeom prst="rect">
-            <a:avLst/>
-          </a:prstGeom>
-          <a:noFill/>
-        </p:spPr>
-        <p:txBody>
-          <a:bodyPr wrap="square" rtlCol="0">
-            <a:spAutoFit/>
-          </a:bodyPr>
-          <a:lstStyle/>
-          <a:p>
-            <a:r>
-              <a:rPr lang="en-US" sz="2400" dirty="0"/>
-              <a:t>Bonus: Batched completion</a:t>
-            </a:r>
-            <a:endParaRPr lang="en-CA" sz="2400" dirty="0"/>
           </a:p>
         </p:txBody>
       </p:sp>
@@ -17379,7 +17149,168 @@
 </p:sld>
 </file>
 
-<file path=ppt/slides/slide18.xml><?xml version="1.0" encoding="utf-8"?>
+<file path=ppt/slides/slide2.xml><?xml version="1.0" encoding="utf-8"?>
+<p:sld xmlns:a="http://schemas.openxmlformats.org/drawingml/2006/main" xmlns:r="http://schemas.openxmlformats.org/officeDocument/2006/relationships" xmlns:p="http://schemas.openxmlformats.org/presentationml/2006/main">
+  <p:cSld>
+    <p:spTree>
+      <p:nvGrpSpPr>
+        <p:cNvPr id="1" name=""/>
+        <p:cNvGrpSpPr/>
+        <p:nvPr/>
+      </p:nvGrpSpPr>
+      <p:grpSpPr>
+        <a:xfrm>
+          <a:off x="0" y="0"/>
+          <a:ext cx="0" cy="0"/>
+          <a:chOff x="0" y="0"/>
+          <a:chExt cx="0" cy="0"/>
+        </a:xfrm>
+      </p:grpSpPr>
+      <p:sp>
+        <p:nvSpPr>
+          <p:cNvPr id="3" name="Subtitle 2"/>
+          <p:cNvSpPr>
+            <a:spLocks noGrp="1"/>
+          </p:cNvSpPr>
+          <p:nvPr>
+            <p:ph type="subTitle" idx="1"/>
+          </p:nvPr>
+        </p:nvSpPr>
+        <p:spPr>
+          <a:xfrm>
+            <a:off x="-138110" y="5950434"/>
+            <a:ext cx="7027126" cy="1256393"/>
+          </a:xfrm>
+        </p:spPr>
+        <p:txBody>
+          <a:bodyPr/>
+          <a:lstStyle/>
+          <a:p>
+            <a:r>
+              <a:rPr lang="en-CA" dirty="0"/>
+              <a:t>Sean Feldman</a:t>
+            </a:r>
+          </a:p>
+        </p:txBody>
+      </p:sp>
+      <p:pic>
+        <p:nvPicPr>
+          <p:cNvPr id="1026" name="Picture 2" descr="http://www.softwebiot.com/wp-content/uploads/2015/09/azure.jpg?id=3162"/>
+          <p:cNvPicPr>
+            <a:picLocks noChangeAspect="1" noChangeArrowheads="1"/>
+          </p:cNvPicPr>
+          <p:nvPr/>
+        </p:nvPicPr>
+        <p:blipFill>
+          <a:blip r:embed="rId2">
+            <a:extLst>
+              <a:ext uri="{28A0092B-C50C-407E-A947-70E740481C1C}">
+                <a14:useLocalDpi xmlns:a14="http://schemas.microsoft.com/office/drawing/2010/main" val="0"/>
+              </a:ext>
+            </a:extLst>
+          </a:blip>
+          <a:srcRect/>
+          <a:stretch>
+            <a:fillRect/>
+          </a:stretch>
+        </p:blipFill>
+        <p:spPr bwMode="auto">
+          <a:xfrm>
+            <a:off x="22560" y="-203199"/>
+            <a:ext cx="12192000" cy="7162801"/>
+          </a:xfrm>
+          <a:prstGeom prst="rect">
+            <a:avLst/>
+          </a:prstGeom>
+          <a:noFill/>
+          <a:extLst>
+            <a:ext uri="{909E8E84-426E-40DD-AFC4-6F175D3DCCD1}">
+              <a14:hiddenFill xmlns:a14="http://schemas.microsoft.com/office/drawing/2010/main">
+                <a:solidFill>
+                  <a:srgbClr val="FFFFFF"/>
+                </a:solidFill>
+              </a14:hiddenFill>
+            </a:ext>
+          </a:extLst>
+        </p:spPr>
+      </p:pic>
+      <p:sp>
+        <p:nvSpPr>
+          <p:cNvPr id="2" name="Title 1"/>
+          <p:cNvSpPr>
+            <a:spLocks noGrp="1"/>
+          </p:cNvSpPr>
+          <p:nvPr>
+            <p:ph type="ctrTitle"/>
+          </p:nvPr>
+        </p:nvSpPr>
+        <p:spPr>
+          <a:xfrm>
+            <a:off x="1688053" y="4029121"/>
+            <a:ext cx="8815895" cy="2387600"/>
+          </a:xfrm>
+          <a:solidFill>
+            <a:srgbClr val="01BAF2"/>
+          </a:solidFill>
+        </p:spPr>
+        <p:txBody>
+          <a:bodyPr>
+            <a:normAutofit fontScale="90000"/>
+          </a:bodyPr>
+          <a:lstStyle/>
+          <a:p>
+            <a:r>
+              <a:rPr lang="en-CA" b="1" dirty="0">
+                <a:solidFill>
+                  <a:schemeClr val="bg1"/>
+                </a:solidFill>
+              </a:rPr>
+              <a:t>Azure Service Bus - The good, the Bad and the Awesome</a:t>
+            </a:r>
+            <a:br>
+              <a:rPr lang="en-CA" b="1" dirty="0">
+                <a:solidFill>
+                  <a:schemeClr val="bg1"/>
+                </a:solidFill>
+              </a:rPr>
+            </a:br>
+            <a:r>
+              <a:rPr lang="en-CA" sz="2800" b="1" dirty="0">
+                <a:solidFill>
+                  <a:schemeClr val="bg1"/>
+                </a:solidFill>
+              </a:rPr>
+              <a:t>Sean Feldman, Azure Advisor &amp; MVP</a:t>
+            </a:r>
+            <a:endParaRPr lang="en-CA" dirty="0">
+              <a:solidFill>
+                <a:schemeClr val="bg1"/>
+              </a:solidFill>
+            </a:endParaRPr>
+          </a:p>
+        </p:txBody>
+      </p:sp>
+    </p:spTree>
+    <p:extLst>
+      <p:ext uri="{BB962C8B-B14F-4D97-AF65-F5344CB8AC3E}">
+        <p14:creationId xmlns:p14="http://schemas.microsoft.com/office/powerpoint/2010/main" val="1616503082"/>
+      </p:ext>
+    </p:extLst>
+  </p:cSld>
+  <p:clrMapOvr>
+    <a:masterClrMapping/>
+  </p:clrMapOvr>
+  <p:timing>
+    <p:tnLst>
+      <p:par>
+        <p:cTn id="1" dur="indefinite" restart="never" nodeType="tmRoot"/>
+      </p:par>
+    </p:tnLst>
+  </p:timing>
+</p:sld>
+</file>
+
+<file path=ppt/slides/slide20.xml><?xml version="1.0" encoding="utf-8"?>
 <p:sld xmlns:a="http://schemas.openxmlformats.org/drawingml/2006/main" xmlns:r="http://schemas.openxmlformats.org/officeDocument/2006/relationships" xmlns:p="http://schemas.openxmlformats.org/presentationml/2006/main">
   <p:cSld>
     <p:spTree>
@@ -18297,7 +18228,7 @@
           <p:spPr>
             <a:xfrm>
               <a:off x="5364832" y="6273947"/>
-              <a:ext cx="845688" cy="369332"/>
+              <a:ext cx="845688" cy="400110"/>
             </a:xfrm>
             <a:prstGeom prst="rect">
               <a:avLst/>
@@ -18310,14 +18241,13 @@
             </a:bodyPr>
             <a:lstStyle/>
             <a:p>
-              <a:pPr algn="ctr"/>
               <a:r>
-                <a:rPr lang="en-CA" b="1" dirty="0">
-                  <a:hlinkClick r:id="rId2" action="ppaction://program"/>
+                <a:rPr lang="en-CA" sz="2000" b="1" dirty="0">
+                  <a:hlinkClick r:id="rId4" action="ppaction://program"/>
                 </a:rPr>
                 <a:t>Demo</a:t>
               </a:r>
-              <a:endParaRPr lang="en-CA" b="1" dirty="0"/>
+              <a:endParaRPr lang="en-CA" sz="2000" b="1" dirty="0"/>
             </a:p>
           </p:txBody>
         </p:sp>
@@ -19590,1200 +19520,6 @@
 </p:sld>
 </file>
 
-<file path=ppt/slides/slide19.xml><?xml version="1.0" encoding="utf-8"?>
-<p:sld xmlns:a="http://schemas.openxmlformats.org/drawingml/2006/main" xmlns:r="http://schemas.openxmlformats.org/officeDocument/2006/relationships" xmlns:p="http://schemas.openxmlformats.org/presentationml/2006/main">
-  <p:cSld>
-    <p:spTree>
-      <p:nvGrpSpPr>
-        <p:cNvPr id="1" name=""/>
-        <p:cNvGrpSpPr/>
-        <p:nvPr/>
-      </p:nvGrpSpPr>
-      <p:grpSpPr>
-        <a:xfrm>
-          <a:off x="0" y="0"/>
-          <a:ext cx="0" cy="0"/>
-          <a:chOff x="0" y="0"/>
-          <a:chExt cx="0" cy="0"/>
-        </a:xfrm>
-      </p:grpSpPr>
-      <p:sp>
-        <p:nvSpPr>
-          <p:cNvPr id="2" name="Title 1"/>
-          <p:cNvSpPr>
-            <a:spLocks noGrp="1"/>
-          </p:cNvSpPr>
-          <p:nvPr>
-            <p:ph type="title"/>
-          </p:nvPr>
-        </p:nvSpPr>
-        <p:spPr>
-          <a:xfrm>
-            <a:off x="0" y="0"/>
-            <a:ext cx="12192000" cy="1325563"/>
-          </a:xfrm>
-          <a:solidFill>
-            <a:srgbClr val="0070C0"/>
-          </a:solidFill>
-        </p:spPr>
-        <p:txBody>
-          <a:bodyPr/>
-          <a:lstStyle/>
-          <a:p>
-            <a:r>
-              <a:rPr lang="en-CA" b="1" dirty="0">
-                <a:solidFill>
-                  <a:schemeClr val="bg1"/>
-                </a:solidFill>
-              </a:rPr>
-              <a:t>More</a:t>
-            </a:r>
-          </a:p>
-        </p:txBody>
-      </p:sp>
-      <p:sp>
-        <p:nvSpPr>
-          <p:cNvPr id="3" name="TextBox 2"/>
-          <p:cNvSpPr txBox="1"/>
-          <p:nvPr/>
-        </p:nvSpPr>
-        <p:spPr>
-          <a:xfrm>
-            <a:off x="195209" y="1618180"/>
-            <a:ext cx="8558373" cy="1477328"/>
-          </a:xfrm>
-          <a:prstGeom prst="rect">
-            <a:avLst/>
-          </a:prstGeom>
-          <a:noFill/>
-        </p:spPr>
-        <p:txBody>
-          <a:bodyPr wrap="square" rtlCol="0">
-            <a:spAutoFit/>
-          </a:bodyPr>
-          <a:lstStyle/>
-          <a:p>
-            <a:pPr marL="285750" indent="-285750">
-              <a:buFont typeface="Arial" panose="020B0604020202020204" pitchFamily="34" charset="0"/>
-              <a:buChar char="•"/>
-            </a:pPr>
-            <a:r>
-              <a:rPr lang="en-US" dirty="0"/>
-              <a:t>Transaction (+ Send-Via)</a:t>
-            </a:r>
-          </a:p>
-          <a:p>
-            <a:pPr marL="285750" indent="-285750">
-              <a:buFont typeface="Arial" panose="020B0604020202020204" pitchFamily="34" charset="0"/>
-              <a:buChar char="•"/>
-            </a:pPr>
-            <a:r>
-              <a:rPr lang="en-US" dirty="0"/>
-              <a:t>Batching</a:t>
-            </a:r>
-          </a:p>
-          <a:p>
-            <a:pPr marL="285750" indent="-285750">
-              <a:buFont typeface="Arial" panose="020B0604020202020204" pitchFamily="34" charset="0"/>
-              <a:buChar char="•"/>
-            </a:pPr>
-            <a:r>
-              <a:rPr lang="en-US" dirty="0"/>
-              <a:t>Batched completion (by id)</a:t>
-            </a:r>
-          </a:p>
-          <a:p>
-            <a:pPr marL="285750" indent="-285750">
-              <a:buFont typeface="Arial" panose="020B0604020202020204" pitchFamily="34" charset="0"/>
-              <a:buChar char="•"/>
-            </a:pPr>
-            <a:r>
-              <a:rPr lang="en-US" dirty="0" err="1"/>
-              <a:t>PairedNamespaces</a:t>
-            </a:r>
-            <a:endParaRPr lang="en-US" dirty="0"/>
-          </a:p>
-          <a:p>
-            <a:pPr marL="285750" indent="-285750">
-              <a:buFont typeface="Arial" panose="020B0604020202020204" pitchFamily="34" charset="0"/>
-              <a:buChar char="•"/>
-            </a:pPr>
-            <a:r>
-              <a:rPr lang="en-US" dirty="0"/>
-              <a:t>SBMP vs AMQP</a:t>
-            </a:r>
-          </a:p>
-        </p:txBody>
-      </p:sp>
-    </p:spTree>
-    <p:extLst>
-      <p:ext uri="{BB962C8B-B14F-4D97-AF65-F5344CB8AC3E}">
-        <p14:creationId xmlns:p14="http://schemas.microsoft.com/office/powerpoint/2010/main" val="1437666098"/>
-      </p:ext>
-    </p:extLst>
-  </p:cSld>
-  <p:clrMapOvr>
-    <a:masterClrMapping/>
-  </p:clrMapOvr>
-</p:sld>
-</file>
-
-<file path=ppt/slides/slide2.xml><?xml version="1.0" encoding="utf-8"?>
-<p:sld xmlns:a="http://schemas.openxmlformats.org/drawingml/2006/main" xmlns:r="http://schemas.openxmlformats.org/officeDocument/2006/relationships" xmlns:p="http://schemas.openxmlformats.org/presentationml/2006/main">
-  <p:cSld>
-    <p:spTree>
-      <p:nvGrpSpPr>
-        <p:cNvPr id="1" name=""/>
-        <p:cNvGrpSpPr/>
-        <p:nvPr/>
-      </p:nvGrpSpPr>
-      <p:grpSpPr>
-        <a:xfrm>
-          <a:off x="0" y="0"/>
-          <a:ext cx="0" cy="0"/>
-          <a:chOff x="0" y="0"/>
-          <a:chExt cx="0" cy="0"/>
-        </a:xfrm>
-      </p:grpSpPr>
-      <p:cxnSp>
-        <p:nvCxnSpPr>
-          <p:cNvPr id="14" name="Relays connector"/>
-          <p:cNvCxnSpPr>
-            <a:stCxn id="4" idx="2"/>
-          </p:cNvCxnSpPr>
-          <p:nvPr/>
-        </p:nvCxnSpPr>
-        <p:spPr>
-          <a:xfrm rot="16200000" flipH="1">
-            <a:off x="7646565" y="710298"/>
-            <a:ext cx="801084" cy="3843867"/>
-          </a:xfrm>
-          <a:prstGeom prst="bentConnector3">
-            <a:avLst/>
-          </a:prstGeom>
-        </p:spPr>
-        <p:style>
-          <a:lnRef idx="1">
-            <a:schemeClr val="accent1"/>
-          </a:lnRef>
-          <a:fillRef idx="0">
-            <a:schemeClr val="accent1"/>
-          </a:fillRef>
-          <a:effectRef idx="0">
-            <a:schemeClr val="accent1"/>
-          </a:effectRef>
-          <a:fontRef idx="minor">
-            <a:schemeClr val="tx1"/>
-          </a:fontRef>
-        </p:style>
-      </p:cxnSp>
-      <p:cxnSp>
-        <p:nvCxnSpPr>
-          <p:cNvPr id="18" name="EventHubs connector"/>
-          <p:cNvCxnSpPr/>
-          <p:nvPr/>
-        </p:nvCxnSpPr>
-        <p:spPr>
-          <a:xfrm rot="16200000" flipH="1">
-            <a:off x="6410434" y="1946433"/>
-            <a:ext cx="801084" cy="1371601"/>
-          </a:xfrm>
-          <a:prstGeom prst="bentConnector3">
-            <a:avLst/>
-          </a:prstGeom>
-        </p:spPr>
-        <p:style>
-          <a:lnRef idx="1">
-            <a:schemeClr val="accent1"/>
-          </a:lnRef>
-          <a:fillRef idx="0">
-            <a:schemeClr val="accent1"/>
-          </a:fillRef>
-          <a:effectRef idx="0">
-            <a:schemeClr val="accent1"/>
-          </a:effectRef>
-          <a:fontRef idx="minor">
-            <a:schemeClr val="tx1"/>
-          </a:fontRef>
-        </p:style>
-      </p:cxnSp>
-      <p:cxnSp>
-        <p:nvCxnSpPr>
-          <p:cNvPr id="16" name="Topics connector"/>
-          <p:cNvCxnSpPr>
-            <a:stCxn id="11" idx="2"/>
-            <a:endCxn id="37" idx="0"/>
-          </p:cNvCxnSpPr>
-          <p:nvPr/>
-        </p:nvCxnSpPr>
-        <p:spPr>
-          <a:xfrm rot="16200000" flipH="1">
-            <a:off x="4221181" y="3462761"/>
-            <a:ext cx="547289" cy="1190452"/>
-          </a:xfrm>
-          <a:prstGeom prst="bentConnector3">
-            <a:avLst>
-              <a:gd name="adj1" fmla="val 50000"/>
-            </a:avLst>
-          </a:prstGeom>
-        </p:spPr>
-        <p:style>
-          <a:lnRef idx="1">
-            <a:schemeClr val="accent1"/>
-          </a:lnRef>
-          <a:fillRef idx="0">
-            <a:schemeClr val="accent1"/>
-          </a:fillRef>
-          <a:effectRef idx="0">
-            <a:schemeClr val="accent1"/>
-          </a:effectRef>
-          <a:fontRef idx="minor">
-            <a:schemeClr val="tx1"/>
-          </a:fontRef>
-        </p:style>
-      </p:cxnSp>
-      <p:cxnSp>
-        <p:nvCxnSpPr>
-          <p:cNvPr id="12" name="Queues connector"/>
-          <p:cNvCxnSpPr>
-            <a:stCxn id="11" idx="2"/>
-            <a:endCxn id="35" idx="0"/>
-          </p:cNvCxnSpPr>
-          <p:nvPr/>
-        </p:nvCxnSpPr>
-        <p:spPr>
-          <a:xfrm rot="5400000">
-            <a:off x="2972912" y="3404946"/>
-            <a:ext cx="547290" cy="1306084"/>
-          </a:xfrm>
-          <a:prstGeom prst="bentConnector3">
-            <a:avLst>
-              <a:gd name="adj1" fmla="val 50000"/>
-            </a:avLst>
-          </a:prstGeom>
-        </p:spPr>
-        <p:style>
-          <a:lnRef idx="1">
-            <a:schemeClr val="accent1"/>
-          </a:lnRef>
-          <a:fillRef idx="0">
-            <a:schemeClr val="accent1"/>
-          </a:fillRef>
-          <a:effectRef idx="0">
-            <a:schemeClr val="accent1"/>
-          </a:effectRef>
-          <a:fontRef idx="minor">
-            <a:schemeClr val="tx1"/>
-          </a:fontRef>
-        </p:style>
-      </p:cxnSp>
-      <p:sp>
-        <p:nvSpPr>
-          <p:cNvPr id="2" name="Title 1"/>
-          <p:cNvSpPr>
-            <a:spLocks noGrp="1"/>
-          </p:cNvSpPr>
-          <p:nvPr>
-            <p:ph type="title"/>
-          </p:nvPr>
-        </p:nvSpPr>
-        <p:spPr>
-          <a:xfrm>
-            <a:off x="0" y="0"/>
-            <a:ext cx="12192000" cy="1325563"/>
-          </a:xfrm>
-          <a:solidFill>
-            <a:srgbClr val="0070C0"/>
-          </a:solidFill>
-        </p:spPr>
-        <p:txBody>
-          <a:bodyPr/>
-          <a:lstStyle/>
-          <a:p>
-            <a:r>
-              <a:rPr lang="en-CA" b="1" dirty="0">
-                <a:solidFill>
-                  <a:schemeClr val="bg1"/>
-                </a:solidFill>
-              </a:rPr>
-              <a:t>Service provided by ASB</a:t>
-            </a:r>
-          </a:p>
-        </p:txBody>
-      </p:sp>
-      <p:pic>
-        <p:nvPicPr>
-          <p:cNvPr id="4" name="Picture 3"/>
-          <p:cNvPicPr>
-            <a:picLocks noChangeAspect="1"/>
-          </p:cNvPicPr>
-          <p:nvPr/>
-        </p:nvPicPr>
-        <p:blipFill>
-          <a:blip r:embed="rId3" cstate="print">
-            <a:extLst>
-              <a:ext uri="{28A0092B-C50C-407E-A947-70E740481C1C}">
-                <a14:useLocalDpi xmlns:a14="http://schemas.microsoft.com/office/drawing/2010/main" val="0"/>
-              </a:ext>
-            </a:extLst>
-          </a:blip>
-          <a:stretch>
-            <a:fillRect/>
-          </a:stretch>
-        </p:blipFill>
-        <p:spPr>
-          <a:xfrm>
-            <a:off x="5735029" y="1451400"/>
-            <a:ext cx="780290" cy="780290"/>
-          </a:xfrm>
-          <a:prstGeom prst="rect">
-            <a:avLst/>
-          </a:prstGeom>
-        </p:spPr>
-      </p:pic>
-      <p:sp>
-        <p:nvSpPr>
-          <p:cNvPr id="6" name="TextBox 5"/>
-          <p:cNvSpPr txBox="1"/>
-          <p:nvPr/>
-        </p:nvSpPr>
-        <p:spPr>
-          <a:xfrm>
-            <a:off x="2044558" y="5055152"/>
-            <a:ext cx="1176391" cy="369332"/>
-          </a:xfrm>
-          <a:prstGeom prst="rect">
-            <a:avLst/>
-          </a:prstGeom>
-          <a:noFill/>
-        </p:spPr>
-        <p:txBody>
-          <a:bodyPr wrap="square" rtlCol="0">
-            <a:spAutoFit/>
-          </a:bodyPr>
-          <a:lstStyle/>
-          <a:p>
-            <a:pPr algn="ctr"/>
-            <a:r>
-              <a:rPr lang="en-CA" dirty="0"/>
-              <a:t>Queues</a:t>
-            </a:r>
-          </a:p>
-        </p:txBody>
-      </p:sp>
-      <p:sp>
-        <p:nvSpPr>
-          <p:cNvPr id="15" name="TextBox 14"/>
-          <p:cNvSpPr txBox="1"/>
-          <p:nvPr/>
-        </p:nvSpPr>
-        <p:spPr>
-          <a:xfrm>
-            <a:off x="4357969" y="5055152"/>
-            <a:ext cx="1571774" cy="646331"/>
-          </a:xfrm>
-          <a:prstGeom prst="rect">
-            <a:avLst/>
-          </a:prstGeom>
-          <a:noFill/>
-        </p:spPr>
-        <p:txBody>
-          <a:bodyPr wrap="square" rtlCol="0">
-            <a:spAutoFit/>
-          </a:bodyPr>
-          <a:lstStyle/>
-          <a:p>
-            <a:pPr algn="ctr"/>
-            <a:r>
-              <a:rPr lang="en-CA" dirty="0"/>
-              <a:t>Topics &amp; Subscriptions</a:t>
-            </a:r>
-          </a:p>
-        </p:txBody>
-      </p:sp>
-      <p:sp>
-        <p:nvSpPr>
-          <p:cNvPr id="17" name="TextBox 16"/>
-          <p:cNvSpPr txBox="1"/>
-          <p:nvPr/>
-        </p:nvSpPr>
-        <p:spPr>
-          <a:xfrm>
-            <a:off x="6980497" y="3710324"/>
-            <a:ext cx="1176391" cy="369332"/>
-          </a:xfrm>
-          <a:prstGeom prst="rect">
-            <a:avLst/>
-          </a:prstGeom>
-          <a:noFill/>
-        </p:spPr>
-        <p:txBody>
-          <a:bodyPr wrap="square" rtlCol="0">
-            <a:spAutoFit/>
-          </a:bodyPr>
-          <a:lstStyle/>
-          <a:p>
-            <a:pPr algn="ctr"/>
-            <a:r>
-              <a:rPr lang="en-CA" dirty="0" err="1"/>
-              <a:t>EventHubs</a:t>
-            </a:r>
-            <a:endParaRPr lang="en-CA" dirty="0"/>
-          </a:p>
-        </p:txBody>
-      </p:sp>
-      <p:sp>
-        <p:nvSpPr>
-          <p:cNvPr id="19" name="TextBox 18"/>
-          <p:cNvSpPr txBox="1"/>
-          <p:nvPr/>
-        </p:nvSpPr>
-        <p:spPr>
-          <a:xfrm>
-            <a:off x="9452764" y="3710324"/>
-            <a:ext cx="1176391" cy="369332"/>
-          </a:xfrm>
-          <a:prstGeom prst="rect">
-            <a:avLst/>
-          </a:prstGeom>
-          <a:noFill/>
-        </p:spPr>
-        <p:txBody>
-          <a:bodyPr wrap="square" rtlCol="0">
-            <a:spAutoFit/>
-          </a:bodyPr>
-          <a:lstStyle/>
-          <a:p>
-            <a:pPr algn="ctr"/>
-            <a:r>
-              <a:rPr lang="en-CA" dirty="0"/>
-              <a:t>Relays</a:t>
-            </a:r>
-          </a:p>
-        </p:txBody>
-      </p:sp>
-      <p:pic>
-        <p:nvPicPr>
-          <p:cNvPr id="3" name="Picture 2"/>
-          <p:cNvPicPr>
-            <a:picLocks noChangeAspect="1"/>
-          </p:cNvPicPr>
-          <p:nvPr/>
-        </p:nvPicPr>
-        <p:blipFill>
-          <a:blip r:embed="rId4" cstate="print">
-            <a:extLst>
-              <a:ext uri="{28A0092B-C50C-407E-A947-70E740481C1C}">
-                <a14:useLocalDpi xmlns:a14="http://schemas.microsoft.com/office/drawing/2010/main" val="0"/>
-              </a:ext>
-            </a:extLst>
-          </a:blip>
-          <a:stretch>
-            <a:fillRect/>
-          </a:stretch>
-        </p:blipFill>
-        <p:spPr>
-          <a:xfrm>
-            <a:off x="7105912" y="3003537"/>
-            <a:ext cx="838764" cy="838764"/>
-          </a:xfrm>
-          <a:prstGeom prst="rect">
-            <a:avLst/>
-          </a:prstGeom>
-        </p:spPr>
-      </p:pic>
-      <p:pic>
-        <p:nvPicPr>
-          <p:cNvPr id="10" name="Picture 9"/>
-          <p:cNvPicPr>
-            <a:picLocks noChangeAspect="1"/>
-          </p:cNvPicPr>
-          <p:nvPr/>
-        </p:nvPicPr>
-        <p:blipFill>
-          <a:blip r:embed="rId5" cstate="print">
-            <a:extLst>
-              <a:ext uri="{28A0092B-C50C-407E-A947-70E740481C1C}">
-                <a14:useLocalDpi xmlns:a14="http://schemas.microsoft.com/office/drawing/2010/main" val="0"/>
-              </a:ext>
-            </a:extLst>
-          </a:blip>
-          <a:stretch>
-            <a:fillRect/>
-          </a:stretch>
-        </p:blipFill>
-        <p:spPr>
-          <a:xfrm>
-            <a:off x="9578639" y="3032516"/>
-            <a:ext cx="780806" cy="780806"/>
-          </a:xfrm>
-          <a:prstGeom prst="rect">
-            <a:avLst/>
-          </a:prstGeom>
-        </p:spPr>
-      </p:pic>
-      <p:pic>
-        <p:nvPicPr>
-          <p:cNvPr id="11" name="Picture 10"/>
-          <p:cNvPicPr>
-            <a:picLocks noChangeAspect="1"/>
-          </p:cNvPicPr>
-          <p:nvPr/>
-        </p:nvPicPr>
-        <p:blipFill>
-          <a:blip r:embed="rId6" cstate="print">
-            <a:extLst>
-              <a:ext uri="{28A0092B-C50C-407E-A947-70E740481C1C}">
-                <a14:useLocalDpi xmlns:a14="http://schemas.microsoft.com/office/drawing/2010/main" val="0"/>
-              </a:ext>
-            </a:extLst>
-          </a:blip>
-          <a:stretch>
-            <a:fillRect/>
-          </a:stretch>
-        </p:blipFill>
-        <p:spPr>
-          <a:xfrm>
-            <a:off x="3509196" y="3003537"/>
-            <a:ext cx="780806" cy="780806"/>
-          </a:xfrm>
-          <a:prstGeom prst="rect">
-            <a:avLst/>
-          </a:prstGeom>
-        </p:spPr>
-      </p:pic>
-      <p:cxnSp>
-        <p:nvCxnSpPr>
-          <p:cNvPr id="31" name="EventHubs connector"/>
-          <p:cNvCxnSpPr>
-            <a:stCxn id="4" idx="2"/>
-            <a:endCxn id="11" idx="0"/>
-          </p:cNvCxnSpPr>
-          <p:nvPr/>
-        </p:nvCxnSpPr>
-        <p:spPr>
-          <a:xfrm rot="5400000">
-            <a:off x="4626464" y="1504826"/>
-            <a:ext cx="771847" cy="2225575"/>
-          </a:xfrm>
-          <a:prstGeom prst="bentConnector3">
-            <a:avLst>
-              <a:gd name="adj1" fmla="val 51997"/>
-            </a:avLst>
-          </a:prstGeom>
-        </p:spPr>
-        <p:style>
-          <a:lnRef idx="1">
-            <a:schemeClr val="accent1"/>
-          </a:lnRef>
-          <a:fillRef idx="0">
-            <a:schemeClr val="accent1"/>
-          </a:fillRef>
-          <a:effectRef idx="0">
-            <a:schemeClr val="accent1"/>
-          </a:effectRef>
-          <a:fontRef idx="minor">
-            <a:schemeClr val="tx1"/>
-          </a:fontRef>
-        </p:style>
-      </p:cxnSp>
-      <p:pic>
-        <p:nvPicPr>
-          <p:cNvPr id="35" name="Picture 34"/>
-          <p:cNvPicPr>
-            <a:picLocks noChangeAspect="1"/>
-          </p:cNvPicPr>
-          <p:nvPr/>
-        </p:nvPicPr>
-        <p:blipFill>
-          <a:blip r:embed="rId7">
-            <a:extLst>
-              <a:ext uri="{28A0092B-C50C-407E-A947-70E740481C1C}">
-                <a14:useLocalDpi xmlns:a14="http://schemas.microsoft.com/office/drawing/2010/main" val="0"/>
-              </a:ext>
-            </a:extLst>
-          </a:blip>
-          <a:stretch>
-            <a:fillRect/>
-          </a:stretch>
-        </p:blipFill>
-        <p:spPr>
-          <a:xfrm>
-            <a:off x="2224183" y="4331633"/>
-            <a:ext cx="738664" cy="738664"/>
-          </a:xfrm>
-          <a:prstGeom prst="rect">
-            <a:avLst/>
-          </a:prstGeom>
-        </p:spPr>
-      </p:pic>
-      <p:pic>
-        <p:nvPicPr>
-          <p:cNvPr id="37" name="Picture 36"/>
-          <p:cNvPicPr>
-            <a:picLocks noChangeAspect="1"/>
-          </p:cNvPicPr>
-          <p:nvPr/>
-        </p:nvPicPr>
-        <p:blipFill>
-          <a:blip r:embed="rId8">
-            <a:extLst>
-              <a:ext uri="{28A0092B-C50C-407E-A947-70E740481C1C}">
-                <a14:useLocalDpi xmlns:a14="http://schemas.microsoft.com/office/drawing/2010/main" val="0"/>
-              </a:ext>
-            </a:extLst>
-          </a:blip>
-          <a:stretch>
-            <a:fillRect/>
-          </a:stretch>
-        </p:blipFill>
-        <p:spPr>
-          <a:xfrm>
-            <a:off x="4720719" y="4331632"/>
-            <a:ext cx="738664" cy="738664"/>
-          </a:xfrm>
-          <a:prstGeom prst="rect">
-            <a:avLst/>
-          </a:prstGeom>
-        </p:spPr>
-      </p:pic>
-      <p:sp>
-        <p:nvSpPr>
-          <p:cNvPr id="40" name="TextBox 39"/>
-          <p:cNvSpPr txBox="1"/>
-          <p:nvPr/>
-        </p:nvSpPr>
-        <p:spPr>
-          <a:xfrm>
-            <a:off x="2882017" y="3710324"/>
-            <a:ext cx="2178999" cy="369332"/>
-          </a:xfrm>
-          <a:prstGeom prst="rect">
-            <a:avLst/>
-          </a:prstGeom>
-          <a:noFill/>
-        </p:spPr>
-        <p:txBody>
-          <a:bodyPr wrap="square" rtlCol="0">
-            <a:spAutoFit/>
-          </a:bodyPr>
-          <a:lstStyle/>
-          <a:p>
-            <a:pPr algn="ctr"/>
-            <a:r>
-              <a:rPr lang="en-CA" dirty="0"/>
-              <a:t>Brokered Messaging</a:t>
-            </a:r>
-          </a:p>
-        </p:txBody>
-      </p:sp>
-    </p:spTree>
-    <p:extLst>
-      <p:ext uri="{BB962C8B-B14F-4D97-AF65-F5344CB8AC3E}">
-        <p14:creationId xmlns:p14="http://schemas.microsoft.com/office/powerpoint/2010/main" val="3222334169"/>
-      </p:ext>
-    </p:extLst>
-  </p:cSld>
-  <p:clrMapOvr>
-    <a:masterClrMapping/>
-  </p:clrMapOvr>
-  <p:timing>
-    <p:tnLst>
-      <p:par>
-        <p:cTn id="1" dur="indefinite" restart="never" nodeType="tmRoot">
-          <p:childTnLst>
-            <p:seq concurrent="1" nextAc="seek">
-              <p:cTn id="2" dur="indefinite" nodeType="mainSeq">
-                <p:childTnLst>
-                  <p:par>
-                    <p:cTn id="3" fill="hold">
-                      <p:stCondLst>
-                        <p:cond delay="indefinite"/>
-                      </p:stCondLst>
-                      <p:childTnLst>
-                        <p:par>
-                          <p:cTn id="4" fill="hold">
-                            <p:stCondLst>
-                              <p:cond delay="0"/>
-                            </p:stCondLst>
-                            <p:childTnLst>
-                              <p:par>
-                                <p:cTn id="5" presetID="1" presetClass="entr" presetSubtype="0" fill="hold" nodeType="clickEffect">
-                                  <p:stCondLst>
-                                    <p:cond delay="0"/>
-                                  </p:stCondLst>
-                                  <p:childTnLst>
-                                    <p:set>
-                                      <p:cBhvr>
-                                        <p:cTn id="6" dur="1" fill="hold">
-                                          <p:stCondLst>
-                                            <p:cond delay="0"/>
-                                          </p:stCondLst>
-                                        </p:cTn>
-                                        <p:tgtEl>
-                                          <p:spTgt spid="12"/>
-                                        </p:tgtEl>
-                                        <p:attrNameLst>
-                                          <p:attrName>style.visibility</p:attrName>
-                                        </p:attrNameLst>
-                                      </p:cBhvr>
-                                      <p:to>
-                                        <p:strVal val="visible"/>
-                                      </p:to>
-                                    </p:set>
-                                  </p:childTnLst>
-                                </p:cTn>
-                              </p:par>
-                              <p:par>
-                                <p:cTn id="7" presetID="1" presetClass="entr" presetSubtype="0" fill="hold" grpId="0" nodeType="withEffect">
-                                  <p:stCondLst>
-                                    <p:cond delay="0"/>
-                                  </p:stCondLst>
-                                  <p:childTnLst>
-                                    <p:set>
-                                      <p:cBhvr>
-                                        <p:cTn id="8" dur="1" fill="hold">
-                                          <p:stCondLst>
-                                            <p:cond delay="0"/>
-                                          </p:stCondLst>
-                                        </p:cTn>
-                                        <p:tgtEl>
-                                          <p:spTgt spid="6"/>
-                                        </p:tgtEl>
-                                        <p:attrNameLst>
-                                          <p:attrName>style.visibility</p:attrName>
-                                        </p:attrNameLst>
-                                      </p:cBhvr>
-                                      <p:to>
-                                        <p:strVal val="visible"/>
-                                      </p:to>
-                                    </p:set>
-                                  </p:childTnLst>
-                                </p:cTn>
-                              </p:par>
-                            </p:childTnLst>
-                          </p:cTn>
-                        </p:par>
-                      </p:childTnLst>
-                    </p:cTn>
-                  </p:par>
-                  <p:par>
-                    <p:cTn id="9" fill="hold">
-                      <p:stCondLst>
-                        <p:cond delay="indefinite"/>
-                      </p:stCondLst>
-                      <p:childTnLst>
-                        <p:par>
-                          <p:cTn id="10" fill="hold">
-                            <p:stCondLst>
-                              <p:cond delay="0"/>
-                            </p:stCondLst>
-                            <p:childTnLst>
-                              <p:par>
-                                <p:cTn id="11" presetID="1" presetClass="entr" presetSubtype="0" fill="hold" nodeType="clickEffect">
-                                  <p:stCondLst>
-                                    <p:cond delay="0"/>
-                                  </p:stCondLst>
-                                  <p:childTnLst>
-                                    <p:set>
-                                      <p:cBhvr>
-                                        <p:cTn id="12" dur="1" fill="hold">
-                                          <p:stCondLst>
-                                            <p:cond delay="0"/>
-                                          </p:stCondLst>
-                                        </p:cTn>
-                                        <p:tgtEl>
-                                          <p:spTgt spid="16"/>
-                                        </p:tgtEl>
-                                        <p:attrNameLst>
-                                          <p:attrName>style.visibility</p:attrName>
-                                        </p:attrNameLst>
-                                      </p:cBhvr>
-                                      <p:to>
-                                        <p:strVal val="visible"/>
-                                      </p:to>
-                                    </p:set>
-                                  </p:childTnLst>
-                                </p:cTn>
-                              </p:par>
-                              <p:par>
-                                <p:cTn id="13" presetID="1" presetClass="entr" presetSubtype="0" fill="hold" grpId="0" nodeType="withEffect">
-                                  <p:stCondLst>
-                                    <p:cond delay="0"/>
-                                  </p:stCondLst>
-                                  <p:childTnLst>
-                                    <p:set>
-                                      <p:cBhvr>
-                                        <p:cTn id="14" dur="1" fill="hold">
-                                          <p:stCondLst>
-                                            <p:cond delay="0"/>
-                                          </p:stCondLst>
-                                        </p:cTn>
-                                        <p:tgtEl>
-                                          <p:spTgt spid="15"/>
-                                        </p:tgtEl>
-                                        <p:attrNameLst>
-                                          <p:attrName>style.visibility</p:attrName>
-                                        </p:attrNameLst>
-                                      </p:cBhvr>
-                                      <p:to>
-                                        <p:strVal val="visible"/>
-                                      </p:to>
-                                    </p:set>
-                                  </p:childTnLst>
-                                </p:cTn>
-                              </p:par>
-                            </p:childTnLst>
-                          </p:cTn>
-                        </p:par>
-                      </p:childTnLst>
-                    </p:cTn>
-                  </p:par>
-                  <p:par>
-                    <p:cTn id="15" fill="hold">
-                      <p:stCondLst>
-                        <p:cond delay="indefinite"/>
-                      </p:stCondLst>
-                      <p:childTnLst>
-                        <p:par>
-                          <p:cTn id="16" fill="hold">
-                            <p:stCondLst>
-                              <p:cond delay="0"/>
-                            </p:stCondLst>
-                            <p:childTnLst>
-                              <p:par>
-                                <p:cTn id="17" presetID="1" presetClass="entr" presetSubtype="0" fill="hold" nodeType="clickEffect">
-                                  <p:stCondLst>
-                                    <p:cond delay="0"/>
-                                  </p:stCondLst>
-                                  <p:childTnLst>
-                                    <p:set>
-                                      <p:cBhvr>
-                                        <p:cTn id="18" dur="1" fill="hold">
-                                          <p:stCondLst>
-                                            <p:cond delay="0"/>
-                                          </p:stCondLst>
-                                        </p:cTn>
-                                        <p:tgtEl>
-                                          <p:spTgt spid="18"/>
-                                        </p:tgtEl>
-                                        <p:attrNameLst>
-                                          <p:attrName>style.visibility</p:attrName>
-                                        </p:attrNameLst>
-                                      </p:cBhvr>
-                                      <p:to>
-                                        <p:strVal val="visible"/>
-                                      </p:to>
-                                    </p:set>
-                                  </p:childTnLst>
-                                </p:cTn>
-                              </p:par>
-                              <p:par>
-                                <p:cTn id="19" presetID="1" presetClass="entr" presetSubtype="0" fill="hold" grpId="0" nodeType="withEffect">
-                                  <p:stCondLst>
-                                    <p:cond delay="0"/>
-                                  </p:stCondLst>
-                                  <p:childTnLst>
-                                    <p:set>
-                                      <p:cBhvr>
-                                        <p:cTn id="20" dur="1" fill="hold">
-                                          <p:stCondLst>
-                                            <p:cond delay="0"/>
-                                          </p:stCondLst>
-                                        </p:cTn>
-                                        <p:tgtEl>
-                                          <p:spTgt spid="17"/>
-                                        </p:tgtEl>
-                                        <p:attrNameLst>
-                                          <p:attrName>style.visibility</p:attrName>
-                                        </p:attrNameLst>
-                                      </p:cBhvr>
-                                      <p:to>
-                                        <p:strVal val="visible"/>
-                                      </p:to>
-                                    </p:set>
-                                  </p:childTnLst>
-                                </p:cTn>
-                              </p:par>
-                            </p:childTnLst>
-                          </p:cTn>
-                        </p:par>
-                      </p:childTnLst>
-                    </p:cTn>
-                  </p:par>
-                  <p:par>
-                    <p:cTn id="21" fill="hold">
-                      <p:stCondLst>
-                        <p:cond delay="indefinite"/>
-                      </p:stCondLst>
-                      <p:childTnLst>
-                        <p:par>
-                          <p:cTn id="22" fill="hold">
-                            <p:stCondLst>
-                              <p:cond delay="0"/>
-                            </p:stCondLst>
-                            <p:childTnLst>
-                              <p:par>
-                                <p:cTn id="23" presetID="1" presetClass="entr" presetSubtype="0" fill="hold" nodeType="clickEffect">
-                                  <p:stCondLst>
-                                    <p:cond delay="0"/>
-                                  </p:stCondLst>
-                                  <p:childTnLst>
-                                    <p:set>
-                                      <p:cBhvr>
-                                        <p:cTn id="24" dur="1" fill="hold">
-                                          <p:stCondLst>
-                                            <p:cond delay="0"/>
-                                          </p:stCondLst>
-                                        </p:cTn>
-                                        <p:tgtEl>
-                                          <p:spTgt spid="14"/>
-                                        </p:tgtEl>
-                                        <p:attrNameLst>
-                                          <p:attrName>style.visibility</p:attrName>
-                                        </p:attrNameLst>
-                                      </p:cBhvr>
-                                      <p:to>
-                                        <p:strVal val="visible"/>
-                                      </p:to>
-                                    </p:set>
-                                  </p:childTnLst>
-                                </p:cTn>
-                              </p:par>
-                              <p:par>
-                                <p:cTn id="25" presetID="1" presetClass="entr" presetSubtype="0" fill="hold" grpId="0" nodeType="withEffect">
-                                  <p:stCondLst>
-                                    <p:cond delay="0"/>
-                                  </p:stCondLst>
-                                  <p:childTnLst>
-                                    <p:set>
-                                      <p:cBhvr>
-                                        <p:cTn id="26" dur="1" fill="hold">
-                                          <p:stCondLst>
-                                            <p:cond delay="0"/>
-                                          </p:stCondLst>
-                                        </p:cTn>
-                                        <p:tgtEl>
-                                          <p:spTgt spid="19"/>
-                                        </p:tgtEl>
-                                        <p:attrNameLst>
-                                          <p:attrName>style.visibility</p:attrName>
-                                        </p:attrNameLst>
-                                      </p:cBhvr>
-                                      <p:to>
-                                        <p:strVal val="visible"/>
-                                      </p:to>
-                                    </p:set>
-                                  </p:childTnLst>
-                                </p:cTn>
-                              </p:par>
-                            </p:childTnLst>
-                          </p:cTn>
-                        </p:par>
-                      </p:childTnLst>
-                    </p:cTn>
-                  </p:par>
-                  <p:par>
-                    <p:cTn id="27" fill="hold">
-                      <p:stCondLst>
-                        <p:cond delay="indefinite"/>
-                      </p:stCondLst>
-                      <p:childTnLst>
-                        <p:par>
-                          <p:cTn id="28" fill="hold">
-                            <p:stCondLst>
-                              <p:cond delay="0"/>
-                            </p:stCondLst>
-                            <p:childTnLst>
-                              <p:par>
-                                <p:cTn id="29" presetID="1" presetClass="entr" presetSubtype="0" fill="hold" nodeType="clickEffect">
-                                  <p:stCondLst>
-                                    <p:cond delay="0"/>
-                                  </p:stCondLst>
-                                  <p:childTnLst>
-                                    <p:set>
-                                      <p:cBhvr>
-                                        <p:cTn id="30" dur="1" fill="hold">
-                                          <p:stCondLst>
-                                            <p:cond delay="0"/>
-                                          </p:stCondLst>
-                                        </p:cTn>
-                                        <p:tgtEl>
-                                          <p:spTgt spid="31"/>
-                                        </p:tgtEl>
-                                        <p:attrNameLst>
-                                          <p:attrName>style.visibility</p:attrName>
-                                        </p:attrNameLst>
-                                      </p:cBhvr>
-                                      <p:to>
-                                        <p:strVal val="visible"/>
-                                      </p:to>
-                                    </p:set>
-                                  </p:childTnLst>
-                                </p:cTn>
-                              </p:par>
-                              <p:par>
-                                <p:cTn id="31" presetID="1" presetClass="entr" presetSubtype="0" fill="hold" grpId="0" nodeType="withEffect">
-                                  <p:stCondLst>
-                                    <p:cond delay="0"/>
-                                  </p:stCondLst>
-                                  <p:childTnLst>
-                                    <p:set>
-                                      <p:cBhvr>
-                                        <p:cTn id="32" dur="1" fill="hold">
-                                          <p:stCondLst>
-                                            <p:cond delay="0"/>
-                                          </p:stCondLst>
-                                        </p:cTn>
-                                        <p:tgtEl>
-                                          <p:spTgt spid="40"/>
-                                        </p:tgtEl>
-                                        <p:attrNameLst>
-                                          <p:attrName>style.visibility</p:attrName>
-                                        </p:attrNameLst>
-                                      </p:cBhvr>
-                                      <p:to>
-                                        <p:strVal val="visible"/>
-                                      </p:to>
-                                    </p:set>
-                                  </p:childTnLst>
-                                </p:cTn>
-                              </p:par>
-                            </p:childTnLst>
-                          </p:cTn>
-                        </p:par>
-                      </p:childTnLst>
-                    </p:cTn>
-                  </p:par>
-                </p:childTnLst>
-              </p:cTn>
-              <p:prevCondLst>
-                <p:cond evt="onPrev" delay="0">
-                  <p:tgtEl>
-                    <p:sldTgt/>
-                  </p:tgtEl>
-                </p:cond>
-              </p:prevCondLst>
-              <p:nextCondLst>
-                <p:cond evt="onNext" delay="0">
-                  <p:tgtEl>
-                    <p:sldTgt/>
-                  </p:tgtEl>
-                </p:cond>
-              </p:nextCondLst>
-            </p:seq>
-          </p:childTnLst>
-        </p:cTn>
-      </p:par>
-    </p:tnLst>
-    <p:bldLst>
-      <p:bldP spid="6" grpId="0"/>
-      <p:bldP spid="15" grpId="0"/>
-      <p:bldP spid="17" grpId="0"/>
-      <p:bldP spid="19" grpId="0"/>
-      <p:bldP spid="40" grpId="0"/>
-    </p:bldLst>
-  </p:timing>
-</p:sld>
-</file>
-
-<file path=ppt/slides/slide20.xml><?xml version="1.0" encoding="utf-8"?>
-<p:sld xmlns:a="http://schemas.openxmlformats.org/drawingml/2006/main" xmlns:r="http://schemas.openxmlformats.org/officeDocument/2006/relationships" xmlns:p="http://schemas.openxmlformats.org/presentationml/2006/main">
-  <p:cSld>
-    <p:spTree>
-      <p:nvGrpSpPr>
-        <p:cNvPr id="1" name=""/>
-        <p:cNvGrpSpPr/>
-        <p:nvPr/>
-      </p:nvGrpSpPr>
-      <p:grpSpPr>
-        <a:xfrm>
-          <a:off x="0" y="0"/>
-          <a:ext cx="0" cy="0"/>
-          <a:chOff x="0" y="0"/>
-          <a:chExt cx="0" cy="0"/>
-        </a:xfrm>
-      </p:grpSpPr>
-      <p:sp>
-        <p:nvSpPr>
-          <p:cNvPr id="2" name="Title 1"/>
-          <p:cNvSpPr>
-            <a:spLocks noGrp="1"/>
-          </p:cNvSpPr>
-          <p:nvPr>
-            <p:ph type="title"/>
-          </p:nvPr>
-        </p:nvSpPr>
-        <p:spPr>
-          <a:xfrm>
-            <a:off x="0" y="0"/>
-            <a:ext cx="12192000" cy="1325563"/>
-          </a:xfrm>
-          <a:solidFill>
-            <a:srgbClr val="0070C0"/>
-          </a:solidFill>
-        </p:spPr>
-        <p:txBody>
-          <a:bodyPr/>
-          <a:lstStyle/>
-          <a:p>
-            <a:r>
-              <a:rPr lang="en-CA" b="1" dirty="0">
-                <a:solidFill>
-                  <a:schemeClr val="bg1"/>
-                </a:solidFill>
-              </a:rPr>
-              <a:t>???Batching</a:t>
-            </a:r>
-          </a:p>
-        </p:txBody>
-      </p:sp>
-      <p:sp>
-        <p:nvSpPr>
-          <p:cNvPr id="3" name="TextBox 2"/>
-          <p:cNvSpPr txBox="1"/>
-          <p:nvPr/>
-        </p:nvSpPr>
-        <p:spPr>
-          <a:xfrm>
-            <a:off x="195209" y="1618180"/>
-            <a:ext cx="8558373" cy="369332"/>
-          </a:xfrm>
-          <a:prstGeom prst="rect">
-            <a:avLst/>
-          </a:prstGeom>
-          <a:noFill/>
-        </p:spPr>
-        <p:txBody>
-          <a:bodyPr wrap="square" rtlCol="0">
-            <a:spAutoFit/>
-          </a:bodyPr>
-          <a:lstStyle/>
-          <a:p>
-            <a:pPr marL="285750" indent="-285750">
-              <a:buFont typeface="Arial" panose="020B0604020202020204" pitchFamily="34" charset="0"/>
-              <a:buChar char="•"/>
-            </a:pPr>
-            <a:r>
-              <a:rPr lang="en-US" dirty="0"/>
-              <a:t>Batching</a:t>
-            </a:r>
-          </a:p>
-        </p:txBody>
-      </p:sp>
-    </p:spTree>
-    <p:extLst>
-      <p:ext uri="{BB962C8B-B14F-4D97-AF65-F5344CB8AC3E}">
-        <p14:creationId xmlns:p14="http://schemas.microsoft.com/office/powerpoint/2010/main" val="4085379279"/>
-      </p:ext>
-    </p:extLst>
-  </p:cSld>
-  <p:clrMapOvr>
-    <a:masterClrMapping/>
-  </p:clrMapOvr>
-</p:sld>
-</file>
-
 <file path=ppt/slides/slide21.xml><?xml version="1.0" encoding="utf-8"?>
 <p:sld xmlns:a="http://schemas.openxmlformats.org/drawingml/2006/main" xmlns:r="http://schemas.openxmlformats.org/officeDocument/2006/relationships" xmlns:p="http://schemas.openxmlformats.org/presentationml/2006/main">
   <p:cSld>
@@ -20830,54 +19566,82 @@
                   <a:schemeClr val="bg1"/>
                 </a:solidFill>
               </a:rPr>
-              <a:t>???Transactions</a:t>
+              <a:t>Batching</a:t>
             </a:r>
           </a:p>
         </p:txBody>
       </p:sp>
-      <p:sp>
-        <p:nvSpPr>
-          <p:cNvPr id="3" name="TextBox 2"/>
-          <p:cNvSpPr txBox="1"/>
-          <p:nvPr/>
-        </p:nvSpPr>
-        <p:spPr>
-          <a:xfrm>
-            <a:off x="195209" y="1618180"/>
-            <a:ext cx="8558373" cy="369332"/>
-          </a:xfrm>
-          <a:prstGeom prst="rect">
-            <a:avLst/>
-          </a:prstGeom>
-          <a:noFill/>
-        </p:spPr>
-        <p:txBody>
-          <a:bodyPr wrap="square" rtlCol="0">
-            <a:spAutoFit/>
-          </a:bodyPr>
-          <a:lstStyle/>
-          <a:p>
-            <a:pPr marL="285750" indent="-285750">
-              <a:buFont typeface="Arial" panose="020B0604020202020204" pitchFamily="34" charset="0"/>
-              <a:buChar char="•"/>
-            </a:pPr>
-            <a:r>
-              <a:rPr lang="en-US" dirty="0"/>
-              <a:t>Transaction (+ Send-Via)</a:t>
-            </a:r>
-          </a:p>
-        </p:txBody>
-      </p:sp>
+      <mc:AlternateContent xmlns:mc="http://schemas.openxmlformats.org/markup-compatibility/2006" xmlns:we="http://schemas.microsoft.com/office/webextensions/webextension/2010/11" xmlns:pca="http://schemas.microsoft.com/office/powerpoint/2013/contentapp">
+        <mc:Choice Requires="we pca">
+          <p:graphicFrame>
+            <p:nvGraphicFramePr>
+              <p:cNvPr id="4" name="Add-in 3" title="Code Presenter Pro"/>
+              <p:cNvGraphicFramePr>
+                <a:graphicFrameLocks noGrp="1"/>
+              </p:cNvGraphicFramePr>
+              <p:nvPr>
+                <p:extLst>
+                  <p:ext uri="{D42A27DB-BD31-4B8C-83A1-F6EECF244321}">
+                    <p14:modId xmlns:p14="http://schemas.microsoft.com/office/powerpoint/2010/main" val="1267178396"/>
+                  </p:ext>
+                </p:extLst>
+              </p:nvPr>
+            </p:nvGraphicFramePr>
+            <p:xfrm>
+              <a:off x="1576639" y="1358387"/>
+              <a:ext cx="9327452" cy="5494328"/>
+            </p:xfrm>
+            <a:graphic>
+              <a:graphicData uri="http://schemas.microsoft.com/office/webextensions/webextension/2010/11">
+                <we:webextensionref xmlns:we="http://schemas.microsoft.com/office/webextensions/webextension/2010/11" xmlns:r="http://schemas.openxmlformats.org/officeDocument/2006/relationships" r:id="rId2"/>
+              </a:graphicData>
+            </a:graphic>
+          </p:graphicFrame>
+        </mc:Choice>
+        <mc:Fallback xmlns="">
+          <p:pic>
+            <p:nvPicPr>
+              <p:cNvPr id="4" name="Add-in 3" title="Code Presenter Pro"/>
+              <p:cNvPicPr>
+                <a:picLocks noGrp="1" noRot="1" noChangeAspect="1" noMove="1" noResize="1" noEditPoints="1" noAdjustHandles="1" noChangeArrowheads="1" noChangeShapeType="1"/>
+              </p:cNvPicPr>
+              <p:nvPr/>
+            </p:nvPicPr>
+            <p:blipFill>
+              <a:blip r:embed="rId3"/>
+              <a:stretch>
+                <a:fillRect/>
+              </a:stretch>
+            </p:blipFill>
+            <p:spPr>
+              <a:xfrm>
+                <a:off x="1576639" y="1358387"/>
+                <a:ext cx="9327452" cy="5494328"/>
+              </a:xfrm>
+              <a:prstGeom prst="rect">
+                <a:avLst/>
+              </a:prstGeom>
+            </p:spPr>
+          </p:pic>
+        </mc:Fallback>
+      </mc:AlternateContent>
     </p:spTree>
     <p:extLst>
       <p:ext uri="{BB962C8B-B14F-4D97-AF65-F5344CB8AC3E}">
-        <p14:creationId xmlns:p14="http://schemas.microsoft.com/office/powerpoint/2010/main" val="1775724239"/>
+        <p14:creationId xmlns:p14="http://schemas.microsoft.com/office/powerpoint/2010/main" val="4085379279"/>
       </p:ext>
     </p:extLst>
   </p:cSld>
   <p:clrMapOvr>
     <a:masterClrMapping/>
   </p:clrMapOvr>
+  <p:timing>
+    <p:tnLst>
+      <p:par>
+        <p:cTn id="1" dur="indefinite" restart="never" nodeType="tmRoot"/>
+      </p:par>
+    </p:tnLst>
+  </p:timing>
 </p:sld>
 </file>
 
@@ -20927,54 +19691,82 @@
                   <a:schemeClr val="bg1"/>
                 </a:solidFill>
               </a:rPr>
-              <a:t>???Forwarding</a:t>
+              <a:t>Transactions</a:t>
             </a:r>
           </a:p>
         </p:txBody>
       </p:sp>
-      <p:sp>
-        <p:nvSpPr>
-          <p:cNvPr id="3" name="TextBox 2"/>
-          <p:cNvSpPr txBox="1"/>
-          <p:nvPr/>
-        </p:nvSpPr>
-        <p:spPr>
-          <a:xfrm>
-            <a:off x="195209" y="1618180"/>
-            <a:ext cx="8558373" cy="369332"/>
-          </a:xfrm>
-          <a:prstGeom prst="rect">
-            <a:avLst/>
-          </a:prstGeom>
-          <a:noFill/>
-        </p:spPr>
-        <p:txBody>
-          <a:bodyPr wrap="square" rtlCol="0">
-            <a:spAutoFit/>
-          </a:bodyPr>
-          <a:lstStyle/>
-          <a:p>
-            <a:pPr marL="285750" indent="-285750">
-              <a:buFont typeface="Arial" panose="020B0604020202020204" pitchFamily="34" charset="0"/>
-              <a:buChar char="•"/>
-            </a:pPr>
-            <a:r>
-              <a:rPr lang="en-US" dirty="0"/>
-              <a:t>Forwarding - Centralized DLQ</a:t>
-            </a:r>
-          </a:p>
-        </p:txBody>
-      </p:sp>
+      <mc:AlternateContent xmlns:mc="http://schemas.openxmlformats.org/markup-compatibility/2006" xmlns:we="http://schemas.microsoft.com/office/webextensions/webextension/2010/11" xmlns:pca="http://schemas.microsoft.com/office/powerpoint/2013/contentapp">
+        <mc:Choice Requires="we pca">
+          <p:graphicFrame>
+            <p:nvGraphicFramePr>
+              <p:cNvPr id="5" name="Add-in 4" title="Code Presenter Pro"/>
+              <p:cNvGraphicFramePr>
+                <a:graphicFrameLocks noGrp="1"/>
+              </p:cNvGraphicFramePr>
+              <p:nvPr>
+                <p:extLst>
+                  <p:ext uri="{D42A27DB-BD31-4B8C-83A1-F6EECF244321}">
+                    <p14:modId xmlns:p14="http://schemas.microsoft.com/office/powerpoint/2010/main" val="182200959"/>
+                  </p:ext>
+                </p:extLst>
+              </p:nvPr>
+            </p:nvGraphicFramePr>
+            <p:xfrm>
+              <a:off x="1576639" y="1358387"/>
+              <a:ext cx="9327452" cy="5494328"/>
+            </p:xfrm>
+            <a:graphic>
+              <a:graphicData uri="http://schemas.microsoft.com/office/webextensions/webextension/2010/11">
+                <we:webextensionref xmlns:we="http://schemas.microsoft.com/office/webextensions/webextension/2010/11" xmlns:r="http://schemas.openxmlformats.org/officeDocument/2006/relationships" r:id="rId2"/>
+              </a:graphicData>
+            </a:graphic>
+          </p:graphicFrame>
+        </mc:Choice>
+        <mc:Fallback xmlns="">
+          <p:pic>
+            <p:nvPicPr>
+              <p:cNvPr id="5" name="Add-in 4" title="Code Presenter Pro"/>
+              <p:cNvPicPr>
+                <a:picLocks noGrp="1" noRot="1" noChangeAspect="1" noMove="1" noResize="1" noEditPoints="1" noAdjustHandles="1" noChangeArrowheads="1" noChangeShapeType="1"/>
+              </p:cNvPicPr>
+              <p:nvPr/>
+            </p:nvPicPr>
+            <p:blipFill>
+              <a:blip r:embed="rId3"/>
+              <a:stretch>
+                <a:fillRect/>
+              </a:stretch>
+            </p:blipFill>
+            <p:spPr>
+              <a:xfrm>
+                <a:off x="1576639" y="1358387"/>
+                <a:ext cx="9327452" cy="5494328"/>
+              </a:xfrm>
+              <a:prstGeom prst="rect">
+                <a:avLst/>
+              </a:prstGeom>
+            </p:spPr>
+          </p:pic>
+        </mc:Fallback>
+      </mc:AlternateContent>
     </p:spTree>
     <p:extLst>
       <p:ext uri="{BB962C8B-B14F-4D97-AF65-F5344CB8AC3E}">
-        <p14:creationId xmlns:p14="http://schemas.microsoft.com/office/powerpoint/2010/main" val="2456852900"/>
+        <p14:creationId xmlns:p14="http://schemas.microsoft.com/office/powerpoint/2010/main" val="1775724239"/>
       </p:ext>
     </p:extLst>
   </p:cSld>
   <p:clrMapOvr>
     <a:masterClrMapping/>
   </p:clrMapOvr>
+  <p:timing>
+    <p:tnLst>
+      <p:par>
+        <p:cTn id="1" dur="indefinite" restart="never" nodeType="tmRoot"/>
+      </p:par>
+    </p:tnLst>
+  </p:timing>
 </p:sld>
 </file>
 
@@ -21019,13 +19811,18 @@
           <a:lstStyle/>
           <a:p>
             <a:r>
-              <a:rPr lang="en-CA" b="1" dirty="0">
+              <a:rPr lang="en-CA" b="1" dirty="0" smtClean="0">
                 <a:solidFill>
                   <a:schemeClr val="bg1"/>
                 </a:solidFill>
               </a:rPr>
-              <a:t>???Exception Handling</a:t>
+              <a:t>Forwarding</a:t>
             </a:r>
+            <a:endParaRPr lang="en-CA" b="1" dirty="0">
+              <a:solidFill>
+                <a:schemeClr val="bg1"/>
+              </a:solidFill>
+            </a:endParaRPr>
           </a:p>
         </p:txBody>
       </p:sp>
@@ -21056,10 +19853,13 @@
               <a:buChar char="•"/>
             </a:pPr>
             <a:r>
-              <a:rPr lang="en-US" dirty="0" err="1"/>
-              <a:t>RetryPolicy</a:t>
+              <a:rPr lang="en-US" dirty="0" smtClean="0"/>
+              <a:t>Centralized </a:t>
             </a:r>
-            <a:endParaRPr lang="en-US" dirty="0"/>
+            <a:r>
+              <a:rPr lang="en-US" dirty="0"/>
+              <a:t>DLQ sample</a:t>
+            </a:r>
           </a:p>
           <a:p>
             <a:pPr marL="285750" indent="-285750">
@@ -21067,23 +19867,37 @@
               <a:buChar char="•"/>
             </a:pPr>
             <a:r>
+              <a:rPr lang="en-US" dirty="0"/>
+              <a:t>Dynamic property “</a:t>
+            </a:r>
+            <a:r>
               <a:rPr lang="en-US" dirty="0" err="1"/>
-              <a:t>IsTransient</a:t>
+              <a:t>DeadLetterSource</a:t>
             </a:r>
-            <a:endParaRPr lang="en-US" dirty="0"/>
+            <a:r>
+              <a:rPr lang="en-US" dirty="0"/>
+              <a:t>”</a:t>
+            </a:r>
           </a:p>
         </p:txBody>
       </p:sp>
     </p:spTree>
     <p:extLst>
       <p:ext uri="{BB962C8B-B14F-4D97-AF65-F5344CB8AC3E}">
-        <p14:creationId xmlns:p14="http://schemas.microsoft.com/office/powerpoint/2010/main" val="2277230010"/>
+        <p14:creationId xmlns:p14="http://schemas.microsoft.com/office/powerpoint/2010/main" val="2456852900"/>
       </p:ext>
     </p:extLst>
   </p:cSld>
   <p:clrMapOvr>
     <a:masterClrMapping/>
   </p:clrMapOvr>
+  <p:timing>
+    <p:tnLst>
+      <p:par>
+        <p:cTn id="1" dur="indefinite" restart="never" nodeType="tmRoot"/>
+      </p:par>
+    </p:tnLst>
+  </p:timing>
 </p:sld>
 </file>
 
@@ -21128,12 +19942,144 @@
           <a:lstStyle/>
           <a:p>
             <a:r>
+              <a:rPr lang="en-CA" b="1" dirty="0" smtClean="0">
+                <a:solidFill>
+                  <a:schemeClr val="bg1"/>
+                </a:solidFill>
+              </a:rPr>
+              <a:t>Exception </a:t>
+            </a:r>
+            <a:r>
               <a:rPr lang="en-CA" b="1" dirty="0">
                 <a:solidFill>
                   <a:schemeClr val="bg1"/>
                 </a:solidFill>
               </a:rPr>
-              <a:t>???HA and DR</a:t>
+              <a:t>Handling</a:t>
+            </a:r>
+          </a:p>
+        </p:txBody>
+      </p:sp>
+      <p:sp>
+        <p:nvSpPr>
+          <p:cNvPr id="3" name="TextBox 2"/>
+          <p:cNvSpPr txBox="1"/>
+          <p:nvPr/>
+        </p:nvSpPr>
+        <p:spPr>
+          <a:xfrm>
+            <a:off x="195209" y="1618180"/>
+            <a:ext cx="8558373" cy="646331"/>
+          </a:xfrm>
+          <a:prstGeom prst="rect">
+            <a:avLst/>
+          </a:prstGeom>
+          <a:noFill/>
+        </p:spPr>
+        <p:txBody>
+          <a:bodyPr wrap="square" rtlCol="0">
+            <a:spAutoFit/>
+          </a:bodyPr>
+          <a:lstStyle/>
+          <a:p>
+            <a:pPr marL="285750" indent="-285750">
+              <a:buFont typeface="Arial" panose="020B0604020202020204" pitchFamily="34" charset="0"/>
+              <a:buChar char="•"/>
+            </a:pPr>
+            <a:r>
+              <a:rPr lang="en-US" dirty="0" err="1"/>
+              <a:t>RetryPolicy</a:t>
+            </a:r>
+            <a:endParaRPr lang="en-US" dirty="0"/>
+          </a:p>
+          <a:p>
+            <a:pPr marL="285750" indent="-285750">
+              <a:buFont typeface="Arial" panose="020B0604020202020204" pitchFamily="34" charset="0"/>
+              <a:buChar char="•"/>
+            </a:pPr>
+            <a:r>
+              <a:rPr lang="en-US" dirty="0" err="1" smtClean="0"/>
+              <a:t>exception.IsTransient</a:t>
+            </a:r>
+            <a:endParaRPr lang="en-US" dirty="0"/>
+          </a:p>
+        </p:txBody>
+      </p:sp>
+    </p:spTree>
+    <p:extLst>
+      <p:ext uri="{BB962C8B-B14F-4D97-AF65-F5344CB8AC3E}">
+        <p14:creationId xmlns:p14="http://schemas.microsoft.com/office/powerpoint/2010/main" val="2277230010"/>
+      </p:ext>
+    </p:extLst>
+  </p:cSld>
+  <p:clrMapOvr>
+    <a:masterClrMapping/>
+  </p:clrMapOvr>
+  <p:timing>
+    <p:tnLst>
+      <p:par>
+        <p:cTn id="1" dur="indefinite" restart="never" nodeType="tmRoot"/>
+      </p:par>
+    </p:tnLst>
+  </p:timing>
+</p:sld>
+</file>
+
+<file path=ppt/slides/slide25.xml><?xml version="1.0" encoding="utf-8"?>
+<p:sld xmlns:a="http://schemas.openxmlformats.org/drawingml/2006/main" xmlns:r="http://schemas.openxmlformats.org/officeDocument/2006/relationships" xmlns:p="http://schemas.openxmlformats.org/presentationml/2006/main">
+  <p:cSld>
+    <p:spTree>
+      <p:nvGrpSpPr>
+        <p:cNvPr id="1" name=""/>
+        <p:cNvGrpSpPr/>
+        <p:nvPr/>
+      </p:nvGrpSpPr>
+      <p:grpSpPr>
+        <a:xfrm>
+          <a:off x="0" y="0"/>
+          <a:ext cx="0" cy="0"/>
+          <a:chOff x="0" y="0"/>
+          <a:chExt cx="0" cy="0"/>
+        </a:xfrm>
+      </p:grpSpPr>
+      <p:sp>
+        <p:nvSpPr>
+          <p:cNvPr id="2" name="Title 1"/>
+          <p:cNvSpPr>
+            <a:spLocks noGrp="1"/>
+          </p:cNvSpPr>
+          <p:nvPr>
+            <p:ph type="title"/>
+          </p:nvPr>
+        </p:nvSpPr>
+        <p:spPr>
+          <a:xfrm>
+            <a:off x="0" y="0"/>
+            <a:ext cx="12192000" cy="1325563"/>
+          </a:xfrm>
+          <a:solidFill>
+            <a:srgbClr val="0070C0"/>
+          </a:solidFill>
+        </p:spPr>
+        <p:txBody>
+          <a:bodyPr/>
+          <a:lstStyle/>
+          <a:p>
+            <a:r>
+              <a:rPr lang="en-CA" b="1" smtClean="0">
+                <a:solidFill>
+                  <a:schemeClr val="bg1"/>
+                </a:solidFill>
+              </a:rPr>
+              <a:t>HA </a:t>
+            </a:r>
+            <a:r>
+              <a:rPr lang="en-CA" b="1" dirty="0">
+                <a:solidFill>
+                  <a:schemeClr val="bg1"/>
+                </a:solidFill>
+              </a:rPr>
+              <a:t>and DR</a:t>
             </a:r>
           </a:p>
         </p:txBody>
@@ -21202,10 +20148,17 @@
   <p:clrMapOvr>
     <a:masterClrMapping/>
   </p:clrMapOvr>
+  <p:timing>
+    <p:tnLst>
+      <p:par>
+        <p:cTn id="1" dur="indefinite" restart="never" nodeType="tmRoot"/>
+      </p:par>
+    </p:tnLst>
+  </p:timing>
 </p:sld>
 </file>
 
-<file path=ppt/slides/slide25.xml><?xml version="1.0" encoding="utf-8"?>
+<file path=ppt/slides/slide26.xml><?xml version="1.0" encoding="utf-8"?>
 <p:sld xmlns:a="http://schemas.openxmlformats.org/drawingml/2006/main" xmlns:r="http://schemas.openxmlformats.org/officeDocument/2006/relationships" xmlns:p="http://schemas.openxmlformats.org/presentationml/2006/main">
   <p:cSld>
     <p:spTree>
@@ -21377,7 +20330,7 @@
 </p:sld>
 </file>
 
-<file path=ppt/slides/slide26.xml><?xml version="1.0" encoding="utf-8"?>
+<file path=ppt/slides/slide27.xml><?xml version="1.0" encoding="utf-8"?>
 <p:sld xmlns:a="http://schemas.openxmlformats.org/drawingml/2006/main" xmlns:r="http://schemas.openxmlformats.org/officeDocument/2006/relationships" xmlns:p="http://schemas.openxmlformats.org/presentationml/2006/main">
   <p:cSld>
     <p:spTree>
@@ -21514,7 +20467,7 @@
 </p:sld>
 </file>
 
-<file path=ppt/slides/slide27.xml><?xml version="1.0" encoding="utf-8"?>
+<file path=ppt/slides/slide28.xml><?xml version="1.0" encoding="utf-8"?>
 <p:sld xmlns:a="http://schemas.openxmlformats.org/drawingml/2006/main" xmlns:r="http://schemas.openxmlformats.org/officeDocument/2006/relationships" xmlns:p="http://schemas.openxmlformats.org/presentationml/2006/main">
   <p:cSld>
     <p:spTree>
@@ -21574,7 +20527,7 @@
         <p:spPr>
           <a:xfrm>
             <a:off x="256449" y="1708347"/>
-            <a:ext cx="11276293" cy="3416320"/>
+            <a:ext cx="11276293" cy="4154984"/>
           </a:xfrm>
           <a:prstGeom prst="rect">
             <a:avLst/>
@@ -21594,24 +20547,37 @@
               <a:rPr lang="en-CA" sz="2400" b="1" dirty="0">
                 <a:hlinkClick r:id="rId2"/>
               </a:rPr>
-              <a:t>https://github.com/SeanFeldman/ASB-DotNet-YYC</a:t>
+              <a:t>https://github.com/SeanFeldman/ASB-AustinAzure</a:t>
             </a:r>
             <a:endParaRPr lang="en-CA" sz="2400" b="1" dirty="0"/>
           </a:p>
           <a:p>
             <a:r>
-              <a:rPr lang="en-CA" sz="2400" b="1" dirty="0"/>
+              <a:rPr lang="en-US" sz="2400" b="1" dirty="0" smtClean="0"/>
+              <a:t>Recording </a:t>
+            </a:r>
+            <a:r>
+              <a:rPr lang="en-US" sz="2400" b="1" dirty="0" smtClean="0">
+                <a:hlinkClick r:id="rId3"/>
+              </a:rPr>
+              <a:t>http://usergroup.tv/?cat=498</a:t>
+            </a:r>
+            <a:endParaRPr lang="en-CA" sz="2400" b="1" dirty="0" smtClean="0"/>
+          </a:p>
+          <a:p>
+            <a:r>
+              <a:rPr lang="en-CA" sz="2400" b="1" dirty="0" smtClean="0"/>
               <a:t>Connect </a:t>
             </a:r>
             <a:r>
               <a:rPr lang="en-CA" sz="2400" b="1" dirty="0">
-                <a:hlinkClick r:id="rId3" action="ppaction://hlinkfile"/>
+                <a:hlinkClick r:id="rId4" action="ppaction://hlinkfile"/>
               </a:rPr>
               <a:t>@</a:t>
             </a:r>
             <a:r>
               <a:rPr lang="en-CA" sz="2400" b="1" dirty="0" err="1">
-                <a:hlinkClick r:id="rId3" action="ppaction://hlinkfile"/>
+                <a:hlinkClick r:id="rId4" action="ppaction://hlinkfile"/>
               </a:rPr>
               <a:t>sfeldman</a:t>
             </a:r>
@@ -21619,12 +20585,16 @@
           </a:p>
           <a:p>
             <a:r>
+              <a:rPr lang="en-CA" sz="2400" b="1" dirty="0" smtClean="0"/>
+              <a:t>Send </a:t>
+            </a:r>
+            <a:r>
               <a:rPr lang="en-CA" sz="2400" b="1" dirty="0"/>
-              <a:t>Send your feedback to </a:t>
+              <a:t>your feedback to </a:t>
             </a:r>
             <a:r>
               <a:rPr lang="en-CA" sz="2400" b="1" dirty="0">
-                <a:hlinkClick r:id="rId4"/>
+                <a:hlinkClick r:id="rId5"/>
               </a:rPr>
               <a:t>feldman.sean@gmail.com</a:t>
             </a:r>
@@ -21632,12 +20602,16 @@
           </a:p>
           <a:p>
             <a:r>
+              <a:rPr lang="en-CA" sz="2400" b="1" dirty="0" smtClean="0"/>
+              <a:t>Feel </a:t>
+            </a:r>
+            <a:r>
               <a:rPr lang="en-CA" sz="2400" b="1" dirty="0"/>
-              <a:t>Feel up your RSS feed with </a:t>
+              <a:t>up your RSS feed with </a:t>
             </a:r>
             <a:r>
               <a:rPr lang="en-CA" sz="2400" b="1" dirty="0">
-                <a:hlinkClick r:id="rId5"/>
+                <a:hlinkClick r:id="rId6"/>
               </a:rPr>
               <a:t>https://weblogs.asp.net/sfeldman</a:t>
             </a:r>
@@ -21645,6 +20619,7 @@
               <a:rPr lang="en-CA" sz="2400" b="1" dirty="0"/>
               <a:t> </a:t>
             </a:r>
+            <a:endParaRPr lang="en-CA" sz="2400" b="1" dirty="0" smtClean="0"/>
           </a:p>
           <a:p>
             <a:endParaRPr lang="en-CA" sz="2400" b="1" dirty="0"/>
@@ -21666,7 +20641,7 @@
             </a:r>
             <a:r>
               <a:rPr lang="en-CA" sz="2400" b="1" dirty="0">
-                <a:hlinkClick r:id="rId6"/>
+                <a:hlinkClick r:id="rId7"/>
               </a:rPr>
               <a:t>https://github.com/paolosalvatori/ServiceBusExplorer</a:t>
             </a:r>
@@ -21690,7 +20665,7 @@
             </a:r>
             <a:r>
               <a:rPr lang="en-CA" sz="2400" b="1" dirty="0">
-                <a:hlinkClick r:id="rId7"/>
+                <a:hlinkClick r:id="rId8"/>
               </a:rPr>
               <a:t>https://www.linqpad.net/</a:t>
             </a:r>
@@ -21698,6 +20673,34 @@
               <a:rPr lang="en-CA" sz="2400" b="1" dirty="0"/>
               <a:t> </a:t>
             </a:r>
+            <a:endParaRPr lang="en-CA" sz="2400" b="1" dirty="0" smtClean="0"/>
+          </a:p>
+          <a:p>
+            <a:pPr marL="342900" indent="-342900">
+              <a:buFont typeface="Arial" panose="020B0604020202020204" pitchFamily="34" charset="0"/>
+              <a:buChar char="•"/>
+            </a:pPr>
+            <a:r>
+              <a:rPr lang="en-US" sz="2400" b="1" dirty="0" err="1" smtClean="0"/>
+              <a:t>ServiceBus</a:t>
+            </a:r>
+            <a:r>
+              <a:rPr lang="en-US" sz="2400" b="1" dirty="0"/>
+              <a:t> 360 </a:t>
+            </a:r>
+            <a:r>
+              <a:rPr lang="en-US" sz="2400" b="1" dirty="0">
+                <a:hlinkClick r:id="rId9"/>
+              </a:rPr>
+              <a:t>http://app.servicebus360.com</a:t>
+            </a:r>
+            <a:r>
+              <a:rPr lang="en-US" sz="2400" b="1" dirty="0" smtClean="0">
+                <a:hlinkClick r:id="rId9"/>
+              </a:rPr>
+              <a:t>/</a:t>
+            </a:r>
+            <a:endParaRPr lang="en-CA" sz="2400" b="1" dirty="0"/>
           </a:p>
           <a:p>
             <a:endParaRPr lang="en-CA" sz="2400" b="1" dirty="0"/>
@@ -21713,7 +20716,7 @@
           <p:nvPr/>
         </p:nvPicPr>
         <p:blipFill>
-          <a:blip r:embed="rId8">
+          <a:blip r:embed="rId10">
             <a:extLst>
               <a:ext uri="{28A0092B-C50C-407E-A947-70E740481C1C}">
                 <a14:useLocalDpi xmlns:a14="http://schemas.microsoft.com/office/drawing/2010/main" val="0"/>
@@ -21748,6 +20751,997 @@
 </file>
 
 <file path=ppt/slides/slide3.xml><?xml version="1.0" encoding="utf-8"?>
+<p:sld xmlns:a="http://schemas.openxmlformats.org/drawingml/2006/main" xmlns:r="http://schemas.openxmlformats.org/officeDocument/2006/relationships" xmlns:p="http://schemas.openxmlformats.org/presentationml/2006/main">
+  <p:cSld>
+    <p:spTree>
+      <p:nvGrpSpPr>
+        <p:cNvPr id="1" name=""/>
+        <p:cNvGrpSpPr/>
+        <p:nvPr/>
+      </p:nvGrpSpPr>
+      <p:grpSpPr>
+        <a:xfrm>
+          <a:off x="0" y="0"/>
+          <a:ext cx="0" cy="0"/>
+          <a:chOff x="0" y="0"/>
+          <a:chExt cx="0" cy="0"/>
+        </a:xfrm>
+      </p:grpSpPr>
+      <p:sp>
+        <p:nvSpPr>
+          <p:cNvPr id="2" name="Title 1"/>
+          <p:cNvSpPr>
+            <a:spLocks noGrp="1"/>
+          </p:cNvSpPr>
+          <p:nvPr>
+            <p:ph type="title"/>
+          </p:nvPr>
+        </p:nvSpPr>
+        <p:spPr>
+          <a:xfrm>
+            <a:off x="0" y="0"/>
+            <a:ext cx="12192000" cy="1325563"/>
+          </a:xfrm>
+          <a:solidFill>
+            <a:srgbClr val="0070C0"/>
+          </a:solidFill>
+        </p:spPr>
+        <p:txBody>
+          <a:bodyPr/>
+          <a:lstStyle/>
+          <a:p>
+            <a:r>
+              <a:rPr lang="en-US" b="1" dirty="0" smtClean="0">
+                <a:solidFill>
+                  <a:schemeClr val="bg1"/>
+                </a:solidFill>
+              </a:rPr>
+              <a:t>Disclaimer</a:t>
+            </a:r>
+            <a:endParaRPr lang="en-CA" b="1" dirty="0">
+              <a:solidFill>
+                <a:schemeClr val="bg1"/>
+              </a:solidFill>
+            </a:endParaRPr>
+          </a:p>
+        </p:txBody>
+      </p:sp>
+      <p:pic>
+        <p:nvPicPr>
+          <p:cNvPr id="1026" name="Picture 2" descr="Image result for I am not a robot"/>
+          <p:cNvPicPr>
+            <a:picLocks noChangeAspect="1" noChangeArrowheads="1" noCrop="1"/>
+          </p:cNvPicPr>
+          <p:nvPr/>
+        </p:nvPicPr>
+        <p:blipFill>
+          <a:blip r:embed="rId3">
+            <a:extLst>
+              <a:ext uri="{28A0092B-C50C-407E-A947-70E740481C1C}">
+                <a14:useLocalDpi xmlns:a14="http://schemas.microsoft.com/office/drawing/2010/main" val="0"/>
+              </a:ext>
+            </a:extLst>
+          </a:blip>
+          <a:srcRect/>
+          <a:stretch>
+            <a:fillRect/>
+          </a:stretch>
+        </p:blipFill>
+        <p:spPr bwMode="auto">
+          <a:xfrm>
+            <a:off x="3162300" y="3202686"/>
+            <a:ext cx="5867400" cy="1562100"/>
+          </a:xfrm>
+          <a:prstGeom prst="rect">
+            <a:avLst/>
+          </a:prstGeom>
+          <a:noFill/>
+          <a:extLst>
+            <a:ext uri="{909E8E84-426E-40DD-AFC4-6F175D3DCCD1}">
+              <a14:hiddenFill xmlns:a14="http://schemas.microsoft.com/office/drawing/2010/main">
+                <a:solidFill>
+                  <a:srgbClr val="FFFFFF"/>
+                </a:solidFill>
+              </a14:hiddenFill>
+            </a:ext>
+          </a:extLst>
+        </p:spPr>
+      </p:pic>
+    </p:spTree>
+    <p:extLst>
+      <p:ext uri="{BB962C8B-B14F-4D97-AF65-F5344CB8AC3E}">
+        <p14:creationId xmlns:p14="http://schemas.microsoft.com/office/powerpoint/2010/main" val="2146352576"/>
+      </p:ext>
+    </p:extLst>
+  </p:cSld>
+  <p:clrMapOvr>
+    <a:masterClrMapping/>
+  </p:clrMapOvr>
+  <p:timing>
+    <p:tnLst>
+      <p:par>
+        <p:cTn id="1" dur="indefinite" restart="never" nodeType="tmRoot"/>
+      </p:par>
+    </p:tnLst>
+  </p:timing>
+</p:sld>
+</file>
+
+<file path=ppt/slides/slide4.xml><?xml version="1.0" encoding="utf-8"?>
+<p:sld xmlns:a="http://schemas.openxmlformats.org/drawingml/2006/main" xmlns:r="http://schemas.openxmlformats.org/officeDocument/2006/relationships" xmlns:p="http://schemas.openxmlformats.org/presentationml/2006/main">
+  <p:cSld>
+    <p:spTree>
+      <p:nvGrpSpPr>
+        <p:cNvPr id="1" name=""/>
+        <p:cNvGrpSpPr/>
+        <p:nvPr/>
+      </p:nvGrpSpPr>
+      <p:grpSpPr>
+        <a:xfrm>
+          <a:off x="0" y="0"/>
+          <a:ext cx="0" cy="0"/>
+          <a:chOff x="0" y="0"/>
+          <a:chExt cx="0" cy="0"/>
+        </a:xfrm>
+      </p:grpSpPr>
+      <p:cxnSp>
+        <p:nvCxnSpPr>
+          <p:cNvPr id="16" name="Topics connector"/>
+          <p:cNvCxnSpPr>
+            <a:stCxn id="11" idx="2"/>
+            <a:endCxn id="37" idx="0"/>
+          </p:cNvCxnSpPr>
+          <p:nvPr/>
+        </p:nvCxnSpPr>
+        <p:spPr>
+          <a:xfrm rot="16200000" flipH="1">
+            <a:off x="3637522" y="3462761"/>
+            <a:ext cx="547289" cy="1190452"/>
+          </a:xfrm>
+          <a:prstGeom prst="bentConnector3">
+            <a:avLst>
+              <a:gd name="adj1" fmla="val 50000"/>
+            </a:avLst>
+          </a:prstGeom>
+        </p:spPr>
+        <p:style>
+          <a:lnRef idx="1">
+            <a:schemeClr val="accent1"/>
+          </a:lnRef>
+          <a:fillRef idx="0">
+            <a:schemeClr val="accent1"/>
+          </a:fillRef>
+          <a:effectRef idx="0">
+            <a:schemeClr val="accent1"/>
+          </a:effectRef>
+          <a:fontRef idx="minor">
+            <a:schemeClr val="tx1"/>
+          </a:fontRef>
+        </p:style>
+      </p:cxnSp>
+      <p:cxnSp>
+        <p:nvCxnSpPr>
+          <p:cNvPr id="12" name="Queues connector"/>
+          <p:cNvCxnSpPr>
+            <a:stCxn id="11" idx="2"/>
+            <a:endCxn id="35" idx="0"/>
+          </p:cNvCxnSpPr>
+          <p:nvPr/>
+        </p:nvCxnSpPr>
+        <p:spPr>
+          <a:xfrm rot="5400000">
+            <a:off x="2389253" y="3404946"/>
+            <a:ext cx="547290" cy="1306084"/>
+          </a:xfrm>
+          <a:prstGeom prst="bentConnector3">
+            <a:avLst>
+              <a:gd name="adj1" fmla="val 50000"/>
+            </a:avLst>
+          </a:prstGeom>
+        </p:spPr>
+        <p:style>
+          <a:lnRef idx="1">
+            <a:schemeClr val="accent1"/>
+          </a:lnRef>
+          <a:fillRef idx="0">
+            <a:schemeClr val="accent1"/>
+          </a:fillRef>
+          <a:effectRef idx="0">
+            <a:schemeClr val="accent1"/>
+          </a:effectRef>
+          <a:fontRef idx="minor">
+            <a:schemeClr val="tx1"/>
+          </a:fontRef>
+        </p:style>
+      </p:cxnSp>
+      <p:sp>
+        <p:nvSpPr>
+          <p:cNvPr id="2" name="Title 1"/>
+          <p:cNvSpPr>
+            <a:spLocks noGrp="1"/>
+          </p:cNvSpPr>
+          <p:nvPr>
+            <p:ph type="title"/>
+          </p:nvPr>
+        </p:nvSpPr>
+        <p:spPr>
+          <a:xfrm>
+            <a:off x="0" y="0"/>
+            <a:ext cx="12192000" cy="1325563"/>
+          </a:xfrm>
+          <a:solidFill>
+            <a:srgbClr val="0070C0"/>
+          </a:solidFill>
+        </p:spPr>
+        <p:txBody>
+          <a:bodyPr/>
+          <a:lstStyle/>
+          <a:p>
+            <a:r>
+              <a:rPr lang="en-CA" b="1" dirty="0">
+                <a:solidFill>
+                  <a:schemeClr val="bg1"/>
+                </a:solidFill>
+              </a:rPr>
+              <a:t>Service provided by ASB</a:t>
+            </a:r>
+          </a:p>
+        </p:txBody>
+      </p:sp>
+      <p:pic>
+        <p:nvPicPr>
+          <p:cNvPr id="4" name="old ASB"/>
+          <p:cNvPicPr>
+            <a:picLocks noChangeAspect="1"/>
+          </p:cNvPicPr>
+          <p:nvPr/>
+        </p:nvPicPr>
+        <p:blipFill>
+          <a:blip r:embed="rId3" cstate="print">
+            <a:extLst>
+              <a:ext uri="{28A0092B-C50C-407E-A947-70E740481C1C}">
+                <a14:useLocalDpi xmlns:a14="http://schemas.microsoft.com/office/drawing/2010/main" val="0"/>
+              </a:ext>
+            </a:extLst>
+          </a:blip>
+          <a:stretch>
+            <a:fillRect/>
+          </a:stretch>
+        </p:blipFill>
+        <p:spPr>
+          <a:xfrm>
+            <a:off x="5160559" y="3134594"/>
+            <a:ext cx="872457" cy="872457"/>
+          </a:xfrm>
+          <a:prstGeom prst="rect">
+            <a:avLst/>
+          </a:prstGeom>
+        </p:spPr>
+      </p:pic>
+      <p:grpSp>
+        <p:nvGrpSpPr>
+          <p:cNvPr id="7" name="Group 6"/>
+          <p:cNvGrpSpPr/>
+          <p:nvPr/>
+        </p:nvGrpSpPr>
+        <p:grpSpPr>
+          <a:xfrm>
+            <a:off x="6055851" y="3003537"/>
+            <a:ext cx="1176391" cy="1076119"/>
+            <a:chOff x="6980497" y="3003537"/>
+            <a:chExt cx="1176391" cy="1076119"/>
+          </a:xfrm>
+        </p:grpSpPr>
+        <p:sp>
+          <p:nvSpPr>
+            <p:cNvPr id="17" name="TextBox 16"/>
+            <p:cNvSpPr txBox="1"/>
+            <p:nvPr/>
+          </p:nvSpPr>
+          <p:spPr>
+            <a:xfrm>
+              <a:off x="6980497" y="3710324"/>
+              <a:ext cx="1176391" cy="369332"/>
+            </a:xfrm>
+            <a:prstGeom prst="rect">
+              <a:avLst/>
+            </a:prstGeom>
+            <a:noFill/>
+          </p:spPr>
+          <p:txBody>
+            <a:bodyPr wrap="square" rtlCol="0">
+              <a:spAutoFit/>
+            </a:bodyPr>
+            <a:lstStyle/>
+            <a:p>
+              <a:pPr algn="ctr"/>
+              <a:r>
+                <a:rPr lang="en-CA" dirty="0" err="1"/>
+                <a:t>EventHubs</a:t>
+              </a:r>
+              <a:endParaRPr lang="en-CA" dirty="0"/>
+            </a:p>
+          </p:txBody>
+        </p:sp>
+        <p:pic>
+          <p:nvPicPr>
+            <p:cNvPr id="3" name="event hubs"/>
+            <p:cNvPicPr>
+              <a:picLocks noChangeAspect="1"/>
+            </p:cNvPicPr>
+            <p:nvPr/>
+          </p:nvPicPr>
+          <p:blipFill>
+            <a:blip r:embed="rId4" cstate="print">
+              <a:extLst>
+                <a:ext uri="{28A0092B-C50C-407E-A947-70E740481C1C}">
+                  <a14:useLocalDpi xmlns:a14="http://schemas.microsoft.com/office/drawing/2010/main" val="0"/>
+                </a:ext>
+              </a:extLst>
+            </a:blip>
+            <a:stretch>
+              <a:fillRect/>
+            </a:stretch>
+          </p:blipFill>
+          <p:spPr>
+            <a:xfrm>
+              <a:off x="7105912" y="3003537"/>
+              <a:ext cx="838764" cy="838764"/>
+            </a:xfrm>
+            <a:prstGeom prst="rect">
+              <a:avLst/>
+            </a:prstGeom>
+          </p:spPr>
+        </p:pic>
+      </p:grpSp>
+      <p:grpSp>
+        <p:nvGrpSpPr>
+          <p:cNvPr id="5" name="Group 4"/>
+          <p:cNvGrpSpPr/>
+          <p:nvPr/>
+        </p:nvGrpSpPr>
+        <p:grpSpPr>
+          <a:xfrm>
+            <a:off x="8810737" y="3032516"/>
+            <a:ext cx="1176391" cy="1047140"/>
+            <a:chOff x="9394396" y="3032516"/>
+            <a:chExt cx="1176391" cy="1047140"/>
+          </a:xfrm>
+        </p:grpSpPr>
+        <p:sp>
+          <p:nvSpPr>
+            <p:cNvPr id="19" name="TextBox 18"/>
+            <p:cNvSpPr txBox="1"/>
+            <p:nvPr/>
+          </p:nvSpPr>
+          <p:spPr>
+            <a:xfrm>
+              <a:off x="9394396" y="3710324"/>
+              <a:ext cx="1176391" cy="369332"/>
+            </a:xfrm>
+            <a:prstGeom prst="rect">
+              <a:avLst/>
+            </a:prstGeom>
+            <a:noFill/>
+          </p:spPr>
+          <p:txBody>
+            <a:bodyPr wrap="square" rtlCol="0">
+              <a:spAutoFit/>
+            </a:bodyPr>
+            <a:lstStyle/>
+            <a:p>
+              <a:pPr algn="ctr"/>
+              <a:r>
+                <a:rPr lang="en-CA" dirty="0"/>
+                <a:t>Relays</a:t>
+              </a:r>
+            </a:p>
+          </p:txBody>
+        </p:sp>
+        <p:pic>
+          <p:nvPicPr>
+            <p:cNvPr id="10" name="relays"/>
+            <p:cNvPicPr>
+              <a:picLocks noChangeAspect="1"/>
+            </p:cNvPicPr>
+            <p:nvPr/>
+          </p:nvPicPr>
+          <p:blipFill>
+            <a:blip r:embed="rId5" cstate="print">
+              <a:extLst>
+                <a:ext uri="{28A0092B-C50C-407E-A947-70E740481C1C}">
+                  <a14:useLocalDpi xmlns:a14="http://schemas.microsoft.com/office/drawing/2010/main" val="0"/>
+                </a:ext>
+              </a:extLst>
+            </a:blip>
+            <a:stretch>
+              <a:fillRect/>
+            </a:stretch>
+          </p:blipFill>
+          <p:spPr>
+            <a:xfrm>
+              <a:off x="9578639" y="3032516"/>
+              <a:ext cx="780806" cy="780806"/>
+            </a:xfrm>
+            <a:prstGeom prst="rect">
+              <a:avLst/>
+            </a:prstGeom>
+          </p:spPr>
+        </p:pic>
+      </p:grpSp>
+      <p:grpSp>
+        <p:nvGrpSpPr>
+          <p:cNvPr id="9" name="Group 8"/>
+          <p:cNvGrpSpPr/>
+          <p:nvPr/>
+        </p:nvGrpSpPr>
+        <p:grpSpPr>
+          <a:xfrm>
+            <a:off x="1412259" y="4331633"/>
+            <a:ext cx="1176391" cy="1092851"/>
+            <a:chOff x="1995918" y="4331633"/>
+            <a:chExt cx="1176391" cy="1092851"/>
+          </a:xfrm>
+        </p:grpSpPr>
+        <p:sp>
+          <p:nvSpPr>
+            <p:cNvPr id="6" name="queues"/>
+            <p:cNvSpPr txBox="1"/>
+            <p:nvPr/>
+          </p:nvSpPr>
+          <p:spPr>
+            <a:xfrm>
+              <a:off x="1995918" y="5055152"/>
+              <a:ext cx="1176391" cy="369332"/>
+            </a:xfrm>
+            <a:prstGeom prst="rect">
+              <a:avLst/>
+            </a:prstGeom>
+            <a:noFill/>
+          </p:spPr>
+          <p:txBody>
+            <a:bodyPr wrap="square" rtlCol="0">
+              <a:spAutoFit/>
+            </a:bodyPr>
+            <a:lstStyle/>
+            <a:p>
+              <a:pPr algn="ctr"/>
+              <a:r>
+                <a:rPr lang="en-CA" dirty="0"/>
+                <a:t>Queues</a:t>
+              </a:r>
+            </a:p>
+          </p:txBody>
+        </p:sp>
+        <p:pic>
+          <p:nvPicPr>
+            <p:cNvPr id="35" name="Picture 34"/>
+            <p:cNvPicPr>
+              <a:picLocks noChangeAspect="1"/>
+            </p:cNvPicPr>
+            <p:nvPr/>
+          </p:nvPicPr>
+          <p:blipFill>
+            <a:blip r:embed="rId6">
+              <a:extLst>
+                <a:ext uri="{28A0092B-C50C-407E-A947-70E740481C1C}">
+                  <a14:useLocalDpi xmlns:a14="http://schemas.microsoft.com/office/drawing/2010/main" val="0"/>
+                </a:ext>
+              </a:extLst>
+            </a:blip>
+            <a:stretch>
+              <a:fillRect/>
+            </a:stretch>
+          </p:blipFill>
+          <p:spPr>
+            <a:xfrm>
+              <a:off x="2224183" y="4331633"/>
+              <a:ext cx="738664" cy="738664"/>
+            </a:xfrm>
+            <a:prstGeom prst="rect">
+              <a:avLst/>
+            </a:prstGeom>
+          </p:spPr>
+        </p:pic>
+      </p:grpSp>
+      <p:grpSp>
+        <p:nvGrpSpPr>
+          <p:cNvPr id="13" name="Group 12"/>
+          <p:cNvGrpSpPr/>
+          <p:nvPr/>
+        </p:nvGrpSpPr>
+        <p:grpSpPr>
+          <a:xfrm>
+            <a:off x="3774310" y="4331632"/>
+            <a:ext cx="1571774" cy="1369851"/>
+            <a:chOff x="4357969" y="4331632"/>
+            <a:chExt cx="1571774" cy="1369851"/>
+          </a:xfrm>
+        </p:grpSpPr>
+        <p:sp>
+          <p:nvSpPr>
+            <p:cNvPr id="15" name="TextBox 14"/>
+            <p:cNvSpPr txBox="1"/>
+            <p:nvPr/>
+          </p:nvSpPr>
+          <p:spPr>
+            <a:xfrm>
+              <a:off x="4357969" y="5055152"/>
+              <a:ext cx="1571774" cy="646331"/>
+            </a:xfrm>
+            <a:prstGeom prst="rect">
+              <a:avLst/>
+            </a:prstGeom>
+            <a:noFill/>
+          </p:spPr>
+          <p:txBody>
+            <a:bodyPr wrap="square" rtlCol="0">
+              <a:spAutoFit/>
+            </a:bodyPr>
+            <a:lstStyle/>
+            <a:p>
+              <a:pPr algn="ctr"/>
+              <a:r>
+                <a:rPr lang="en-CA" dirty="0"/>
+                <a:t>Topics &amp; Subscriptions</a:t>
+              </a:r>
+            </a:p>
+          </p:txBody>
+        </p:sp>
+        <p:pic>
+          <p:nvPicPr>
+            <p:cNvPr id="37" name="topics"/>
+            <p:cNvPicPr>
+              <a:picLocks noChangeAspect="1"/>
+            </p:cNvPicPr>
+            <p:nvPr/>
+          </p:nvPicPr>
+          <p:blipFill>
+            <a:blip r:embed="rId7">
+              <a:extLst>
+                <a:ext uri="{28A0092B-C50C-407E-A947-70E740481C1C}">
+                  <a14:useLocalDpi xmlns:a14="http://schemas.microsoft.com/office/drawing/2010/main" val="0"/>
+                </a:ext>
+              </a:extLst>
+            </a:blip>
+            <a:stretch>
+              <a:fillRect/>
+            </a:stretch>
+          </p:blipFill>
+          <p:spPr>
+            <a:xfrm>
+              <a:off x="4720719" y="4331632"/>
+              <a:ext cx="738664" cy="738664"/>
+            </a:xfrm>
+            <a:prstGeom prst="rect">
+              <a:avLst/>
+            </a:prstGeom>
+          </p:spPr>
+        </p:pic>
+      </p:grpSp>
+      <p:grpSp>
+        <p:nvGrpSpPr>
+          <p:cNvPr id="8" name="Group 7"/>
+          <p:cNvGrpSpPr/>
+          <p:nvPr/>
+        </p:nvGrpSpPr>
+        <p:grpSpPr>
+          <a:xfrm>
+            <a:off x="2298358" y="3003537"/>
+            <a:ext cx="2178999" cy="1076119"/>
+            <a:chOff x="2882017" y="3003537"/>
+            <a:chExt cx="2178999" cy="1076119"/>
+          </a:xfrm>
+        </p:grpSpPr>
+        <p:pic>
+          <p:nvPicPr>
+            <p:cNvPr id="11" name="brokered messaging"/>
+            <p:cNvPicPr>
+              <a:picLocks noChangeAspect="1"/>
+            </p:cNvPicPr>
+            <p:nvPr/>
+          </p:nvPicPr>
+          <p:blipFill>
+            <a:blip r:embed="rId8" cstate="print">
+              <a:extLst>
+                <a:ext uri="{28A0092B-C50C-407E-A947-70E740481C1C}">
+                  <a14:useLocalDpi xmlns:a14="http://schemas.microsoft.com/office/drawing/2010/main" val="0"/>
+                </a:ext>
+              </a:extLst>
+            </a:blip>
+            <a:stretch>
+              <a:fillRect/>
+            </a:stretch>
+          </p:blipFill>
+          <p:spPr>
+            <a:xfrm>
+              <a:off x="3509196" y="3003537"/>
+              <a:ext cx="780806" cy="780806"/>
+            </a:xfrm>
+            <a:prstGeom prst="rect">
+              <a:avLst/>
+            </a:prstGeom>
+          </p:spPr>
+        </p:pic>
+        <p:sp>
+          <p:nvSpPr>
+            <p:cNvPr id="40" name="TextBox 39"/>
+            <p:cNvSpPr txBox="1"/>
+            <p:nvPr/>
+          </p:nvSpPr>
+          <p:spPr>
+            <a:xfrm>
+              <a:off x="2882017" y="3710324"/>
+              <a:ext cx="2178999" cy="369332"/>
+            </a:xfrm>
+            <a:prstGeom prst="rect">
+              <a:avLst/>
+            </a:prstGeom>
+            <a:noFill/>
+          </p:spPr>
+          <p:txBody>
+            <a:bodyPr wrap="square" rtlCol="0">
+              <a:spAutoFit/>
+            </a:bodyPr>
+            <a:lstStyle/>
+            <a:p>
+              <a:pPr algn="ctr"/>
+              <a:r>
+                <a:rPr lang="en-CA" dirty="0"/>
+                <a:t>Brokered Messaging</a:t>
+              </a:r>
+            </a:p>
+          </p:txBody>
+        </p:sp>
+      </p:grpSp>
+    </p:spTree>
+    <p:extLst>
+      <p:ext uri="{BB962C8B-B14F-4D97-AF65-F5344CB8AC3E}">
+        <p14:creationId xmlns:p14="http://schemas.microsoft.com/office/powerpoint/2010/main" val="2740389867"/>
+      </p:ext>
+    </p:extLst>
+  </p:cSld>
+  <p:clrMapOvr>
+    <a:masterClrMapping/>
+  </p:clrMapOvr>
+  <p:timing>
+    <p:tnLst>
+      <p:par>
+        <p:cTn id="1" dur="indefinite" restart="never" nodeType="tmRoot">
+          <p:childTnLst>
+            <p:seq concurrent="1" nextAc="seek">
+              <p:cTn id="2" dur="indefinite" nodeType="mainSeq">
+                <p:childTnLst>
+                  <p:par>
+                    <p:cTn id="3" fill="hold">
+                      <p:stCondLst>
+                        <p:cond delay="indefinite"/>
+                      </p:stCondLst>
+                      <p:childTnLst>
+                        <p:par>
+                          <p:cTn id="4" fill="hold">
+                            <p:stCondLst>
+                              <p:cond delay="0"/>
+                            </p:stCondLst>
+                            <p:childTnLst>
+                              <p:par>
+                                <p:cTn id="5" presetID="1" presetClass="exit" presetSubtype="0" fill="hold" nodeType="clickEffect">
+                                  <p:stCondLst>
+                                    <p:cond delay="0"/>
+                                  </p:stCondLst>
+                                  <p:childTnLst>
+                                    <p:set>
+                                      <p:cBhvr>
+                                        <p:cTn id="6" dur="1" fill="hold">
+                                          <p:stCondLst>
+                                            <p:cond delay="0"/>
+                                          </p:stCondLst>
+                                        </p:cTn>
+                                        <p:tgtEl>
+                                          <p:spTgt spid="4"/>
+                                        </p:tgtEl>
+                                        <p:attrNameLst>
+                                          <p:attrName>style.visibility</p:attrName>
+                                        </p:attrNameLst>
+                                      </p:cBhvr>
+                                      <p:to>
+                                        <p:strVal val="hidden"/>
+                                      </p:to>
+                                    </p:set>
+                                  </p:childTnLst>
+                                </p:cTn>
+                              </p:par>
+                              <p:par>
+                                <p:cTn id="7" presetID="1" presetClass="entr" presetSubtype="0" fill="hold" nodeType="withEffect">
+                                  <p:stCondLst>
+                                    <p:cond delay="0"/>
+                                  </p:stCondLst>
+                                  <p:childTnLst>
+                                    <p:set>
+                                      <p:cBhvr>
+                                        <p:cTn id="8" dur="1" fill="hold">
+                                          <p:stCondLst>
+                                            <p:cond delay="0"/>
+                                          </p:stCondLst>
+                                        </p:cTn>
+                                        <p:tgtEl>
+                                          <p:spTgt spid="7"/>
+                                        </p:tgtEl>
+                                        <p:attrNameLst>
+                                          <p:attrName>style.visibility</p:attrName>
+                                        </p:attrNameLst>
+                                      </p:cBhvr>
+                                      <p:to>
+                                        <p:strVal val="visible"/>
+                                      </p:to>
+                                    </p:set>
+                                  </p:childTnLst>
+                                </p:cTn>
+                              </p:par>
+                              <p:par>
+                                <p:cTn id="9" presetID="1" presetClass="entr" presetSubtype="0" fill="hold" nodeType="withEffect">
+                                  <p:stCondLst>
+                                    <p:cond delay="0"/>
+                                  </p:stCondLst>
+                                  <p:childTnLst>
+                                    <p:set>
+                                      <p:cBhvr>
+                                        <p:cTn id="10" dur="1" fill="hold">
+                                          <p:stCondLst>
+                                            <p:cond delay="0"/>
+                                          </p:stCondLst>
+                                        </p:cTn>
+                                        <p:tgtEl>
+                                          <p:spTgt spid="5"/>
+                                        </p:tgtEl>
+                                        <p:attrNameLst>
+                                          <p:attrName>style.visibility</p:attrName>
+                                        </p:attrNameLst>
+                                      </p:cBhvr>
+                                      <p:to>
+                                        <p:strVal val="visible"/>
+                                      </p:to>
+                                    </p:set>
+                                  </p:childTnLst>
+                                </p:cTn>
+                              </p:par>
+                              <p:par>
+                                <p:cTn id="11" presetID="1" presetClass="entr" presetSubtype="0" fill="hold" nodeType="withEffect">
+                                  <p:stCondLst>
+                                    <p:cond delay="0"/>
+                                  </p:stCondLst>
+                                  <p:childTnLst>
+                                    <p:set>
+                                      <p:cBhvr>
+                                        <p:cTn id="12" dur="1" fill="hold">
+                                          <p:stCondLst>
+                                            <p:cond delay="0"/>
+                                          </p:stCondLst>
+                                        </p:cTn>
+                                        <p:tgtEl>
+                                          <p:spTgt spid="8"/>
+                                        </p:tgtEl>
+                                        <p:attrNameLst>
+                                          <p:attrName>style.visibility</p:attrName>
+                                        </p:attrNameLst>
+                                      </p:cBhvr>
+                                      <p:to>
+                                        <p:strVal val="visible"/>
+                                      </p:to>
+                                    </p:set>
+                                  </p:childTnLst>
+                                </p:cTn>
+                              </p:par>
+                            </p:childTnLst>
+                          </p:cTn>
+                        </p:par>
+                      </p:childTnLst>
+                    </p:cTn>
+                  </p:par>
+                  <p:par>
+                    <p:cTn id="13" fill="hold">
+                      <p:stCondLst>
+                        <p:cond delay="indefinite"/>
+                      </p:stCondLst>
+                      <p:childTnLst>
+                        <p:par>
+                          <p:cTn id="14" fill="hold">
+                            <p:stCondLst>
+                              <p:cond delay="0"/>
+                            </p:stCondLst>
+                            <p:childTnLst>
+                              <p:par>
+                                <p:cTn id="15" presetID="20" presetClass="entr" presetSubtype="0" fill="hold" nodeType="clickEffect">
+                                  <p:stCondLst>
+                                    <p:cond delay="0"/>
+                                  </p:stCondLst>
+                                  <p:childTnLst>
+                                    <p:set>
+                                      <p:cBhvr>
+                                        <p:cTn id="16" dur="1" fill="hold">
+                                          <p:stCondLst>
+                                            <p:cond delay="0"/>
+                                          </p:stCondLst>
+                                        </p:cTn>
+                                        <p:tgtEl>
+                                          <p:spTgt spid="12"/>
+                                        </p:tgtEl>
+                                        <p:attrNameLst>
+                                          <p:attrName>style.visibility</p:attrName>
+                                        </p:attrNameLst>
+                                      </p:cBhvr>
+                                      <p:to>
+                                        <p:strVal val="visible"/>
+                                      </p:to>
+                                    </p:set>
+                                    <p:animEffect transition="in" filter="wedge">
+                                      <p:cBhvr>
+                                        <p:cTn id="17" dur="500"/>
+                                        <p:tgtEl>
+                                          <p:spTgt spid="12"/>
+                                        </p:tgtEl>
+                                      </p:cBhvr>
+                                    </p:animEffect>
+                                  </p:childTnLst>
+                                </p:cTn>
+                              </p:par>
+                            </p:childTnLst>
+                          </p:cTn>
+                        </p:par>
+                        <p:par>
+                          <p:cTn id="18" fill="hold">
+                            <p:stCondLst>
+                              <p:cond delay="500"/>
+                            </p:stCondLst>
+                            <p:childTnLst>
+                              <p:par>
+                                <p:cTn id="19" presetID="1" presetClass="entr" presetSubtype="0" fill="hold" nodeType="afterEffect">
+                                  <p:stCondLst>
+                                    <p:cond delay="0"/>
+                                  </p:stCondLst>
+                                  <p:childTnLst>
+                                    <p:set>
+                                      <p:cBhvr>
+                                        <p:cTn id="20" dur="1" fill="hold">
+                                          <p:stCondLst>
+                                            <p:cond delay="0"/>
+                                          </p:stCondLst>
+                                        </p:cTn>
+                                        <p:tgtEl>
+                                          <p:spTgt spid="9"/>
+                                        </p:tgtEl>
+                                        <p:attrNameLst>
+                                          <p:attrName>style.visibility</p:attrName>
+                                        </p:attrNameLst>
+                                      </p:cBhvr>
+                                      <p:to>
+                                        <p:strVal val="visible"/>
+                                      </p:to>
+                                    </p:set>
+                                  </p:childTnLst>
+                                </p:cTn>
+                              </p:par>
+                            </p:childTnLst>
+                          </p:cTn>
+                        </p:par>
+                      </p:childTnLst>
+                    </p:cTn>
+                  </p:par>
+                  <p:par>
+                    <p:cTn id="21" fill="hold">
+                      <p:stCondLst>
+                        <p:cond delay="indefinite"/>
+                      </p:stCondLst>
+                      <p:childTnLst>
+                        <p:par>
+                          <p:cTn id="22" fill="hold">
+                            <p:stCondLst>
+                              <p:cond delay="0"/>
+                            </p:stCondLst>
+                            <p:childTnLst>
+                              <p:par>
+                                <p:cTn id="23" presetID="20" presetClass="entr" presetSubtype="0" fill="hold" nodeType="clickEffect">
+                                  <p:stCondLst>
+                                    <p:cond delay="0"/>
+                                  </p:stCondLst>
+                                  <p:childTnLst>
+                                    <p:set>
+                                      <p:cBhvr>
+                                        <p:cTn id="24" dur="1" fill="hold">
+                                          <p:stCondLst>
+                                            <p:cond delay="0"/>
+                                          </p:stCondLst>
+                                        </p:cTn>
+                                        <p:tgtEl>
+                                          <p:spTgt spid="16"/>
+                                        </p:tgtEl>
+                                        <p:attrNameLst>
+                                          <p:attrName>style.visibility</p:attrName>
+                                        </p:attrNameLst>
+                                      </p:cBhvr>
+                                      <p:to>
+                                        <p:strVal val="visible"/>
+                                      </p:to>
+                                    </p:set>
+                                    <p:animEffect transition="in" filter="wedge">
+                                      <p:cBhvr>
+                                        <p:cTn id="25" dur="500"/>
+                                        <p:tgtEl>
+                                          <p:spTgt spid="16"/>
+                                        </p:tgtEl>
+                                      </p:cBhvr>
+                                    </p:animEffect>
+                                  </p:childTnLst>
+                                </p:cTn>
+                              </p:par>
+                            </p:childTnLst>
+                          </p:cTn>
+                        </p:par>
+                        <p:par>
+                          <p:cTn id="26" fill="hold">
+                            <p:stCondLst>
+                              <p:cond delay="500"/>
+                            </p:stCondLst>
+                            <p:childTnLst>
+                              <p:par>
+                                <p:cTn id="27" presetID="1" presetClass="entr" presetSubtype="0" fill="hold" nodeType="afterEffect">
+                                  <p:stCondLst>
+                                    <p:cond delay="0"/>
+                                  </p:stCondLst>
+                                  <p:childTnLst>
+                                    <p:set>
+                                      <p:cBhvr>
+                                        <p:cTn id="28" dur="1" fill="hold">
+                                          <p:stCondLst>
+                                            <p:cond delay="0"/>
+                                          </p:stCondLst>
+                                        </p:cTn>
+                                        <p:tgtEl>
+                                          <p:spTgt spid="13"/>
+                                        </p:tgtEl>
+                                        <p:attrNameLst>
+                                          <p:attrName>style.visibility</p:attrName>
+                                        </p:attrNameLst>
+                                      </p:cBhvr>
+                                      <p:to>
+                                        <p:strVal val="visible"/>
+                                      </p:to>
+                                    </p:set>
+                                  </p:childTnLst>
+                                </p:cTn>
+                              </p:par>
+                            </p:childTnLst>
+                          </p:cTn>
+                        </p:par>
+                      </p:childTnLst>
+                    </p:cTn>
+                  </p:par>
+                </p:childTnLst>
+              </p:cTn>
+              <p:prevCondLst>
+                <p:cond evt="onPrev" delay="0">
+                  <p:tgtEl>
+                    <p:sldTgt/>
+                  </p:tgtEl>
+                </p:cond>
+              </p:prevCondLst>
+              <p:nextCondLst>
+                <p:cond evt="onNext" delay="0">
+                  <p:tgtEl>
+                    <p:sldTgt/>
+                  </p:tgtEl>
+                </p:cond>
+              </p:nextCondLst>
+            </p:seq>
+          </p:childTnLst>
+        </p:cTn>
+      </p:par>
+    </p:tnLst>
+  </p:timing>
+</p:sld>
+</file>
+
+<file path=ppt/slides/slide5.xml><?xml version="1.0" encoding="utf-8"?>
 <p:sld xmlns:a="http://schemas.openxmlformats.org/drawingml/2006/main" xmlns:r="http://schemas.openxmlformats.org/officeDocument/2006/relationships" xmlns:p="http://schemas.openxmlformats.org/presentationml/2006/main">
   <p:cSld>
     <p:spTree>
@@ -22860,7 +22854,7 @@
 </p:sld>
 </file>
 
-<file path=ppt/slides/slide4.xml><?xml version="1.0" encoding="utf-8"?>
+<file path=ppt/slides/slide6.xml><?xml version="1.0" encoding="utf-8"?>
 <p:sld xmlns:a="http://schemas.openxmlformats.org/drawingml/2006/main" xmlns:r="http://schemas.openxmlformats.org/officeDocument/2006/relationships" xmlns:p="http://schemas.openxmlformats.org/presentationml/2006/main">
   <p:cSld>
     <p:spTree>
@@ -24616,7 +24610,7 @@
 </p:sld>
 </file>
 
-<file path=ppt/slides/slide5.xml><?xml version="1.0" encoding="utf-8"?>
+<file path=ppt/slides/slide7.xml><?xml version="1.0" encoding="utf-8"?>
 <p:sld xmlns:a="http://schemas.openxmlformats.org/drawingml/2006/main" xmlns:r="http://schemas.openxmlformats.org/officeDocument/2006/relationships" xmlns:p="http://schemas.openxmlformats.org/presentationml/2006/main">
   <p:cSld>
     <p:spTree>
@@ -24695,14 +24689,14 @@
                 <a:gridCol w="2932807">
                   <a:extLst>
                     <a:ext uri="{9D8B030D-6E8A-4147-A177-3AD203B41FA5}">
-                      <a16:colId xmlns:a16="http://schemas.microsoft.com/office/drawing/2014/main" val="1828902982"/>
+                      <a16:colId xmlns="" xmlns:a16="http://schemas.microsoft.com/office/drawing/2014/main" val="1828902982"/>
                     </a:ext>
                   </a:extLst>
                 </a:gridCol>
                 <a:gridCol w="8332617">
                   <a:extLst>
                     <a:ext uri="{9D8B030D-6E8A-4147-A177-3AD203B41FA5}">
-                      <a16:colId xmlns:a16="http://schemas.microsoft.com/office/drawing/2014/main" val="4115054902"/>
+                      <a16:colId xmlns="" xmlns:a16="http://schemas.microsoft.com/office/drawing/2014/main" val="4115054902"/>
                     </a:ext>
                   </a:extLst>
                 </a:gridCol>
@@ -24758,7 +24752,7 @@
                 </a:tc>
                 <a:extLst>
                   <a:ext uri="{0D108BD9-81ED-4DB2-BD59-A6C34878D82A}">
-                    <a16:rowId xmlns:a16="http://schemas.microsoft.com/office/drawing/2014/main" val="1046299132"/>
+                    <a16:rowId xmlns="" xmlns:a16="http://schemas.microsoft.com/office/drawing/2014/main" val="1046299132"/>
                   </a:ext>
                 </a:extLst>
               </a:tr>
@@ -24794,14 +24788,14 @@
                 <a:gridCol w="2932807">
                   <a:extLst>
                     <a:ext uri="{9D8B030D-6E8A-4147-A177-3AD203B41FA5}">
-                      <a16:colId xmlns:a16="http://schemas.microsoft.com/office/drawing/2014/main" val="1765640785"/>
+                      <a16:colId xmlns="" xmlns:a16="http://schemas.microsoft.com/office/drawing/2014/main" val="1765640785"/>
                     </a:ext>
                   </a:extLst>
                 </a:gridCol>
                 <a:gridCol w="8332617">
                   <a:extLst>
                     <a:ext uri="{9D8B030D-6E8A-4147-A177-3AD203B41FA5}">
-                      <a16:colId xmlns:a16="http://schemas.microsoft.com/office/drawing/2014/main" val="1228090905"/>
+                      <a16:colId xmlns="" xmlns:a16="http://schemas.microsoft.com/office/drawing/2014/main" val="1228090905"/>
                     </a:ext>
                   </a:extLst>
                 </a:gridCol>
@@ -24861,7 +24855,7 @@
                 </a:tc>
                 <a:extLst>
                   <a:ext uri="{0D108BD9-81ED-4DB2-BD59-A6C34878D82A}">
-                    <a16:rowId xmlns:a16="http://schemas.microsoft.com/office/drawing/2014/main" val="2911162887"/>
+                    <a16:rowId xmlns="" xmlns:a16="http://schemas.microsoft.com/office/drawing/2014/main" val="2911162887"/>
                   </a:ext>
                 </a:extLst>
               </a:tr>
@@ -24897,14 +24891,14 @@
                 <a:gridCol w="2932807">
                   <a:extLst>
                     <a:ext uri="{9D8B030D-6E8A-4147-A177-3AD203B41FA5}">
-                      <a16:colId xmlns:a16="http://schemas.microsoft.com/office/drawing/2014/main" val="3831955426"/>
+                      <a16:colId xmlns="" xmlns:a16="http://schemas.microsoft.com/office/drawing/2014/main" val="3831955426"/>
                     </a:ext>
                   </a:extLst>
                 </a:gridCol>
                 <a:gridCol w="8332617">
                   <a:extLst>
                     <a:ext uri="{9D8B030D-6E8A-4147-A177-3AD203B41FA5}">
-                      <a16:colId xmlns:a16="http://schemas.microsoft.com/office/drawing/2014/main" val="2042085128"/>
+                      <a16:colId xmlns="" xmlns:a16="http://schemas.microsoft.com/office/drawing/2014/main" val="2042085128"/>
                     </a:ext>
                   </a:extLst>
                 </a:gridCol>
@@ -24960,7 +24954,7 @@
                 </a:tc>
                 <a:extLst>
                   <a:ext uri="{0D108BD9-81ED-4DB2-BD59-A6C34878D82A}">
-                    <a16:rowId xmlns:a16="http://schemas.microsoft.com/office/drawing/2014/main" val="1698863054"/>
+                    <a16:rowId xmlns="" xmlns:a16="http://schemas.microsoft.com/office/drawing/2014/main" val="1698863054"/>
                   </a:ext>
                 </a:extLst>
               </a:tr>
@@ -24996,14 +24990,14 @@
                 <a:gridCol w="2932807">
                   <a:extLst>
                     <a:ext uri="{9D8B030D-6E8A-4147-A177-3AD203B41FA5}">
-                      <a16:colId xmlns:a16="http://schemas.microsoft.com/office/drawing/2014/main" val="727873475"/>
+                      <a16:colId xmlns="" xmlns:a16="http://schemas.microsoft.com/office/drawing/2014/main" val="727873475"/>
                     </a:ext>
                   </a:extLst>
                 </a:gridCol>
                 <a:gridCol w="8332617">
                   <a:extLst>
                     <a:ext uri="{9D8B030D-6E8A-4147-A177-3AD203B41FA5}">
-                      <a16:colId xmlns:a16="http://schemas.microsoft.com/office/drawing/2014/main" val="317984194"/>
+                      <a16:colId xmlns="" xmlns:a16="http://schemas.microsoft.com/office/drawing/2014/main" val="317984194"/>
                     </a:ext>
                   </a:extLst>
                 </a:gridCol>
@@ -25071,7 +25065,7 @@
                 </a:tc>
                 <a:extLst>
                   <a:ext uri="{0D108BD9-81ED-4DB2-BD59-A6C34878D82A}">
-                    <a16:rowId xmlns:a16="http://schemas.microsoft.com/office/drawing/2014/main" val="679611523"/>
+                    <a16:rowId xmlns="" xmlns:a16="http://schemas.microsoft.com/office/drawing/2014/main" val="679611523"/>
                   </a:ext>
                 </a:extLst>
               </a:tr>
@@ -25107,14 +25101,14 @@
                 <a:gridCol w="2932807">
                   <a:extLst>
                     <a:ext uri="{9D8B030D-6E8A-4147-A177-3AD203B41FA5}">
-                      <a16:colId xmlns:a16="http://schemas.microsoft.com/office/drawing/2014/main" val="2341952753"/>
+                      <a16:colId xmlns="" xmlns:a16="http://schemas.microsoft.com/office/drawing/2014/main" val="2341952753"/>
                     </a:ext>
                   </a:extLst>
                 </a:gridCol>
                 <a:gridCol w="8332617">
                   <a:extLst>
                     <a:ext uri="{9D8B030D-6E8A-4147-A177-3AD203B41FA5}">
-                      <a16:colId xmlns:a16="http://schemas.microsoft.com/office/drawing/2014/main" val="3632375279"/>
+                      <a16:colId xmlns="" xmlns:a16="http://schemas.microsoft.com/office/drawing/2014/main" val="3632375279"/>
                     </a:ext>
                   </a:extLst>
                 </a:gridCol>
@@ -25178,7 +25172,7 @@
                 </a:tc>
                 <a:extLst>
                   <a:ext uri="{0D108BD9-81ED-4DB2-BD59-A6C34878D82A}">
-                    <a16:rowId xmlns:a16="http://schemas.microsoft.com/office/drawing/2014/main" val="3022681171"/>
+                    <a16:rowId xmlns="" xmlns:a16="http://schemas.microsoft.com/office/drawing/2014/main" val="3022681171"/>
                   </a:ext>
                 </a:extLst>
               </a:tr>
@@ -25214,14 +25208,14 @@
                 <a:gridCol w="2932807">
                   <a:extLst>
                     <a:ext uri="{9D8B030D-6E8A-4147-A177-3AD203B41FA5}">
-                      <a16:colId xmlns:a16="http://schemas.microsoft.com/office/drawing/2014/main" val="1298425596"/>
+                      <a16:colId xmlns="" xmlns:a16="http://schemas.microsoft.com/office/drawing/2014/main" val="1298425596"/>
                     </a:ext>
                   </a:extLst>
                 </a:gridCol>
                 <a:gridCol w="8332617">
                   <a:extLst>
                     <a:ext uri="{9D8B030D-6E8A-4147-A177-3AD203B41FA5}">
-                      <a16:colId xmlns:a16="http://schemas.microsoft.com/office/drawing/2014/main" val="295949675"/>
+                      <a16:colId xmlns="" xmlns:a16="http://schemas.microsoft.com/office/drawing/2014/main" val="295949675"/>
                     </a:ext>
                   </a:extLst>
                 </a:gridCol>
@@ -25302,7 +25296,7 @@
                 </a:tc>
                 <a:extLst>
                   <a:ext uri="{0D108BD9-81ED-4DB2-BD59-A6C34878D82A}">
-                    <a16:rowId xmlns:a16="http://schemas.microsoft.com/office/drawing/2014/main" val="1787204251"/>
+                    <a16:rowId xmlns="" xmlns:a16="http://schemas.microsoft.com/office/drawing/2014/main" val="1787204251"/>
                   </a:ext>
                 </a:extLst>
               </a:tr>
@@ -25338,14 +25332,14 @@
                 <a:gridCol w="2932807">
                   <a:extLst>
                     <a:ext uri="{9D8B030D-6E8A-4147-A177-3AD203B41FA5}">
-                      <a16:colId xmlns:a16="http://schemas.microsoft.com/office/drawing/2014/main" val="1991077073"/>
+                      <a16:colId xmlns="" xmlns:a16="http://schemas.microsoft.com/office/drawing/2014/main" val="1991077073"/>
                     </a:ext>
                   </a:extLst>
                 </a:gridCol>
                 <a:gridCol w="8332617">
                   <a:extLst>
                     <a:ext uri="{9D8B030D-6E8A-4147-A177-3AD203B41FA5}">
-                      <a16:colId xmlns:a16="http://schemas.microsoft.com/office/drawing/2014/main" val="332938676"/>
+                      <a16:colId xmlns="" xmlns:a16="http://schemas.microsoft.com/office/drawing/2014/main" val="332938676"/>
                     </a:ext>
                   </a:extLst>
                 </a:gridCol>
@@ -25401,7 +25395,7 @@
                 </a:tc>
                 <a:extLst>
                   <a:ext uri="{0D108BD9-81ED-4DB2-BD59-A6C34878D82A}">
-                    <a16:rowId xmlns:a16="http://schemas.microsoft.com/office/drawing/2014/main" val="2937208831"/>
+                    <a16:rowId xmlns="" xmlns:a16="http://schemas.microsoft.com/office/drawing/2014/main" val="2937208831"/>
                   </a:ext>
                 </a:extLst>
               </a:tr>
@@ -25437,14 +25431,14 @@
                 <a:gridCol w="2932807">
                   <a:extLst>
                     <a:ext uri="{9D8B030D-6E8A-4147-A177-3AD203B41FA5}">
-                      <a16:colId xmlns:a16="http://schemas.microsoft.com/office/drawing/2014/main" val="998517978"/>
+                      <a16:colId xmlns="" xmlns:a16="http://schemas.microsoft.com/office/drawing/2014/main" val="998517978"/>
                     </a:ext>
                   </a:extLst>
                 </a:gridCol>
                 <a:gridCol w="8332617">
                   <a:extLst>
                     <a:ext uri="{9D8B030D-6E8A-4147-A177-3AD203B41FA5}">
-                      <a16:colId xmlns:a16="http://schemas.microsoft.com/office/drawing/2014/main" val="53058938"/>
+                      <a16:colId xmlns="" xmlns:a16="http://schemas.microsoft.com/office/drawing/2014/main" val="53058938"/>
                     </a:ext>
                   </a:extLst>
                 </a:gridCol>
@@ -25512,7 +25506,7 @@
                 </a:tc>
                 <a:extLst>
                   <a:ext uri="{0D108BD9-81ED-4DB2-BD59-A6C34878D82A}">
-                    <a16:rowId xmlns:a16="http://schemas.microsoft.com/office/drawing/2014/main" val="151101800"/>
+                    <a16:rowId xmlns="" xmlns:a16="http://schemas.microsoft.com/office/drawing/2014/main" val="151101800"/>
                   </a:ext>
                 </a:extLst>
               </a:tr>
@@ -25548,14 +25542,14 @@
                 <a:gridCol w="2932807">
                   <a:extLst>
                     <a:ext uri="{9D8B030D-6E8A-4147-A177-3AD203B41FA5}">
-                      <a16:colId xmlns:a16="http://schemas.microsoft.com/office/drawing/2014/main" val="3093430669"/>
+                      <a16:colId xmlns="" xmlns:a16="http://schemas.microsoft.com/office/drawing/2014/main" val="3093430669"/>
                     </a:ext>
                   </a:extLst>
                 </a:gridCol>
                 <a:gridCol w="8332617">
                   <a:extLst>
                     <a:ext uri="{9D8B030D-6E8A-4147-A177-3AD203B41FA5}">
-                      <a16:colId xmlns:a16="http://schemas.microsoft.com/office/drawing/2014/main" val="173369710"/>
+                      <a16:colId xmlns="" xmlns:a16="http://schemas.microsoft.com/office/drawing/2014/main" val="173369710"/>
                     </a:ext>
                   </a:extLst>
                 </a:gridCol>
@@ -25641,7 +25635,7 @@
                 </a:tc>
                 <a:extLst>
                   <a:ext uri="{0D108BD9-81ED-4DB2-BD59-A6C34878D82A}">
-                    <a16:rowId xmlns:a16="http://schemas.microsoft.com/office/drawing/2014/main" val="2616702172"/>
+                    <a16:rowId xmlns="" xmlns:a16="http://schemas.microsoft.com/office/drawing/2014/main" val="2616702172"/>
                   </a:ext>
                 </a:extLst>
               </a:tr>
@@ -26097,7 +26091,7 @@
 </p:sld>
 </file>
 
-<file path=ppt/slides/slide6.xml><?xml version="1.0" encoding="utf-8"?>
+<file path=ppt/slides/slide8.xml><?xml version="1.0" encoding="utf-8"?>
 <p:sld xmlns:a="http://schemas.openxmlformats.org/drawingml/2006/main" xmlns:r="http://schemas.openxmlformats.org/officeDocument/2006/relationships" xmlns:p="http://schemas.openxmlformats.org/presentationml/2006/main">
   <p:cSld>
     <p:spTree>
@@ -26199,10 +26193,17 @@
   <p:clrMapOvr>
     <a:masterClrMapping/>
   </p:clrMapOvr>
+  <p:timing>
+    <p:tnLst>
+      <p:par>
+        <p:cTn id="1" dur="indefinite" restart="never" nodeType="tmRoot"/>
+      </p:par>
+    </p:tnLst>
+  </p:timing>
 </p:sld>
 </file>
 
-<file path=ppt/slides/slide7.xml><?xml version="1.0" encoding="utf-8"?>
+<file path=ppt/slides/slide9.xml><?xml version="1.0" encoding="utf-8"?>
 <p:sld xmlns:a="http://schemas.openxmlformats.org/drawingml/2006/main" xmlns:r="http://schemas.openxmlformats.org/officeDocument/2006/relationships" xmlns:p="http://schemas.openxmlformats.org/presentationml/2006/main">
   <p:cSld>
     <p:spTree>
@@ -26304,299 +26305,13 @@
   <p:clrMapOvr>
     <a:masterClrMapping/>
   </p:clrMapOvr>
-</p:sld>
-</file>
-
-<file path=ppt/slides/slide8.xml><?xml version="1.0" encoding="utf-8"?>
-<p:sld xmlns:a="http://schemas.openxmlformats.org/drawingml/2006/main" xmlns:r="http://schemas.openxmlformats.org/officeDocument/2006/relationships" xmlns:p="http://schemas.openxmlformats.org/presentationml/2006/main">
-  <p:cSld>
-    <p:spTree>
-      <p:nvGrpSpPr>
-        <p:cNvPr id="1" name=""/>
-        <p:cNvGrpSpPr/>
-        <p:nvPr/>
-      </p:nvGrpSpPr>
-      <p:grpSpPr>
-        <a:xfrm>
-          <a:off x="0" y="0"/>
-          <a:ext cx="0" cy="0"/>
-          <a:chOff x="0" y="0"/>
-          <a:chExt cx="0" cy="0"/>
-        </a:xfrm>
-      </p:grpSpPr>
-      <p:sp>
-        <p:nvSpPr>
-          <p:cNvPr id="2" name="Title 1"/>
-          <p:cNvSpPr>
-            <a:spLocks noGrp="1"/>
-          </p:cNvSpPr>
-          <p:nvPr>
-            <p:ph type="title"/>
-          </p:nvPr>
-        </p:nvSpPr>
-        <p:spPr>
-          <a:xfrm>
-            <a:off x="0" y="0"/>
-            <a:ext cx="12192000" cy="1325563"/>
-          </a:xfrm>
-          <a:solidFill>
-            <a:srgbClr val="0070C0"/>
-          </a:solidFill>
-        </p:spPr>
-        <p:txBody>
-          <a:bodyPr/>
-          <a:lstStyle/>
-          <a:p>
-            <a:r>
-              <a:rPr lang="en-CA" b="1" dirty="0">
-                <a:solidFill>
-                  <a:schemeClr val="bg1"/>
-                </a:solidFill>
-              </a:rPr>
-              <a:t>Entities</a:t>
-            </a:r>
-          </a:p>
-        </p:txBody>
-      </p:sp>
-      <p:pic>
-        <p:nvPicPr>
-          <p:cNvPr id="4" name="Picture 3"/>
-          <p:cNvPicPr>
-            <a:picLocks noChangeAspect="1"/>
-          </p:cNvPicPr>
-          <p:nvPr/>
-        </p:nvPicPr>
-        <p:blipFill>
-          <a:blip r:embed="rId2"/>
-          <a:stretch>
-            <a:fillRect/>
-          </a:stretch>
-        </p:blipFill>
-        <p:spPr>
-          <a:xfrm>
-            <a:off x="3780205" y="1656615"/>
-            <a:ext cx="4631590" cy="4670511"/>
-          </a:xfrm>
-          <a:prstGeom prst="rect">
-            <a:avLst/>
-          </a:prstGeom>
-          <a:ln>
-            <a:solidFill>
-              <a:schemeClr val="tx1"/>
-            </a:solidFill>
-          </a:ln>
-        </p:spPr>
-      </p:pic>
-      <p:pic>
-        <p:nvPicPr>
-          <p:cNvPr id="5" name="Picture 4"/>
-          <p:cNvPicPr>
-            <a:picLocks noChangeAspect="1"/>
-          </p:cNvPicPr>
-          <p:nvPr/>
-        </p:nvPicPr>
-        <p:blipFill>
-          <a:blip r:embed="rId3"/>
-          <a:stretch>
-            <a:fillRect/>
-          </a:stretch>
-        </p:blipFill>
-        <p:spPr>
-          <a:xfrm>
-            <a:off x="3780205" y="1656615"/>
-            <a:ext cx="4631590" cy="4670511"/>
-          </a:xfrm>
-          <a:prstGeom prst="rect">
-            <a:avLst/>
-          </a:prstGeom>
-          <a:ln>
-            <a:solidFill>
-              <a:schemeClr val="tx1"/>
-            </a:solidFill>
-          </a:ln>
-        </p:spPr>
-      </p:pic>
-    </p:spTree>
-    <p:extLst>
-      <p:ext uri="{BB962C8B-B14F-4D97-AF65-F5344CB8AC3E}">
-        <p14:creationId xmlns:p14="http://schemas.microsoft.com/office/powerpoint/2010/main" val="2110099357"/>
-      </p:ext>
-    </p:extLst>
-  </p:cSld>
-  <p:clrMapOvr>
-    <a:masterClrMapping/>
-  </p:clrMapOvr>
   <p:timing>
     <p:tnLst>
       <p:par>
-        <p:cTn id="1" dur="indefinite" restart="never" nodeType="tmRoot">
-          <p:childTnLst>
-            <p:seq concurrent="1" nextAc="seek">
-              <p:cTn id="2" dur="indefinite" nodeType="mainSeq">
-                <p:childTnLst>
-                  <p:par>
-                    <p:cTn id="3" fill="hold">
-                      <p:stCondLst>
-                        <p:cond delay="indefinite"/>
-                      </p:stCondLst>
-                      <p:childTnLst>
-                        <p:par>
-                          <p:cTn id="4" fill="hold">
-                            <p:stCondLst>
-                              <p:cond delay="0"/>
-                            </p:stCondLst>
-                            <p:childTnLst>
-                              <p:par>
-                                <p:cTn id="5" presetID="1" presetClass="entr" presetSubtype="0" fill="hold" nodeType="clickEffect">
-                                  <p:stCondLst>
-                                    <p:cond delay="0"/>
-                                  </p:stCondLst>
-                                  <p:childTnLst>
-                                    <p:set>
-                                      <p:cBhvr>
-                                        <p:cTn id="6" dur="1" fill="hold">
-                                          <p:stCondLst>
-                                            <p:cond delay="0"/>
-                                          </p:stCondLst>
-                                        </p:cTn>
-                                        <p:tgtEl>
-                                          <p:spTgt spid="5"/>
-                                        </p:tgtEl>
-                                        <p:attrNameLst>
-                                          <p:attrName>style.visibility</p:attrName>
-                                        </p:attrNameLst>
-                                      </p:cBhvr>
-                                      <p:to>
-                                        <p:strVal val="visible"/>
-                                      </p:to>
-                                    </p:set>
-                                  </p:childTnLst>
-                                </p:cTn>
-                              </p:par>
-                            </p:childTnLst>
-                          </p:cTn>
-                        </p:par>
-                      </p:childTnLst>
-                    </p:cTn>
-                  </p:par>
-                </p:childTnLst>
-              </p:cTn>
-              <p:prevCondLst>
-                <p:cond evt="onPrev" delay="0">
-                  <p:tgtEl>
-                    <p:sldTgt/>
-                  </p:tgtEl>
-                </p:cond>
-              </p:prevCondLst>
-              <p:nextCondLst>
-                <p:cond evt="onNext" delay="0">
-                  <p:tgtEl>
-                    <p:sldTgt/>
-                  </p:tgtEl>
-                </p:cond>
-              </p:nextCondLst>
-            </p:seq>
-          </p:childTnLst>
-        </p:cTn>
+        <p:cTn id="1" dur="indefinite" restart="never" nodeType="tmRoot"/>
       </p:par>
     </p:tnLst>
   </p:timing>
-</p:sld>
-</file>
-
-<file path=ppt/slides/slide9.xml><?xml version="1.0" encoding="utf-8"?>
-<p:sld xmlns:a="http://schemas.openxmlformats.org/drawingml/2006/main" xmlns:r="http://schemas.openxmlformats.org/officeDocument/2006/relationships" xmlns:p="http://schemas.openxmlformats.org/presentationml/2006/main">
-  <p:cSld>
-    <p:spTree>
-      <p:nvGrpSpPr>
-        <p:cNvPr id="1" name=""/>
-        <p:cNvGrpSpPr/>
-        <p:nvPr/>
-      </p:nvGrpSpPr>
-      <p:grpSpPr>
-        <a:xfrm>
-          <a:off x="0" y="0"/>
-          <a:ext cx="0" cy="0"/>
-          <a:chOff x="0" y="0"/>
-          <a:chExt cx="0" cy="0"/>
-        </a:xfrm>
-      </p:grpSpPr>
-      <p:sp>
-        <p:nvSpPr>
-          <p:cNvPr id="2" name="Title 1"/>
-          <p:cNvSpPr>
-            <a:spLocks noGrp="1"/>
-          </p:cNvSpPr>
-          <p:nvPr>
-            <p:ph type="title"/>
-          </p:nvPr>
-        </p:nvSpPr>
-        <p:spPr>
-          <a:xfrm>
-            <a:off x="0" y="0"/>
-            <a:ext cx="12192000" cy="1325563"/>
-          </a:xfrm>
-          <a:solidFill>
-            <a:srgbClr val="0070C0"/>
-          </a:solidFill>
-        </p:spPr>
-        <p:txBody>
-          <a:bodyPr/>
-          <a:lstStyle/>
-          <a:p>
-            <a:r>
-              <a:rPr lang="en-CA" b="1" dirty="0" err="1">
-                <a:solidFill>
-                  <a:schemeClr val="bg1"/>
-                </a:solidFill>
-              </a:rPr>
-              <a:t>ServiceBus</a:t>
-            </a:r>
-            <a:r>
-              <a:rPr lang="en-CA" b="1" dirty="0">
-                <a:solidFill>
-                  <a:schemeClr val="bg1"/>
-                </a:solidFill>
-              </a:rPr>
-              <a:t> Explorer</a:t>
-            </a:r>
-          </a:p>
-        </p:txBody>
-      </p:sp>
-      <p:pic>
-        <p:nvPicPr>
-          <p:cNvPr id="4" name="Picture 3"/>
-          <p:cNvPicPr>
-            <a:picLocks noChangeAspect="1"/>
-          </p:cNvPicPr>
-          <p:nvPr/>
-        </p:nvPicPr>
-        <p:blipFill>
-          <a:blip r:embed="rId2"/>
-          <a:stretch>
-            <a:fillRect/>
-          </a:stretch>
-        </p:blipFill>
-        <p:spPr>
-          <a:xfrm>
-            <a:off x="1881430" y="1465062"/>
-            <a:ext cx="8429140" cy="5190039"/>
-          </a:xfrm>
-          <a:prstGeom prst="rect">
-            <a:avLst/>
-          </a:prstGeom>
-        </p:spPr>
-      </p:pic>
-    </p:spTree>
-    <p:extLst>
-      <p:ext uri="{BB962C8B-B14F-4D97-AF65-F5344CB8AC3E}">
-        <p14:creationId xmlns:p14="http://schemas.microsoft.com/office/powerpoint/2010/main" val="3141277887"/>
-      </p:ext>
-    </p:extLst>
-  </p:cSld>
-  <p:clrMapOvr>
-    <a:masterClrMapping/>
-  </p:clrMapOvr>
 </p:sld>
 </file>
 
@@ -27188,4 +26903,47 @@
     </a:ext>
   </a:extLst>
 </a:theme>
+</file>
+
+<file path=ppt/webextensions/webextension1.xml><?xml version="1.0" encoding="utf-8"?>
+<we:webextension xmlns:we="http://schemas.microsoft.com/office/webextensions/webextension/2010/11" id="{C8AC4937-8139-4DB9-997A-B23E9B815561}">
+  <we:reference id="wa104379261" version="2.0.0.1" store="en-US" storeType="OMEX"/>
+  <we:alternateReferences>
+    <we:reference id="WA104379261" version="2.0.0.1" store="WA104379261" storeType="OMEX"/>
+  </we:alternateReferences>
+  <we:properties>
+    <we:property name="mentimeter_ppt_series_id" value="&quot;c5bfa021668e5fa7779a722bef1314d4&quot;"/>
+    <we:property name="mentimeter_ppt_question_id" value="&quot;cc4e1e0aea1e&quot;"/>
+  </we:properties>
+  <we:bindings/>
+  <we:snapshot xmlns:r="http://schemas.openxmlformats.org/officeDocument/2006/relationships" r:embed="rId1"/>
+</we:webextension>
+</file>
+
+<file path=ppt/webextensions/webextension2.xml><?xml version="1.0" encoding="utf-8"?>
+<we:webextension xmlns:we="http://schemas.microsoft.com/office/webextensions/webextension/2010/11" id="{70946939-A3ED-4D9F-ABAB-BA21DEC32B35}">
+  <we:reference id="wa104379263" version="1.0.0.1" store="en-US" storeType="OMEX"/>
+  <we:alternateReferences>
+    <we:reference id="wa104379263" version="1.0.0.1" store="wa104379263" storeType="OMEX"/>
+  </we:alternateReferences>
+  <we:properties>
+    <we:property name="config" value="{&quot;display_lang&quot;:&quot;en&quot;,&quot;display_font&quot;:&quot;Consolas&quot;,&quot;syntax_color&quot;:{&quot;Reserved words&quot;:&quot;#0000ff&quot;,&quot;Compiler directives&quot;:&quot;#FF0000&quot;,&quot;Namespaces&quot;:&quot;#008080&quot;,&quot;Classes&quot;:&quot;#808000&quot;,&quot;Line comment&quot;:&quot;#008000&quot;,&quot;Block comment&quot;:&quot;#008000&quot;,&quot;Quotation&quot;:&quot;#FF00FF&quot;,&quot;Quatation 2&quot;:&quot;#FF00FF&quot;,&quot;Number&quot;:&quot;#800080&quot;},&quot;old_syntax_color&quot;:{&quot;Reserved words&quot;:&quot;#0000FF&quot;,&quot;Compiler directives&quot;:&quot;#FF0000&quot;,&quot;Namespaces&quot;:&quot;#008080&quot;,&quot;Classes&quot;:&quot;#808000&quot;,&quot;Line comment&quot;:&quot;#008000&quot;,&quot;Block comment&quot;:&quot;#008000&quot;,&quot;Quotation&quot;:&quot;#FF00FF&quot;,&quot;Quatation 2&quot;:&quot;#FF00FF&quot;,&quot;Number&quot;:&quot;#800080&quot;},&quot;show_line_number&quot;:true,&quot;code_lang&quot;:&quot;cs&quot;,&quot;code&quot;:&quot;for (var i = 0; i &lt; 10; i++)\n{\n    batch.Add(new BrokeredMessage($\&quot;Message #{i}\&quot;));\n}\nawait messageSender.SendBatchAsync(batch).ConfigureAwait(false);&quot;,&quot;ctags&quot;:{&quot;false&quot;:[{&quot;linenum&quot;:&quot;5&quot;,&quot;signature&quot;:&quot;await messageSender.SendBatchAsync(batch).ConfigureAwait(false);&quot;}]}}"/>
+  </we:properties>
+  <we:bindings/>
+  <we:snapshot xmlns:r="http://schemas.openxmlformats.org/officeDocument/2006/relationships" r:embed="rId1"/>
+</we:webextension>
+</file>
+
+<file path=ppt/webextensions/webextension3.xml><?xml version="1.0" encoding="utf-8"?>
+<we:webextension xmlns:we="http://schemas.microsoft.com/office/webextensions/webextension/2010/11" id="{5B865381-7608-4C6B-82BB-130912CBF4F2}">
+  <we:reference id="wa104379263" version="1.0.0.1" store="en-US" storeType="OMEX"/>
+  <we:alternateReferences>
+    <we:reference id="wa104379263" version="1.0.0.1" store="wa104379263" storeType="OMEX"/>
+  </we:alternateReferences>
+  <we:properties>
+    <we:property name="config" value="{&quot;display_lang&quot;:&quot;en&quot;,&quot;display_font&quot;:&quot;Consolas&quot;,&quot;syntax_color&quot;:{&quot;Reserved words&quot;:&quot;#0000ff&quot;,&quot;Compiler directives&quot;:&quot;#FF0000&quot;,&quot;Namespaces&quot;:&quot;#008080&quot;,&quot;Classes&quot;:&quot;#808000&quot;,&quot;Line comment&quot;:&quot;#008000&quot;,&quot;Block comment&quot;:&quot;#008000&quot;,&quot;Quotation&quot;:&quot;#FF00FF&quot;,&quot;Quatation 2&quot;:&quot;#FF00FF&quot;,&quot;Number&quot;:&quot;#800080&quot;},&quot;old_syntax_color&quot;:{&quot;Reserved words&quot;:&quot;#0000FF&quot;,&quot;Compiler directives&quot;:&quot;#FF0000&quot;,&quot;Namespaces&quot;:&quot;#008080&quot;,&quot;Classes&quot;:&quot;#808000&quot;,&quot;Line comment&quot;:&quot;#008000&quot;,&quot;Block comment&quot;:&quot;#008000&quot;,&quot;Quotation&quot;:&quot;#FF00FF&quot;,&quot;Quatation 2&quot;:&quot;#FF00FF&quot;,&quot;Number&quot;:&quot;#800080&quot;},&quot;show_line_number&quot;:true,&quot;code_lang&quot;:&quot;cs&quot;,&quot;code&quot;:&quot;public Task Transaction() \n{\n    var msg1 = new BrokeredMessage(new string('A', 250*1024));\n    msg1.Properties.Add(\&quot;sender\&quot;, \&quot;SF1\&quot;);\n    var msg2 = new BrokeredMessage(new string('B', 250*1024));\n    msg2.Properties.Add(\&quot;sender\&quot;, \&quot;SF2\&quot;);\n    var msg3 = new BrokeredMessage(new string('C', 250*1024));\n    msg3.Properties.Add(\&quot;sender\&quot;, \&quot;SF3\&quot;);\n    var messages = new List&lt;BrokeredMessage&gt; { msg1, msg2, msg3 };\n\n    var sender = await messagingFactory.CreateMessageSenderAsync(\&quot;test\&quot;).ConfigureAwait(false);\n    using (var transaction = new TransactionScope(TransactionScopeAsyncFlowOption.Enabled))\n    {\n        foreach (var msg in messages)\n        {\n            await sender.SendAsync(msg).ConfigureAwait(false);\n        }\n        transaction.Complete();\n    }\n}\n\npublic async Task AtomicSendsWithReceive()\n{\n    var receiveQueueName = \&quot;sent-via-rcv\&quot;;\n    var dstQueueName = \&quot;sent-via-dst\&quot;;\n    await CreateQueuesAsync(namespaceManager, receiveQueueName, dstQueueName);\n\n    var factory = await MessagingFactory.CreateAsync(namespaceManager.Address, namespaceManager.Settings.TokenProvider).ConfigureAwait(false);\n    var kickoffSender = await factory.CreateMessageSenderAsync(receiveQueueName).ConfigureAwait(false); // to send the original message\n    var receiver = await factory.CreateMessageReceiverAsync(receiveQueueName).ConfigureAwait(false);\n    var sender = await factory.CreateMessageSenderAsync(dstQueueName, receiveQueueName).ConfigureAwait(false);\n\n    await kickoffSender.SendAsync(new BrokeredMessage($\&quot;incoming message {DateTime.UtcNow}\&quot;)).ConfigureAwait(false);\n    var incomingMsg = await receiver.ReceiveAsync().ConfigureAwait(false);\n    \n    using (var scope = new TransactionScope(TransactionScopeAsyncFlowOption.Enabled))\n    {\n        var newMsg = new BrokeredMessage($\&quot;new msg for incoming id: {incomingMsg.MessageId}\&quot;);\n        \n        await incomingMsg.CompleteAsync().ConfigureAwait(false);\n        \n        #region breaking atomic sends-receive\n        //await incomingMsg.AbandonAsync(new Dictionary&lt;string, object&gt;() { {\&quot;reason\&quot;, \&quot;emulating a problem\&quot;}}).ConfigureAwait(false);\n        #endregion\n        \n        await sender.SendAsync(newMsg).ConfigureAwait(false);\n        scope.Complete();\n    }\n}&quot;,&quot;ctags&quot;:{&quot;AtomicSendsWithReceive&quot;:[{&quot;linenum&quot;:&quot;22&quot;,&quot;signature&quot;:&quot;AtomicSendsWithReceive()&quot;}],&quot;Transaction&quot;:[{&quot;linenum&quot;:&quot;1&quot;,&quot;signature&quot;:&quot;Transaction()&quot;}]}}"/>
+  </we:properties>
+  <we:bindings/>
+  <we:snapshot xmlns:r="http://schemas.openxmlformats.org/officeDocument/2006/relationships" r:embed="rId1"/>
+</we:webextension>
 </file>
--- a/Azure Service Bus Austin Azure usergroup 2016-09-08.pptx
+++ b/Azure Service Bus Austin Azure usergroup 2016-09-08.pptx
@@ -10349,8 +10349,8 @@
           <a:chExt cx="0" cy="0"/>
         </a:xfrm>
       </p:grpSpPr>
-      <mc:AlternateContent xmlns:mc="http://schemas.openxmlformats.org/markup-compatibility/2006">
-        <mc:Choice xmlns:we="http://schemas.microsoft.com/office/webextensions/webextension/2010/11" xmlns:pca="http://schemas.microsoft.com/office/powerpoint/2013/contentapp" Requires="we pca">
+      <mc:AlternateContent xmlns:mc="http://schemas.openxmlformats.org/markup-compatibility/2006" xmlns:we="http://schemas.microsoft.com/office/webextensions/webextension/2010/11" xmlns:pca="http://schemas.microsoft.com/office/powerpoint/2013/contentapp">
+        <mc:Choice Requires="we pca">
           <p:graphicFrame>
             <p:nvGraphicFramePr>
               <p:cNvPr id="5" name="Add-in 4" title="Mentimeter"/>
@@ -10376,7 +10376,7 @@
             </a:graphic>
           </p:graphicFrame>
         </mc:Choice>
-        <mc:Fallback>
+        <mc:Fallback xmlns="">
           <p:pic>
             <p:nvPicPr>
               <p:cNvPr id="5" name="Add-in 4" title="Mentimeter"/>
@@ -10405,61 +10405,119 @@
       </mc:AlternateContent>
       <p:sp>
         <p:nvSpPr>
-          <p:cNvPr id="2" name="Rectangle 1"/>
-          <p:cNvSpPr/>
+          <p:cNvPr id="4" name="Title 1"/>
+          <p:cNvSpPr>
+            <a:spLocks noGrp="1"/>
+          </p:cNvSpPr>
           <p:nvPr/>
         </p:nvSpPr>
         <p:spPr>
           <a:xfrm>
-            <a:off x="5853326" y="179708"/>
-            <a:ext cx="5923214" cy="6331751"/>
+            <a:off x="5877046" y="968249"/>
+            <a:ext cx="6318421" cy="2387600"/>
           </a:xfrm>
           <a:prstGeom prst="rect">
             <a:avLst/>
           </a:prstGeom>
-          <a:ln>
-            <a:solidFill>
-              <a:schemeClr val="accent1"/>
-            </a:solidFill>
-          </a:ln>
         </p:spPr>
-        <p:style>
-          <a:lnRef idx="2">
-            <a:schemeClr val="accent1">
-              <a:shade val="50000"/>
-            </a:schemeClr>
-          </a:lnRef>
-          <a:fillRef idx="1">
-            <a:schemeClr val="accent1"/>
-          </a:fillRef>
-          <a:effectRef idx="0">
-            <a:schemeClr val="accent1"/>
-          </a:effectRef>
-          <a:fontRef idx="minor">
-            <a:schemeClr val="lt1"/>
-          </a:fontRef>
-        </p:style>
         <p:txBody>
-          <a:bodyPr rtlCol="0" anchor="ctr"/>
-          <a:lstStyle/>
+          <a:bodyPr vert="horz" lIns="91440" tIns="45720" rIns="91440" bIns="45720" rtlCol="0" anchor="b">
+            <a:normAutofit/>
+          </a:bodyPr>
+          <a:lstStyle>
+            <a:lvl1pPr algn="ctr" defTabSz="914400" rtl="0" eaLnBrk="1" latinLnBrk="0" hangingPunct="1">
+              <a:lnSpc>
+                <a:spcPct val="90000"/>
+              </a:lnSpc>
+              <a:spcBef>
+                <a:spcPct val="0"/>
+              </a:spcBef>
+              <a:buNone/>
+              <a:defRPr sz="6000" kern="1200">
+                <a:solidFill>
+                  <a:schemeClr val="tx1"/>
+                </a:solidFill>
+                <a:latin typeface="+mj-lt"/>
+                <a:ea typeface="+mj-ea"/>
+                <a:cs typeface="+mj-cs"/>
+              </a:defRPr>
+            </a:lvl1pPr>
+          </a:lstStyle>
           <a:p>
-            <a:pPr algn="ctr"/>
             <a:r>
-              <a:rPr lang="en-US" dirty="0" err="1" smtClean="0"/>
-              <a:t>ClearMeasure</a:t>
+              <a:rPr lang="en-US" b="1" dirty="0" smtClean="0">
+                <a:latin typeface="Arial" panose="020B0604020202020204" pitchFamily="34" charset="0"/>
+                <a:cs typeface="Arial" panose="020B0604020202020204" pitchFamily="34" charset="0"/>
+              </a:rPr>
+              <a:t>Thank You To Our Sponsors!</a:t>
             </a:r>
-            <a:endParaRPr lang="en-US" dirty="0" smtClean="0"/>
-          </a:p>
-          <a:p>
-            <a:pPr algn="ctr"/>
-            <a:r>
-              <a:rPr lang="en-US" dirty="0" smtClean="0"/>
-              <a:t>Microsoft</a:t>
-            </a:r>
-            <a:endParaRPr lang="en-CA" dirty="0"/>
+            <a:endParaRPr lang="en-US" b="1" dirty="0">
+              <a:latin typeface="Arial" panose="020B0604020202020204" pitchFamily="34" charset="0"/>
+              <a:cs typeface="Arial" panose="020B0604020202020204" pitchFamily="34" charset="0"/>
+            </a:endParaRPr>
           </a:p>
         </p:txBody>
       </p:sp>
+      <p:pic>
+        <p:nvPicPr>
+          <p:cNvPr id="6" name="Picture 5"/>
+          <p:cNvPicPr>
+            <a:picLocks noChangeAspect="1"/>
+          </p:cNvPicPr>
+          <p:nvPr/>
+        </p:nvPicPr>
+        <p:blipFill>
+          <a:blip r:embed="rId5" cstate="print">
+            <a:extLst>
+              <a:ext uri="{28A0092B-C50C-407E-A947-70E740481C1C}">
+                <a14:useLocalDpi xmlns:a14="http://schemas.microsoft.com/office/drawing/2010/main" val="0"/>
+              </a:ext>
+            </a:extLst>
+          </a:blip>
+          <a:stretch>
+            <a:fillRect/>
+          </a:stretch>
+        </p:blipFill>
+        <p:spPr>
+          <a:xfrm>
+            <a:off x="7017986" y="3711578"/>
+            <a:ext cx="4036540" cy="861801"/>
+          </a:xfrm>
+          <a:prstGeom prst="rect">
+            <a:avLst/>
+          </a:prstGeom>
+        </p:spPr>
+      </p:pic>
+      <p:pic>
+        <p:nvPicPr>
+          <p:cNvPr id="7" name="Picture 6"/>
+          <p:cNvPicPr>
+            <a:picLocks noChangeAspect="1"/>
+          </p:cNvPicPr>
+          <p:nvPr/>
+        </p:nvPicPr>
+        <p:blipFill>
+          <a:blip r:embed="rId6" cstate="print">
+            <a:extLst>
+              <a:ext uri="{28A0092B-C50C-407E-A947-70E740481C1C}">
+                <a14:useLocalDpi xmlns:a14="http://schemas.microsoft.com/office/drawing/2010/main" val="0"/>
+              </a:ext>
+            </a:extLst>
+          </a:blip>
+          <a:stretch>
+            <a:fillRect/>
+          </a:stretch>
+        </p:blipFill>
+        <p:spPr>
+          <a:xfrm>
+            <a:off x="6993175" y="4854914"/>
+            <a:ext cx="4086162" cy="871759"/>
+          </a:xfrm>
+          <a:prstGeom prst="rect">
+            <a:avLst/>
+          </a:prstGeom>
+        </p:spPr>
+      </p:pic>
     </p:spTree>
     <p:extLst>
       <p:ext uri="{BB962C8B-B14F-4D97-AF65-F5344CB8AC3E}">
@@ -10859,28 +10917,28 @@
                 <a:gridCol w="7826072">
                   <a:extLst>
                     <a:ext uri="{9D8B030D-6E8A-4147-A177-3AD203B41FA5}">
-                      <a16:colId xmlns="" xmlns:a16="http://schemas.microsoft.com/office/drawing/2014/main" val="1699504934"/>
+                      <a16:colId xmlns:a16="http://schemas.microsoft.com/office/drawing/2014/main" xmlns="" val="1699504934"/>
                     </a:ext>
                   </a:extLst>
                 </a:gridCol>
                 <a:gridCol w="1206794">
                   <a:extLst>
                     <a:ext uri="{9D8B030D-6E8A-4147-A177-3AD203B41FA5}">
-                      <a16:colId xmlns="" xmlns:a16="http://schemas.microsoft.com/office/drawing/2014/main" val="92080481"/>
+                      <a16:colId xmlns:a16="http://schemas.microsoft.com/office/drawing/2014/main" xmlns="" val="92080481"/>
                     </a:ext>
                   </a:extLst>
                 </a:gridCol>
                 <a:gridCol w="996085">
                   <a:extLst>
                     <a:ext uri="{9D8B030D-6E8A-4147-A177-3AD203B41FA5}">
-                      <a16:colId xmlns="" xmlns:a16="http://schemas.microsoft.com/office/drawing/2014/main" val="3452756205"/>
+                      <a16:colId xmlns:a16="http://schemas.microsoft.com/office/drawing/2014/main" xmlns="" val="3452756205"/>
                     </a:ext>
                   </a:extLst>
                 </a:gridCol>
                 <a:gridCol w="1723990">
                   <a:extLst>
                     <a:ext uri="{9D8B030D-6E8A-4147-A177-3AD203B41FA5}">
-                      <a16:colId xmlns="" xmlns:a16="http://schemas.microsoft.com/office/drawing/2014/main" val="1116476572"/>
+                      <a16:colId xmlns:a16="http://schemas.microsoft.com/office/drawing/2014/main" xmlns="" val="1116476572"/>
                     </a:ext>
                   </a:extLst>
                 </a:gridCol>
@@ -10940,7 +10998,7 @@
                 </a:tc>
                 <a:extLst>
                   <a:ext uri="{0D108BD9-81ED-4DB2-BD59-A6C34878D82A}">
-                    <a16:rowId xmlns="" xmlns:a16="http://schemas.microsoft.com/office/drawing/2014/main" val="1248774390"/>
+                    <a16:rowId xmlns:a16="http://schemas.microsoft.com/office/drawing/2014/main" xmlns="" val="1248774390"/>
                   </a:ext>
                 </a:extLst>
               </a:tr>
@@ -10976,28 +11034,28 @@
                 <a:gridCol w="7826072">
                   <a:extLst>
                     <a:ext uri="{9D8B030D-6E8A-4147-A177-3AD203B41FA5}">
-                      <a16:colId xmlns="" xmlns:a16="http://schemas.microsoft.com/office/drawing/2014/main" val="3207723062"/>
+                      <a16:colId xmlns:a16="http://schemas.microsoft.com/office/drawing/2014/main" xmlns="" val="3207723062"/>
                     </a:ext>
                   </a:extLst>
                 </a:gridCol>
                 <a:gridCol w="1206794">
                   <a:extLst>
                     <a:ext uri="{9D8B030D-6E8A-4147-A177-3AD203B41FA5}">
-                      <a16:colId xmlns="" xmlns:a16="http://schemas.microsoft.com/office/drawing/2014/main" val="1658324364"/>
+                      <a16:colId xmlns:a16="http://schemas.microsoft.com/office/drawing/2014/main" xmlns="" val="1658324364"/>
                     </a:ext>
                   </a:extLst>
                 </a:gridCol>
                 <a:gridCol w="996085">
                   <a:extLst>
                     <a:ext uri="{9D8B030D-6E8A-4147-A177-3AD203B41FA5}">
-                      <a16:colId xmlns="" xmlns:a16="http://schemas.microsoft.com/office/drawing/2014/main" val="970386946"/>
+                      <a16:colId xmlns:a16="http://schemas.microsoft.com/office/drawing/2014/main" xmlns="" val="970386946"/>
                     </a:ext>
                   </a:extLst>
                 </a:gridCol>
                 <a:gridCol w="1723990">
                   <a:extLst>
                     <a:ext uri="{9D8B030D-6E8A-4147-A177-3AD203B41FA5}">
-                      <a16:colId xmlns="" xmlns:a16="http://schemas.microsoft.com/office/drawing/2014/main" val="383583752"/>
+                      <a16:colId xmlns:a16="http://schemas.microsoft.com/office/drawing/2014/main" xmlns="" val="383583752"/>
                     </a:ext>
                   </a:extLst>
                 </a:gridCol>
@@ -11057,7 +11115,7 @@
                 </a:tc>
                 <a:extLst>
                   <a:ext uri="{0D108BD9-81ED-4DB2-BD59-A6C34878D82A}">
-                    <a16:rowId xmlns="" xmlns:a16="http://schemas.microsoft.com/office/drawing/2014/main" val="3125305022"/>
+                    <a16:rowId xmlns:a16="http://schemas.microsoft.com/office/drawing/2014/main" xmlns="" val="3125305022"/>
                   </a:ext>
                 </a:extLst>
               </a:tr>
@@ -11093,28 +11151,28 @@
                 <a:gridCol w="7826072">
                   <a:extLst>
                     <a:ext uri="{9D8B030D-6E8A-4147-A177-3AD203B41FA5}">
-                      <a16:colId xmlns="" xmlns:a16="http://schemas.microsoft.com/office/drawing/2014/main" val="1091211104"/>
+                      <a16:colId xmlns:a16="http://schemas.microsoft.com/office/drawing/2014/main" xmlns="" val="1091211104"/>
                     </a:ext>
                   </a:extLst>
                 </a:gridCol>
                 <a:gridCol w="1206794">
                   <a:extLst>
                     <a:ext uri="{9D8B030D-6E8A-4147-A177-3AD203B41FA5}">
-                      <a16:colId xmlns="" xmlns:a16="http://schemas.microsoft.com/office/drawing/2014/main" val="1150722414"/>
+                      <a16:colId xmlns:a16="http://schemas.microsoft.com/office/drawing/2014/main" xmlns="" val="1150722414"/>
                     </a:ext>
                   </a:extLst>
                 </a:gridCol>
                 <a:gridCol w="996085">
                   <a:extLst>
                     <a:ext uri="{9D8B030D-6E8A-4147-A177-3AD203B41FA5}">
-                      <a16:colId xmlns="" xmlns:a16="http://schemas.microsoft.com/office/drawing/2014/main" val="3208288810"/>
+                      <a16:colId xmlns:a16="http://schemas.microsoft.com/office/drawing/2014/main" xmlns="" val="3208288810"/>
                     </a:ext>
                   </a:extLst>
                 </a:gridCol>
                 <a:gridCol w="1723990">
                   <a:extLst>
                     <a:ext uri="{9D8B030D-6E8A-4147-A177-3AD203B41FA5}">
-                      <a16:colId xmlns="" xmlns:a16="http://schemas.microsoft.com/office/drawing/2014/main" val="589935196"/>
+                      <a16:colId xmlns:a16="http://schemas.microsoft.com/office/drawing/2014/main" xmlns="" val="589935196"/>
                     </a:ext>
                   </a:extLst>
                 </a:gridCol>
@@ -11199,7 +11257,7 @@
                 </a:tc>
                 <a:extLst>
                   <a:ext uri="{0D108BD9-81ED-4DB2-BD59-A6C34878D82A}">
-                    <a16:rowId xmlns="" xmlns:a16="http://schemas.microsoft.com/office/drawing/2014/main" val="370781235"/>
+                    <a16:rowId xmlns:a16="http://schemas.microsoft.com/office/drawing/2014/main" xmlns="" val="370781235"/>
                   </a:ext>
                 </a:extLst>
               </a:tr>
@@ -11235,28 +11293,28 @@
                 <a:gridCol w="7826072">
                   <a:extLst>
                     <a:ext uri="{9D8B030D-6E8A-4147-A177-3AD203B41FA5}">
-                      <a16:colId xmlns="" xmlns:a16="http://schemas.microsoft.com/office/drawing/2014/main" val="1091211104"/>
+                      <a16:colId xmlns:a16="http://schemas.microsoft.com/office/drawing/2014/main" xmlns="" val="1091211104"/>
                     </a:ext>
                   </a:extLst>
                 </a:gridCol>
                 <a:gridCol w="1206794">
                   <a:extLst>
                     <a:ext uri="{9D8B030D-6E8A-4147-A177-3AD203B41FA5}">
-                      <a16:colId xmlns="" xmlns:a16="http://schemas.microsoft.com/office/drawing/2014/main" val="1150722414"/>
+                      <a16:colId xmlns:a16="http://schemas.microsoft.com/office/drawing/2014/main" xmlns="" val="1150722414"/>
                     </a:ext>
                   </a:extLst>
                 </a:gridCol>
                 <a:gridCol w="996085">
                   <a:extLst>
                     <a:ext uri="{9D8B030D-6E8A-4147-A177-3AD203B41FA5}">
-                      <a16:colId xmlns="" xmlns:a16="http://schemas.microsoft.com/office/drawing/2014/main" val="3208288810"/>
+                      <a16:colId xmlns:a16="http://schemas.microsoft.com/office/drawing/2014/main" xmlns="" val="3208288810"/>
                     </a:ext>
                   </a:extLst>
                 </a:gridCol>
                 <a:gridCol w="1723990">
                   <a:extLst>
                     <a:ext uri="{9D8B030D-6E8A-4147-A177-3AD203B41FA5}">
-                      <a16:colId xmlns="" xmlns:a16="http://schemas.microsoft.com/office/drawing/2014/main" val="589935196"/>
+                      <a16:colId xmlns:a16="http://schemas.microsoft.com/office/drawing/2014/main" xmlns="" val="589935196"/>
                     </a:ext>
                   </a:extLst>
                 </a:gridCol>
@@ -11336,7 +11394,7 @@
                 </a:tc>
                 <a:extLst>
                   <a:ext uri="{0D108BD9-81ED-4DB2-BD59-A6C34878D82A}">
-                    <a16:rowId xmlns="" xmlns:a16="http://schemas.microsoft.com/office/drawing/2014/main" val="370781235"/>
+                    <a16:rowId xmlns:a16="http://schemas.microsoft.com/office/drawing/2014/main" xmlns="" val="370781235"/>
                   </a:ext>
                 </a:extLst>
               </a:tr>
@@ -11372,28 +11430,28 @@
                 <a:gridCol w="7826072">
                   <a:extLst>
                     <a:ext uri="{9D8B030D-6E8A-4147-A177-3AD203B41FA5}">
-                      <a16:colId xmlns="" xmlns:a16="http://schemas.microsoft.com/office/drawing/2014/main" val="3104330619"/>
+                      <a16:colId xmlns:a16="http://schemas.microsoft.com/office/drawing/2014/main" xmlns="" val="3104330619"/>
                     </a:ext>
                   </a:extLst>
                 </a:gridCol>
                 <a:gridCol w="1206794">
                   <a:extLst>
                     <a:ext uri="{9D8B030D-6E8A-4147-A177-3AD203B41FA5}">
-                      <a16:colId xmlns="" xmlns:a16="http://schemas.microsoft.com/office/drawing/2014/main" val="4204515562"/>
+                      <a16:colId xmlns:a16="http://schemas.microsoft.com/office/drawing/2014/main" xmlns="" val="4204515562"/>
                     </a:ext>
                   </a:extLst>
                 </a:gridCol>
                 <a:gridCol w="996085">
                   <a:extLst>
                     <a:ext uri="{9D8B030D-6E8A-4147-A177-3AD203B41FA5}">
-                      <a16:colId xmlns="" xmlns:a16="http://schemas.microsoft.com/office/drawing/2014/main" val="2415215335"/>
+                      <a16:colId xmlns:a16="http://schemas.microsoft.com/office/drawing/2014/main" xmlns="" val="2415215335"/>
                     </a:ext>
                   </a:extLst>
                 </a:gridCol>
                 <a:gridCol w="1723990">
                   <a:extLst>
                     <a:ext uri="{9D8B030D-6E8A-4147-A177-3AD203B41FA5}">
-                      <a16:colId xmlns="" xmlns:a16="http://schemas.microsoft.com/office/drawing/2014/main" val="1752649846"/>
+                      <a16:colId xmlns:a16="http://schemas.microsoft.com/office/drawing/2014/main" xmlns="" val="1752649846"/>
                     </a:ext>
                   </a:extLst>
                 </a:gridCol>
@@ -11482,7 +11540,7 @@
                 </a:tc>
                 <a:extLst>
                   <a:ext uri="{0D108BD9-81ED-4DB2-BD59-A6C34878D82A}">
-                    <a16:rowId xmlns="" xmlns:a16="http://schemas.microsoft.com/office/drawing/2014/main" val="1137435020"/>
+                    <a16:rowId xmlns:a16="http://schemas.microsoft.com/office/drawing/2014/main" xmlns="" val="1137435020"/>
                   </a:ext>
                 </a:extLst>
               </a:tr>
@@ -11518,28 +11576,28 @@
                 <a:gridCol w="7826072">
                   <a:extLst>
                     <a:ext uri="{9D8B030D-6E8A-4147-A177-3AD203B41FA5}">
-                      <a16:colId xmlns="" xmlns:a16="http://schemas.microsoft.com/office/drawing/2014/main" val="1123113153"/>
+                      <a16:colId xmlns:a16="http://schemas.microsoft.com/office/drawing/2014/main" xmlns="" val="1123113153"/>
                     </a:ext>
                   </a:extLst>
                 </a:gridCol>
                 <a:gridCol w="1206794">
                   <a:extLst>
                     <a:ext uri="{9D8B030D-6E8A-4147-A177-3AD203B41FA5}">
-                      <a16:colId xmlns="" xmlns:a16="http://schemas.microsoft.com/office/drawing/2014/main" val="2824964704"/>
+                      <a16:colId xmlns:a16="http://schemas.microsoft.com/office/drawing/2014/main" xmlns="" val="2824964704"/>
                     </a:ext>
                   </a:extLst>
                 </a:gridCol>
                 <a:gridCol w="996085">
                   <a:extLst>
                     <a:ext uri="{9D8B030D-6E8A-4147-A177-3AD203B41FA5}">
-                      <a16:colId xmlns="" xmlns:a16="http://schemas.microsoft.com/office/drawing/2014/main" val="2304887084"/>
+                      <a16:colId xmlns:a16="http://schemas.microsoft.com/office/drawing/2014/main" xmlns="" val="2304887084"/>
                     </a:ext>
                   </a:extLst>
                 </a:gridCol>
                 <a:gridCol w="1723990">
                   <a:extLst>
                     <a:ext uri="{9D8B030D-6E8A-4147-A177-3AD203B41FA5}">
-                      <a16:colId xmlns="" xmlns:a16="http://schemas.microsoft.com/office/drawing/2014/main" val="401786890"/>
+                      <a16:colId xmlns:a16="http://schemas.microsoft.com/office/drawing/2014/main" xmlns="" val="401786890"/>
                     </a:ext>
                   </a:extLst>
                 </a:gridCol>
@@ -11616,7 +11674,7 @@
                 </a:tc>
                 <a:extLst>
                   <a:ext uri="{0D108BD9-81ED-4DB2-BD59-A6C34878D82A}">
-                    <a16:rowId xmlns="" xmlns:a16="http://schemas.microsoft.com/office/drawing/2014/main" val="2441662402"/>
+                    <a16:rowId xmlns:a16="http://schemas.microsoft.com/office/drawing/2014/main" xmlns="" val="2441662402"/>
                   </a:ext>
                 </a:extLst>
               </a:tr>
@@ -11652,28 +11710,28 @@
                 <a:gridCol w="7826072">
                   <a:extLst>
                     <a:ext uri="{9D8B030D-6E8A-4147-A177-3AD203B41FA5}">
-                      <a16:colId xmlns="" xmlns:a16="http://schemas.microsoft.com/office/drawing/2014/main" val="3199696017"/>
+                      <a16:colId xmlns:a16="http://schemas.microsoft.com/office/drawing/2014/main" xmlns="" val="3199696017"/>
                     </a:ext>
                   </a:extLst>
                 </a:gridCol>
                 <a:gridCol w="1206794">
                   <a:extLst>
                     <a:ext uri="{9D8B030D-6E8A-4147-A177-3AD203B41FA5}">
-                      <a16:colId xmlns="" xmlns:a16="http://schemas.microsoft.com/office/drawing/2014/main" val="3539112866"/>
+                      <a16:colId xmlns:a16="http://schemas.microsoft.com/office/drawing/2014/main" xmlns="" val="3539112866"/>
                     </a:ext>
                   </a:extLst>
                 </a:gridCol>
                 <a:gridCol w="996085">
                   <a:extLst>
                     <a:ext uri="{9D8B030D-6E8A-4147-A177-3AD203B41FA5}">
-                      <a16:colId xmlns="" xmlns:a16="http://schemas.microsoft.com/office/drawing/2014/main" val="2809230224"/>
+                      <a16:colId xmlns:a16="http://schemas.microsoft.com/office/drawing/2014/main" xmlns="" val="2809230224"/>
                     </a:ext>
                   </a:extLst>
                 </a:gridCol>
                 <a:gridCol w="1723990">
                   <a:extLst>
                     <a:ext uri="{9D8B030D-6E8A-4147-A177-3AD203B41FA5}">
-                      <a16:colId xmlns="" xmlns:a16="http://schemas.microsoft.com/office/drawing/2014/main" val="2935120112"/>
+                      <a16:colId xmlns:a16="http://schemas.microsoft.com/office/drawing/2014/main" xmlns="" val="2935120112"/>
                     </a:ext>
                   </a:extLst>
                 </a:gridCol>
@@ -11762,7 +11820,7 @@
                 </a:tc>
                 <a:extLst>
                   <a:ext uri="{0D108BD9-81ED-4DB2-BD59-A6C34878D82A}">
-                    <a16:rowId xmlns="" xmlns:a16="http://schemas.microsoft.com/office/drawing/2014/main" val="3252969606"/>
+                    <a16:rowId xmlns:a16="http://schemas.microsoft.com/office/drawing/2014/main" xmlns="" val="3252969606"/>
                   </a:ext>
                 </a:extLst>
               </a:tr>
@@ -11798,28 +11856,28 @@
                 <a:gridCol w="7826072">
                   <a:extLst>
                     <a:ext uri="{9D8B030D-6E8A-4147-A177-3AD203B41FA5}">
-                      <a16:colId xmlns="" xmlns:a16="http://schemas.microsoft.com/office/drawing/2014/main" val="2208886143"/>
+                      <a16:colId xmlns:a16="http://schemas.microsoft.com/office/drawing/2014/main" xmlns="" val="2208886143"/>
                     </a:ext>
                   </a:extLst>
                 </a:gridCol>
                 <a:gridCol w="1206794">
                   <a:extLst>
                     <a:ext uri="{9D8B030D-6E8A-4147-A177-3AD203B41FA5}">
-                      <a16:colId xmlns="" xmlns:a16="http://schemas.microsoft.com/office/drawing/2014/main" val="100303231"/>
+                      <a16:colId xmlns:a16="http://schemas.microsoft.com/office/drawing/2014/main" xmlns="" val="100303231"/>
                     </a:ext>
                   </a:extLst>
                 </a:gridCol>
                 <a:gridCol w="996085">
                   <a:extLst>
                     <a:ext uri="{9D8B030D-6E8A-4147-A177-3AD203B41FA5}">
-                      <a16:colId xmlns="" xmlns:a16="http://schemas.microsoft.com/office/drawing/2014/main" val="2805567231"/>
+                      <a16:colId xmlns:a16="http://schemas.microsoft.com/office/drawing/2014/main" xmlns="" val="2805567231"/>
                     </a:ext>
                   </a:extLst>
                 </a:gridCol>
                 <a:gridCol w="1723990">
                   <a:extLst>
                     <a:ext uri="{9D8B030D-6E8A-4147-A177-3AD203B41FA5}">
-                      <a16:colId xmlns="" xmlns:a16="http://schemas.microsoft.com/office/drawing/2014/main" val="3843977333"/>
+                      <a16:colId xmlns:a16="http://schemas.microsoft.com/office/drawing/2014/main" xmlns="" val="3843977333"/>
                     </a:ext>
                   </a:extLst>
                 </a:gridCol>
@@ -11896,7 +11954,7 @@
                 </a:tc>
                 <a:extLst>
                   <a:ext uri="{0D108BD9-81ED-4DB2-BD59-A6C34878D82A}">
-                    <a16:rowId xmlns="" xmlns:a16="http://schemas.microsoft.com/office/drawing/2014/main" val="227292646"/>
+                    <a16:rowId xmlns:a16="http://schemas.microsoft.com/office/drawing/2014/main" xmlns="" val="227292646"/>
                   </a:ext>
                 </a:extLst>
               </a:tr>
@@ -11932,28 +11990,28 @@
                 <a:gridCol w="7826072">
                   <a:extLst>
                     <a:ext uri="{9D8B030D-6E8A-4147-A177-3AD203B41FA5}">
-                      <a16:colId xmlns="" xmlns:a16="http://schemas.microsoft.com/office/drawing/2014/main" val="2980040838"/>
+                      <a16:colId xmlns:a16="http://schemas.microsoft.com/office/drawing/2014/main" xmlns="" val="2980040838"/>
                     </a:ext>
                   </a:extLst>
                 </a:gridCol>
                 <a:gridCol w="1206794">
                   <a:extLst>
                     <a:ext uri="{9D8B030D-6E8A-4147-A177-3AD203B41FA5}">
-                      <a16:colId xmlns="" xmlns:a16="http://schemas.microsoft.com/office/drawing/2014/main" val="617856318"/>
+                      <a16:colId xmlns:a16="http://schemas.microsoft.com/office/drawing/2014/main" xmlns="" val="617856318"/>
                     </a:ext>
                   </a:extLst>
                 </a:gridCol>
                 <a:gridCol w="996085">
                   <a:extLst>
                     <a:ext uri="{9D8B030D-6E8A-4147-A177-3AD203B41FA5}">
-                      <a16:colId xmlns="" xmlns:a16="http://schemas.microsoft.com/office/drawing/2014/main" val="2179201724"/>
+                      <a16:colId xmlns:a16="http://schemas.microsoft.com/office/drawing/2014/main" xmlns="" val="2179201724"/>
                     </a:ext>
                   </a:extLst>
                 </a:gridCol>
                 <a:gridCol w="1723990">
                   <a:extLst>
                     <a:ext uri="{9D8B030D-6E8A-4147-A177-3AD203B41FA5}">
-                      <a16:colId xmlns="" xmlns:a16="http://schemas.microsoft.com/office/drawing/2014/main" val="668206101"/>
+                      <a16:colId xmlns:a16="http://schemas.microsoft.com/office/drawing/2014/main" xmlns="" val="668206101"/>
                     </a:ext>
                   </a:extLst>
                 </a:gridCol>
@@ -12042,7 +12100,7 @@
                 </a:tc>
                 <a:extLst>
                   <a:ext uri="{0D108BD9-81ED-4DB2-BD59-A6C34878D82A}">
-                    <a16:rowId xmlns="" xmlns:a16="http://schemas.microsoft.com/office/drawing/2014/main" val="3848610462"/>
+                    <a16:rowId xmlns:a16="http://schemas.microsoft.com/office/drawing/2014/main" xmlns="" val="3848610462"/>
                   </a:ext>
                 </a:extLst>
               </a:tr>
@@ -12078,28 +12136,28 @@
                 <a:gridCol w="7826072">
                   <a:extLst>
                     <a:ext uri="{9D8B030D-6E8A-4147-A177-3AD203B41FA5}">
-                      <a16:colId xmlns="" xmlns:a16="http://schemas.microsoft.com/office/drawing/2014/main" val="1231489733"/>
+                      <a16:colId xmlns:a16="http://schemas.microsoft.com/office/drawing/2014/main" xmlns="" val="1231489733"/>
                     </a:ext>
                   </a:extLst>
                 </a:gridCol>
                 <a:gridCol w="1206794">
                   <a:extLst>
                     <a:ext uri="{9D8B030D-6E8A-4147-A177-3AD203B41FA5}">
-                      <a16:colId xmlns="" xmlns:a16="http://schemas.microsoft.com/office/drawing/2014/main" val="544777589"/>
+                      <a16:colId xmlns:a16="http://schemas.microsoft.com/office/drawing/2014/main" xmlns="" val="544777589"/>
                     </a:ext>
                   </a:extLst>
                 </a:gridCol>
                 <a:gridCol w="996085">
                   <a:extLst>
                     <a:ext uri="{9D8B030D-6E8A-4147-A177-3AD203B41FA5}">
-                      <a16:colId xmlns="" xmlns:a16="http://schemas.microsoft.com/office/drawing/2014/main" val="3530947747"/>
+                      <a16:colId xmlns:a16="http://schemas.microsoft.com/office/drawing/2014/main" xmlns="" val="3530947747"/>
                     </a:ext>
                   </a:extLst>
                 </a:gridCol>
                 <a:gridCol w="1723990">
                   <a:extLst>
                     <a:ext uri="{9D8B030D-6E8A-4147-A177-3AD203B41FA5}">
-                      <a16:colId xmlns="" xmlns:a16="http://schemas.microsoft.com/office/drawing/2014/main" val="2125865959"/>
+                      <a16:colId xmlns:a16="http://schemas.microsoft.com/office/drawing/2014/main" xmlns="" val="2125865959"/>
                     </a:ext>
                   </a:extLst>
                 </a:gridCol>
@@ -12160,7 +12218,7 @@
                 </a:tc>
                 <a:extLst>
                   <a:ext uri="{0D108BD9-81ED-4DB2-BD59-A6C34878D82A}">
-                    <a16:rowId xmlns="" xmlns:a16="http://schemas.microsoft.com/office/drawing/2014/main" val="1651824249"/>
+                    <a16:rowId xmlns:a16="http://schemas.microsoft.com/office/drawing/2014/main" xmlns="" val="1651824249"/>
                   </a:ext>
                 </a:extLst>
               </a:tr>
@@ -12196,28 +12254,28 @@
                 <a:gridCol w="7826072">
                   <a:extLst>
                     <a:ext uri="{9D8B030D-6E8A-4147-A177-3AD203B41FA5}">
-                      <a16:colId xmlns="" xmlns:a16="http://schemas.microsoft.com/office/drawing/2014/main" val="2153522444"/>
+                      <a16:colId xmlns:a16="http://schemas.microsoft.com/office/drawing/2014/main" xmlns="" val="2153522444"/>
                     </a:ext>
                   </a:extLst>
                 </a:gridCol>
                 <a:gridCol w="1206794">
                   <a:extLst>
                     <a:ext uri="{9D8B030D-6E8A-4147-A177-3AD203B41FA5}">
-                      <a16:colId xmlns="" xmlns:a16="http://schemas.microsoft.com/office/drawing/2014/main" val="268939235"/>
+                      <a16:colId xmlns:a16="http://schemas.microsoft.com/office/drawing/2014/main" xmlns="" val="268939235"/>
                     </a:ext>
                   </a:extLst>
                 </a:gridCol>
                 <a:gridCol w="996085">
                   <a:extLst>
                     <a:ext uri="{9D8B030D-6E8A-4147-A177-3AD203B41FA5}">
-                      <a16:colId xmlns="" xmlns:a16="http://schemas.microsoft.com/office/drawing/2014/main" val="2617046073"/>
+                      <a16:colId xmlns:a16="http://schemas.microsoft.com/office/drawing/2014/main" xmlns="" val="2617046073"/>
                     </a:ext>
                   </a:extLst>
                 </a:gridCol>
                 <a:gridCol w="1723990">
                   <a:extLst>
                     <a:ext uri="{9D8B030D-6E8A-4147-A177-3AD203B41FA5}">
-                      <a16:colId xmlns="" xmlns:a16="http://schemas.microsoft.com/office/drawing/2014/main" val="656986075"/>
+                      <a16:colId xmlns:a16="http://schemas.microsoft.com/office/drawing/2014/main" xmlns="" val="656986075"/>
                     </a:ext>
                   </a:extLst>
                 </a:gridCol>
@@ -12306,7 +12364,7 @@
                 </a:tc>
                 <a:extLst>
                   <a:ext uri="{0D108BD9-81ED-4DB2-BD59-A6C34878D82A}">
-                    <a16:rowId xmlns="" xmlns:a16="http://schemas.microsoft.com/office/drawing/2014/main" val="2538400341"/>
+                    <a16:rowId xmlns:a16="http://schemas.microsoft.com/office/drawing/2014/main" xmlns="" val="2538400341"/>
                   </a:ext>
                 </a:extLst>
               </a:tr>
@@ -12342,28 +12400,28 @@
                 <a:gridCol w="7826072">
                   <a:extLst>
                     <a:ext uri="{9D8B030D-6E8A-4147-A177-3AD203B41FA5}">
-                      <a16:colId xmlns="" xmlns:a16="http://schemas.microsoft.com/office/drawing/2014/main" val="3714670035"/>
+                      <a16:colId xmlns:a16="http://schemas.microsoft.com/office/drawing/2014/main" xmlns="" val="3714670035"/>
                     </a:ext>
                   </a:extLst>
                 </a:gridCol>
                 <a:gridCol w="1206794">
                   <a:extLst>
                     <a:ext uri="{9D8B030D-6E8A-4147-A177-3AD203B41FA5}">
-                      <a16:colId xmlns="" xmlns:a16="http://schemas.microsoft.com/office/drawing/2014/main" val="163196805"/>
+                      <a16:colId xmlns:a16="http://schemas.microsoft.com/office/drawing/2014/main" xmlns="" val="163196805"/>
                     </a:ext>
                   </a:extLst>
                 </a:gridCol>
                 <a:gridCol w="996085">
                   <a:extLst>
                     <a:ext uri="{9D8B030D-6E8A-4147-A177-3AD203B41FA5}">
-                      <a16:colId xmlns="" xmlns:a16="http://schemas.microsoft.com/office/drawing/2014/main" val="1483469417"/>
+                      <a16:colId xmlns:a16="http://schemas.microsoft.com/office/drawing/2014/main" xmlns="" val="1483469417"/>
                     </a:ext>
                   </a:extLst>
                 </a:gridCol>
                 <a:gridCol w="1723990">
                   <a:extLst>
                     <a:ext uri="{9D8B030D-6E8A-4147-A177-3AD203B41FA5}">
-                      <a16:colId xmlns="" xmlns:a16="http://schemas.microsoft.com/office/drawing/2014/main" val="297283406"/>
+                      <a16:colId xmlns:a16="http://schemas.microsoft.com/office/drawing/2014/main" xmlns="" val="297283406"/>
                     </a:ext>
                   </a:extLst>
                 </a:gridCol>
@@ -12421,7 +12479,7 @@
                 </a:tc>
                 <a:extLst>
                   <a:ext uri="{0D108BD9-81ED-4DB2-BD59-A6C34878D82A}">
-                    <a16:rowId xmlns="" xmlns:a16="http://schemas.microsoft.com/office/drawing/2014/main" val="2118774375"/>
+                    <a16:rowId xmlns:a16="http://schemas.microsoft.com/office/drawing/2014/main" xmlns="" val="2118774375"/>
                   </a:ext>
                 </a:extLst>
               </a:tr>
@@ -13999,7 +14057,7 @@
                 <a:gridCol w="3770615">
                   <a:extLst>
                     <a:ext uri="{9D8B030D-6E8A-4147-A177-3AD203B41FA5}">
-                      <a16:colId xmlns="" xmlns:a16="http://schemas.microsoft.com/office/drawing/2014/main" val="1869795355"/>
+                      <a16:colId xmlns:a16="http://schemas.microsoft.com/office/drawing/2014/main" xmlns="" val="1869795355"/>
                     </a:ext>
                   </a:extLst>
                 </a:gridCol>
@@ -14021,7 +14079,7 @@
                 </a:tc>
                 <a:extLst>
                   <a:ext uri="{0D108BD9-81ED-4DB2-BD59-A6C34878D82A}">
-                    <a16:rowId xmlns="" xmlns:a16="http://schemas.microsoft.com/office/drawing/2014/main" val="2744763218"/>
+                    <a16:rowId xmlns:a16="http://schemas.microsoft.com/office/drawing/2014/main" xmlns="" val="2744763218"/>
                   </a:ext>
                 </a:extLst>
               </a:tr>
@@ -14111,7 +14169,7 @@
                 </a:tc>
                 <a:extLst>
                   <a:ext uri="{0D108BD9-81ED-4DB2-BD59-A6C34878D82A}">
-                    <a16:rowId xmlns="" xmlns:a16="http://schemas.microsoft.com/office/drawing/2014/main" val="2177230211"/>
+                    <a16:rowId xmlns:a16="http://schemas.microsoft.com/office/drawing/2014/main" xmlns="" val="2177230211"/>
                   </a:ext>
                 </a:extLst>
               </a:tr>
@@ -14147,7 +14205,7 @@
                 <a:gridCol w="3770615">
                   <a:extLst>
                     <a:ext uri="{9D8B030D-6E8A-4147-A177-3AD203B41FA5}">
-                      <a16:colId xmlns="" xmlns:a16="http://schemas.microsoft.com/office/drawing/2014/main" val="2343213278"/>
+                      <a16:colId xmlns:a16="http://schemas.microsoft.com/office/drawing/2014/main" xmlns="" val="2343213278"/>
                     </a:ext>
                   </a:extLst>
                 </a:gridCol>
@@ -14169,7 +14227,7 @@
                 </a:tc>
                 <a:extLst>
                   <a:ext uri="{0D108BD9-81ED-4DB2-BD59-A6C34878D82A}">
-                    <a16:rowId xmlns="" xmlns:a16="http://schemas.microsoft.com/office/drawing/2014/main" val="2422487574"/>
+                    <a16:rowId xmlns:a16="http://schemas.microsoft.com/office/drawing/2014/main" xmlns="" val="2422487574"/>
                   </a:ext>
                 </a:extLst>
               </a:tr>
@@ -14263,7 +14321,7 @@
                 </a:tc>
                 <a:extLst>
                   <a:ext uri="{0D108BD9-81ED-4DB2-BD59-A6C34878D82A}">
-                    <a16:rowId xmlns="" xmlns:a16="http://schemas.microsoft.com/office/drawing/2014/main" val="942347484"/>
+                    <a16:rowId xmlns:a16="http://schemas.microsoft.com/office/drawing/2014/main" xmlns="" val="942347484"/>
                   </a:ext>
                 </a:extLst>
               </a:tr>
@@ -14299,7 +14357,7 @@
                 <a:gridCol w="3770615">
                   <a:extLst>
                     <a:ext uri="{9D8B030D-6E8A-4147-A177-3AD203B41FA5}">
-                      <a16:colId xmlns="" xmlns:a16="http://schemas.microsoft.com/office/drawing/2014/main" val="698248285"/>
+                      <a16:colId xmlns:a16="http://schemas.microsoft.com/office/drawing/2014/main" xmlns="" val="698248285"/>
                     </a:ext>
                   </a:extLst>
                 </a:gridCol>
@@ -14322,7 +14380,7 @@
                 </a:tc>
                 <a:extLst>
                   <a:ext uri="{0D108BD9-81ED-4DB2-BD59-A6C34878D82A}">
-                    <a16:rowId xmlns="" xmlns:a16="http://schemas.microsoft.com/office/drawing/2014/main" val="3759639083"/>
+                    <a16:rowId xmlns:a16="http://schemas.microsoft.com/office/drawing/2014/main" xmlns="" val="3759639083"/>
                   </a:ext>
                 </a:extLst>
               </a:tr>
@@ -14382,7 +14440,7 @@
                 </a:tc>
                 <a:extLst>
                   <a:ext uri="{0D108BD9-81ED-4DB2-BD59-A6C34878D82A}">
-                    <a16:rowId xmlns="" xmlns:a16="http://schemas.microsoft.com/office/drawing/2014/main" val="546149455"/>
+                    <a16:rowId xmlns:a16="http://schemas.microsoft.com/office/drawing/2014/main" xmlns="" val="546149455"/>
                   </a:ext>
                 </a:extLst>
               </a:tr>
@@ -24689,14 +24747,14 @@
                 <a:gridCol w="2932807">
                   <a:extLst>
                     <a:ext uri="{9D8B030D-6E8A-4147-A177-3AD203B41FA5}">
-                      <a16:colId xmlns="" xmlns:a16="http://schemas.microsoft.com/office/drawing/2014/main" val="1828902982"/>
+                      <a16:colId xmlns:a16="http://schemas.microsoft.com/office/drawing/2014/main" xmlns="" val="1828902982"/>
                     </a:ext>
                   </a:extLst>
                 </a:gridCol>
                 <a:gridCol w="8332617">
                   <a:extLst>
                     <a:ext uri="{9D8B030D-6E8A-4147-A177-3AD203B41FA5}">
-                      <a16:colId xmlns="" xmlns:a16="http://schemas.microsoft.com/office/drawing/2014/main" val="4115054902"/>
+                      <a16:colId xmlns:a16="http://schemas.microsoft.com/office/drawing/2014/main" xmlns="" val="4115054902"/>
                     </a:ext>
                   </a:extLst>
                 </a:gridCol>
@@ -24752,7 +24810,7 @@
                 </a:tc>
                 <a:extLst>
                   <a:ext uri="{0D108BD9-81ED-4DB2-BD59-A6C34878D82A}">
-                    <a16:rowId xmlns="" xmlns:a16="http://schemas.microsoft.com/office/drawing/2014/main" val="1046299132"/>
+                    <a16:rowId xmlns:a16="http://schemas.microsoft.com/office/drawing/2014/main" xmlns="" val="1046299132"/>
                   </a:ext>
                 </a:extLst>
               </a:tr>
@@ -24788,14 +24846,14 @@
                 <a:gridCol w="2932807">
                   <a:extLst>
                     <a:ext uri="{9D8B030D-6E8A-4147-A177-3AD203B41FA5}">
-                      <a16:colId xmlns="" xmlns:a16="http://schemas.microsoft.com/office/drawing/2014/main" val="1765640785"/>
+                      <a16:colId xmlns:a16="http://schemas.microsoft.com/office/drawing/2014/main" xmlns="" val="1765640785"/>
                     </a:ext>
                   </a:extLst>
                 </a:gridCol>
                 <a:gridCol w="8332617">
                   <a:extLst>
                     <a:ext uri="{9D8B030D-6E8A-4147-A177-3AD203B41FA5}">
-                      <a16:colId xmlns="" xmlns:a16="http://schemas.microsoft.com/office/drawing/2014/main" val="1228090905"/>
+                      <a16:colId xmlns:a16="http://schemas.microsoft.com/office/drawing/2014/main" xmlns="" val="1228090905"/>
                     </a:ext>
                   </a:extLst>
                 </a:gridCol>
@@ -24855,7 +24913,7 @@
                 </a:tc>
                 <a:extLst>
                   <a:ext uri="{0D108BD9-81ED-4DB2-BD59-A6C34878D82A}">
-                    <a16:rowId xmlns="" xmlns:a16="http://schemas.microsoft.com/office/drawing/2014/main" val="2911162887"/>
+                    <a16:rowId xmlns:a16="http://schemas.microsoft.com/office/drawing/2014/main" xmlns="" val="2911162887"/>
                   </a:ext>
                 </a:extLst>
               </a:tr>
@@ -24891,14 +24949,14 @@
                 <a:gridCol w="2932807">
                   <a:extLst>
                     <a:ext uri="{9D8B030D-6E8A-4147-A177-3AD203B41FA5}">
-                      <a16:colId xmlns="" xmlns:a16="http://schemas.microsoft.com/office/drawing/2014/main" val="3831955426"/>
+                      <a16:colId xmlns:a16="http://schemas.microsoft.com/office/drawing/2014/main" xmlns="" val="3831955426"/>
                     </a:ext>
                   </a:extLst>
                 </a:gridCol>
                 <a:gridCol w="8332617">
                   <a:extLst>
                     <a:ext uri="{9D8B030D-6E8A-4147-A177-3AD203B41FA5}">
-                      <a16:colId xmlns="" xmlns:a16="http://schemas.microsoft.com/office/drawing/2014/main" val="2042085128"/>
+                      <a16:colId xmlns:a16="http://schemas.microsoft.com/office/drawing/2014/main" xmlns="" val="2042085128"/>
                     </a:ext>
                   </a:extLst>
                 </a:gridCol>
@@ -24954,7 +25012,7 @@
                 </a:tc>
                 <a:extLst>
                   <a:ext uri="{0D108BD9-81ED-4DB2-BD59-A6C34878D82A}">
-                    <a16:rowId xmlns="" xmlns:a16="http://schemas.microsoft.com/office/drawing/2014/main" val="1698863054"/>
+                    <a16:rowId xmlns:a16="http://schemas.microsoft.com/office/drawing/2014/main" xmlns="" val="1698863054"/>
                   </a:ext>
                 </a:extLst>
               </a:tr>
@@ -24990,14 +25048,14 @@
                 <a:gridCol w="2932807">
                   <a:extLst>
                     <a:ext uri="{9D8B030D-6E8A-4147-A177-3AD203B41FA5}">
-                      <a16:colId xmlns="" xmlns:a16="http://schemas.microsoft.com/office/drawing/2014/main" val="727873475"/>
+                      <a16:colId xmlns:a16="http://schemas.microsoft.com/office/drawing/2014/main" xmlns="" val="727873475"/>
                     </a:ext>
                   </a:extLst>
                 </a:gridCol>
                 <a:gridCol w="8332617">
                   <a:extLst>
                     <a:ext uri="{9D8B030D-6E8A-4147-A177-3AD203B41FA5}">
-                      <a16:colId xmlns="" xmlns:a16="http://schemas.microsoft.com/office/drawing/2014/main" val="317984194"/>
+                      <a16:colId xmlns:a16="http://schemas.microsoft.com/office/drawing/2014/main" xmlns="" val="317984194"/>
                     </a:ext>
                   </a:extLst>
                 </a:gridCol>
@@ -25065,7 +25123,7 @@
                 </a:tc>
                 <a:extLst>
                   <a:ext uri="{0D108BD9-81ED-4DB2-BD59-A6C34878D82A}">
-                    <a16:rowId xmlns="" xmlns:a16="http://schemas.microsoft.com/office/drawing/2014/main" val="679611523"/>
+                    <a16:rowId xmlns:a16="http://schemas.microsoft.com/office/drawing/2014/main" xmlns="" val="679611523"/>
                   </a:ext>
                 </a:extLst>
               </a:tr>
@@ -25101,14 +25159,14 @@
                 <a:gridCol w="2932807">
                   <a:extLst>
                     <a:ext uri="{9D8B030D-6E8A-4147-A177-3AD203B41FA5}">
-                      <a16:colId xmlns="" xmlns:a16="http://schemas.microsoft.com/office/drawing/2014/main" val="2341952753"/>
+                      <a16:colId xmlns:a16="http://schemas.microsoft.com/office/drawing/2014/main" xmlns="" val="2341952753"/>
                     </a:ext>
                   </a:extLst>
                 </a:gridCol>
                 <a:gridCol w="8332617">
                   <a:extLst>
                     <a:ext uri="{9D8B030D-6E8A-4147-A177-3AD203B41FA5}">
-                      <a16:colId xmlns="" xmlns:a16="http://schemas.microsoft.com/office/drawing/2014/main" val="3632375279"/>
+                      <a16:colId xmlns:a16="http://schemas.microsoft.com/office/drawing/2014/main" xmlns="" val="3632375279"/>
                     </a:ext>
                   </a:extLst>
                 </a:gridCol>
@@ -25172,7 +25230,7 @@
                 </a:tc>
                 <a:extLst>
                   <a:ext uri="{0D108BD9-81ED-4DB2-BD59-A6C34878D82A}">
-                    <a16:rowId xmlns="" xmlns:a16="http://schemas.microsoft.com/office/drawing/2014/main" val="3022681171"/>
+                    <a16:rowId xmlns:a16="http://schemas.microsoft.com/office/drawing/2014/main" xmlns="" val="3022681171"/>
                   </a:ext>
                 </a:extLst>
               </a:tr>
@@ -25208,14 +25266,14 @@
                 <a:gridCol w="2932807">
                   <a:extLst>
                     <a:ext uri="{9D8B030D-6E8A-4147-A177-3AD203B41FA5}">
-                      <a16:colId xmlns="" xmlns:a16="http://schemas.microsoft.com/office/drawing/2014/main" val="1298425596"/>
+                      <a16:colId xmlns:a16="http://schemas.microsoft.com/office/drawing/2014/main" xmlns="" val="1298425596"/>
                     </a:ext>
                   </a:extLst>
                 </a:gridCol>
                 <a:gridCol w="8332617">
                   <a:extLst>
                     <a:ext uri="{9D8B030D-6E8A-4147-A177-3AD203B41FA5}">
-                      <a16:colId xmlns="" xmlns:a16="http://schemas.microsoft.com/office/drawing/2014/main" val="295949675"/>
+                      <a16:colId xmlns:a16="http://schemas.microsoft.com/office/drawing/2014/main" xmlns="" val="295949675"/>
                     </a:ext>
                   </a:extLst>
                 </a:gridCol>
@@ -25296,7 +25354,7 @@
                 </a:tc>
                 <a:extLst>
                   <a:ext uri="{0D108BD9-81ED-4DB2-BD59-A6C34878D82A}">
-                    <a16:rowId xmlns="" xmlns:a16="http://schemas.microsoft.com/office/drawing/2014/main" val="1787204251"/>
+                    <a16:rowId xmlns:a16="http://schemas.microsoft.com/office/drawing/2014/main" xmlns="" val="1787204251"/>
                   </a:ext>
                 </a:extLst>
               </a:tr>
@@ -25332,14 +25390,14 @@
                 <a:gridCol w="2932807">
                   <a:extLst>
                     <a:ext uri="{9D8B030D-6E8A-4147-A177-3AD203B41FA5}">
-                      <a16:colId xmlns="" xmlns:a16="http://schemas.microsoft.com/office/drawing/2014/main" val="1991077073"/>
+                      <a16:colId xmlns:a16="http://schemas.microsoft.com/office/drawing/2014/main" xmlns="" val="1991077073"/>
                     </a:ext>
                   </a:extLst>
                 </a:gridCol>
                 <a:gridCol w="8332617">
                   <a:extLst>
                     <a:ext uri="{9D8B030D-6E8A-4147-A177-3AD203B41FA5}">
-                      <a16:colId xmlns="" xmlns:a16="http://schemas.microsoft.com/office/drawing/2014/main" val="332938676"/>
+                      <a16:colId xmlns:a16="http://schemas.microsoft.com/office/drawing/2014/main" xmlns="" val="332938676"/>
                     </a:ext>
                   </a:extLst>
                 </a:gridCol>
@@ -25395,7 +25453,7 @@
                 </a:tc>
                 <a:extLst>
                   <a:ext uri="{0D108BD9-81ED-4DB2-BD59-A6C34878D82A}">
-                    <a16:rowId xmlns="" xmlns:a16="http://schemas.microsoft.com/office/drawing/2014/main" val="2937208831"/>
+                    <a16:rowId xmlns:a16="http://schemas.microsoft.com/office/drawing/2014/main" xmlns="" val="2937208831"/>
                   </a:ext>
                 </a:extLst>
               </a:tr>
@@ -25431,14 +25489,14 @@
                 <a:gridCol w="2932807">
                   <a:extLst>
                     <a:ext uri="{9D8B030D-6E8A-4147-A177-3AD203B41FA5}">
-                      <a16:colId xmlns="" xmlns:a16="http://schemas.microsoft.com/office/drawing/2014/main" val="998517978"/>
+                      <a16:colId xmlns:a16="http://schemas.microsoft.com/office/drawing/2014/main" xmlns="" val="998517978"/>
                     </a:ext>
                   </a:extLst>
                 </a:gridCol>
                 <a:gridCol w="8332617">
                   <a:extLst>
                     <a:ext uri="{9D8B030D-6E8A-4147-A177-3AD203B41FA5}">
-                      <a16:colId xmlns="" xmlns:a16="http://schemas.microsoft.com/office/drawing/2014/main" val="53058938"/>
+                      <a16:colId xmlns:a16="http://schemas.microsoft.com/office/drawing/2014/main" xmlns="" val="53058938"/>
                     </a:ext>
                   </a:extLst>
                 </a:gridCol>
@@ -25506,7 +25564,7 @@
                 </a:tc>
                 <a:extLst>
                   <a:ext uri="{0D108BD9-81ED-4DB2-BD59-A6C34878D82A}">
-                    <a16:rowId xmlns="" xmlns:a16="http://schemas.microsoft.com/office/drawing/2014/main" val="151101800"/>
+                    <a16:rowId xmlns:a16="http://schemas.microsoft.com/office/drawing/2014/main" xmlns="" val="151101800"/>
                   </a:ext>
                 </a:extLst>
               </a:tr>
@@ -25542,14 +25600,14 @@
                 <a:gridCol w="2932807">
                   <a:extLst>
                     <a:ext uri="{9D8B030D-6E8A-4147-A177-3AD203B41FA5}">
-                      <a16:colId xmlns="" xmlns:a16="http://schemas.microsoft.com/office/drawing/2014/main" val="3093430669"/>
+                      <a16:colId xmlns:a16="http://schemas.microsoft.com/office/drawing/2014/main" xmlns="" val="3093430669"/>
                     </a:ext>
                   </a:extLst>
                 </a:gridCol>
                 <a:gridCol w="8332617">
                   <a:extLst>
                     <a:ext uri="{9D8B030D-6E8A-4147-A177-3AD203B41FA5}">
-                      <a16:colId xmlns="" xmlns:a16="http://schemas.microsoft.com/office/drawing/2014/main" val="173369710"/>
+                      <a16:colId xmlns:a16="http://schemas.microsoft.com/office/drawing/2014/main" xmlns="" val="173369710"/>
                     </a:ext>
                   </a:extLst>
                 </a:gridCol>
@@ -25635,7 +25693,7 @@
                 </a:tc>
                 <a:extLst>
                   <a:ext uri="{0D108BD9-81ED-4DB2-BD59-A6C34878D82A}">
-                    <a16:rowId xmlns="" xmlns:a16="http://schemas.microsoft.com/office/drawing/2014/main" val="2616702172"/>
+                    <a16:rowId xmlns:a16="http://schemas.microsoft.com/office/drawing/2014/main" xmlns="" val="2616702172"/>
                   </a:ext>
                 </a:extLst>
               </a:tr>
